--- a/_DOCUMENTATION/06_Poster/GFTPrototype-Poster.pptx
+++ b/_DOCUMENTATION/06_Poster/GFTPrototype-Poster.pptx
@@ -4711,7 +4711,7 @@
       </p:sp>
       <p:sp>
         <p:nvSpPr>
-          <p:cNvPr id="2052" name="Text Box 18"/>
+          <p:cNvPr id="2054" name="Text Box 25"/>
           <p:cNvSpPr txBox="1">
             <a:spLocks noChangeArrowheads="1"/>
           </p:cNvSpPr>
@@ -4719,15 +4719,20 @@
         </p:nvSpPr>
         <p:spPr bwMode="auto">
           <a:xfrm>
-            <a:off x="839788" y="3378200"/>
-            <a:ext cx="16551275" cy="2538413"/>
+            <a:off x="17695863" y="2103438"/>
+            <a:ext cx="3373437" cy="2944812"/>
           </a:xfrm>
           <a:prstGeom prst="rect">
             <a:avLst/>
           </a:prstGeom>
           <a:noFill/>
-          <a:ln>
-            <a:noFill/>
+          <a:ln w="9525">
+            <a:solidFill>
+              <a:schemeClr val="tx1"/>
+            </a:solidFill>
+            <a:miter lim="800000"/>
+            <a:headEnd/>
+            <a:tailEnd/>
           </a:ln>
           <a:extLst>
             <a:ext uri="{909E8E84-426E-40DD-AFC4-6F175D3DCCD1}">
@@ -4736,16 +4741,6 @@
                   <a:srgbClr val="FFFFFF"/>
                 </a:solidFill>
               </a14:hiddenFill>
-            </a:ext>
-            <a:ext uri="{91240B29-F687-4F45-9708-019B960494DF}">
-              <a14:hiddenLine xmlns:a14="http://schemas.microsoft.com/office/drawing/2010/main" w="9525">
-                <a:solidFill>
-                  <a:srgbClr val="000000"/>
-                </a:solidFill>
-                <a:miter lim="800000"/>
-                <a:headEnd/>
-                <a:tailEnd/>
-              </a14:hiddenLine>
             </a:ext>
           </a:extLst>
         </p:spPr>
@@ -4852,33 +4847,29 @@
             </a:lvl9pPr>
           </a:lstStyle>
           <a:p>
-            <a:pPr eaLnBrk="1" hangingPunct="1">
-              <a:spcBef>
-                <a:spcPct val="50000"/>
-              </a:spcBef>
-            </a:pPr>
+            <a:pPr eaLnBrk="1" hangingPunct="1"/>
+            <a:endParaRPr lang="de-CH" sz="4100"/>
+          </a:p>
+          <a:p>
+            <a:pPr eaLnBrk="1" hangingPunct="1"/>
+            <a:endParaRPr lang="de-CH" sz="4100"/>
+          </a:p>
+          <a:p>
+            <a:pPr eaLnBrk="1" hangingPunct="1"/>
+            <a:endParaRPr lang="de-CH" sz="4100"/>
+          </a:p>
+          <a:p>
+            <a:pPr algn="ctr" eaLnBrk="1" hangingPunct="1"/>
             <a:r>
-              <a:rPr lang="de-CH" sz="5500" dirty="0"/>
-              <a:t>Studienarbeit Frühjahrssemester 2012</a:t>
+              <a:rPr lang="de-CH" sz="4100"/>
+              <a:t>Foto</a:t>
             </a:r>
-          </a:p>
-          <a:p>
-            <a:pPr eaLnBrk="1" hangingPunct="1">
-              <a:spcBef>
-                <a:spcPct val="50000"/>
-              </a:spcBef>
-            </a:pPr>
-            <a:r>
-              <a:rPr lang="de-CH" sz="5500" dirty="0" smtClean="0"/>
-              <a:t>[Themengebiet]</a:t>
-            </a:r>
-            <a:endParaRPr lang="de-CH" sz="5500" dirty="0"/>
           </a:p>
         </p:txBody>
       </p:sp>
       <p:sp>
         <p:nvSpPr>
-          <p:cNvPr id="2054" name="Text Box 25"/>
+          <p:cNvPr id="2055" name="Text Box 27"/>
           <p:cNvSpPr txBox="1">
             <a:spLocks noChangeArrowheads="1"/>
           </p:cNvSpPr>
@@ -4886,8 +4877,8 @@
         </p:nvSpPr>
         <p:spPr bwMode="auto">
           <a:xfrm>
-            <a:off x="17695863" y="2103438"/>
-            <a:ext cx="3373437" cy="2944812"/>
+            <a:off x="21739225" y="2103438"/>
+            <a:ext cx="3365500" cy="2944812"/>
           </a:xfrm>
           <a:prstGeom prst="rect">
             <a:avLst/>
@@ -5034,164 +5025,6 @@
           </a:p>
         </p:txBody>
       </p:sp>
-      <p:sp>
-        <p:nvSpPr>
-          <p:cNvPr id="2055" name="Text Box 27"/>
-          <p:cNvSpPr txBox="1">
-            <a:spLocks noChangeArrowheads="1"/>
-          </p:cNvSpPr>
-          <p:nvPr/>
-        </p:nvSpPr>
-        <p:spPr bwMode="auto">
-          <a:xfrm>
-            <a:off x="21739225" y="2103438"/>
-            <a:ext cx="3365500" cy="2944812"/>
-          </a:xfrm>
-          <a:prstGeom prst="rect">
-            <a:avLst/>
-          </a:prstGeom>
-          <a:noFill/>
-          <a:ln w="9525">
-            <a:solidFill>
-              <a:schemeClr val="tx1"/>
-            </a:solidFill>
-            <a:miter lim="800000"/>
-            <a:headEnd/>
-            <a:tailEnd/>
-          </a:ln>
-          <a:extLst>
-            <a:ext uri="{909E8E84-426E-40DD-AFC4-6F175D3DCCD1}">
-              <a14:hiddenFill xmlns:a14="http://schemas.microsoft.com/office/drawing/2010/main">
-                <a:solidFill>
-                  <a:srgbClr val="FFFFFF"/>
-                </a:solidFill>
-              </a14:hiddenFill>
-            </a:ext>
-          </a:extLst>
-        </p:spPr>
-        <p:txBody>
-          <a:bodyPr lIns="417643" tIns="208822" rIns="417643" bIns="208822">
-            <a:spAutoFit/>
-          </a:bodyPr>
-          <a:lstStyle>
-            <a:lvl1pPr eaLnBrk="0" hangingPunct="0">
-              <a:defRPr>
-                <a:solidFill>
-                  <a:schemeClr val="tx1"/>
-                </a:solidFill>
-                <a:latin typeface="Arial" charset="0"/>
-              </a:defRPr>
-            </a:lvl1pPr>
-            <a:lvl2pPr marL="742950" indent="-285750" eaLnBrk="0" hangingPunct="0">
-              <a:defRPr>
-                <a:solidFill>
-                  <a:schemeClr val="tx1"/>
-                </a:solidFill>
-                <a:latin typeface="Arial" charset="0"/>
-              </a:defRPr>
-            </a:lvl2pPr>
-            <a:lvl3pPr marL="1143000" indent="-228600" eaLnBrk="0" hangingPunct="0">
-              <a:defRPr>
-                <a:solidFill>
-                  <a:schemeClr val="tx1"/>
-                </a:solidFill>
-                <a:latin typeface="Arial" charset="0"/>
-              </a:defRPr>
-            </a:lvl3pPr>
-            <a:lvl4pPr marL="1600200" indent="-228600" eaLnBrk="0" hangingPunct="0">
-              <a:defRPr>
-                <a:solidFill>
-                  <a:schemeClr val="tx1"/>
-                </a:solidFill>
-                <a:latin typeface="Arial" charset="0"/>
-              </a:defRPr>
-            </a:lvl4pPr>
-            <a:lvl5pPr marL="2057400" indent="-228600" eaLnBrk="0" hangingPunct="0">
-              <a:defRPr>
-                <a:solidFill>
-                  <a:schemeClr val="tx1"/>
-                </a:solidFill>
-                <a:latin typeface="Arial" charset="0"/>
-              </a:defRPr>
-            </a:lvl5pPr>
-            <a:lvl6pPr marL="2514600" indent="-228600" eaLnBrk="0" fontAlgn="base" hangingPunct="0">
-              <a:spcBef>
-                <a:spcPct val="0"/>
-              </a:spcBef>
-              <a:spcAft>
-                <a:spcPct val="0"/>
-              </a:spcAft>
-              <a:defRPr>
-                <a:solidFill>
-                  <a:schemeClr val="tx1"/>
-                </a:solidFill>
-                <a:latin typeface="Arial" charset="0"/>
-              </a:defRPr>
-            </a:lvl6pPr>
-            <a:lvl7pPr marL="2971800" indent="-228600" eaLnBrk="0" fontAlgn="base" hangingPunct="0">
-              <a:spcBef>
-                <a:spcPct val="0"/>
-              </a:spcBef>
-              <a:spcAft>
-                <a:spcPct val="0"/>
-              </a:spcAft>
-              <a:defRPr>
-                <a:solidFill>
-                  <a:schemeClr val="tx1"/>
-                </a:solidFill>
-                <a:latin typeface="Arial" charset="0"/>
-              </a:defRPr>
-            </a:lvl7pPr>
-            <a:lvl8pPr marL="3429000" indent="-228600" eaLnBrk="0" fontAlgn="base" hangingPunct="0">
-              <a:spcBef>
-                <a:spcPct val="0"/>
-              </a:spcBef>
-              <a:spcAft>
-                <a:spcPct val="0"/>
-              </a:spcAft>
-              <a:defRPr>
-                <a:solidFill>
-                  <a:schemeClr val="tx1"/>
-                </a:solidFill>
-                <a:latin typeface="Arial" charset="0"/>
-              </a:defRPr>
-            </a:lvl8pPr>
-            <a:lvl9pPr marL="3886200" indent="-228600" eaLnBrk="0" fontAlgn="base" hangingPunct="0">
-              <a:spcBef>
-                <a:spcPct val="0"/>
-              </a:spcBef>
-              <a:spcAft>
-                <a:spcPct val="0"/>
-              </a:spcAft>
-              <a:defRPr>
-                <a:solidFill>
-                  <a:schemeClr val="tx1"/>
-                </a:solidFill>
-                <a:latin typeface="Arial" charset="0"/>
-              </a:defRPr>
-            </a:lvl9pPr>
-          </a:lstStyle>
-          <a:p>
-            <a:pPr eaLnBrk="1" hangingPunct="1"/>
-            <a:endParaRPr lang="de-CH" sz="4100"/>
-          </a:p>
-          <a:p>
-            <a:pPr eaLnBrk="1" hangingPunct="1"/>
-            <a:endParaRPr lang="de-CH" sz="4100"/>
-          </a:p>
-          <a:p>
-            <a:pPr eaLnBrk="1" hangingPunct="1"/>
-            <a:endParaRPr lang="de-CH" sz="4100"/>
-          </a:p>
-          <a:p>
-            <a:pPr algn="ctr" eaLnBrk="1" hangingPunct="1"/>
-            <a:r>
-              <a:rPr lang="de-CH" sz="4100"/>
-              <a:t>Foto</a:t>
-            </a:r>
-          </a:p>
-        </p:txBody>
-      </p:sp>
       <p:pic>
         <p:nvPicPr>
           <p:cNvPr id="2057" name="Picture 42" descr="Informatik"/>
@@ -5457,11 +5290,17 @@
           <p:cNvGraphicFramePr>
             <a:graphicFrameLocks noGrp="1"/>
           </p:cNvGraphicFramePr>
-          <p:nvPr/>
+          <p:nvPr>
+            <p:extLst>
+              <p:ext uri="{D42A27DB-BD31-4B8C-83A1-F6EECF244321}">
+                <p14:modId xmlns:p14="http://schemas.microsoft.com/office/powerpoint/2010/main" val="745077389"/>
+              </p:ext>
+            </p:extLst>
+          </p:nvPr>
         </p:nvGraphicFramePr>
         <p:xfrm>
-          <a:off x="28749625" y="2127250"/>
-          <a:ext cx="13701713" cy="4046136"/>
+          <a:off x="28749625" y="2127252"/>
+          <a:ext cx="13701713" cy="3594600"/>
         </p:xfrm>
         <a:graphic>
           <a:graphicData uri="http://schemas.openxmlformats.org/drawingml/2006/table">
@@ -5473,7 +5312,7 @@
                 <a:gridCol w="5255711"/>
                 <a:gridCol w="8446002"/>
               </a:tblGrid>
-              <a:tr h="1348317">
+              <a:tr h="689072">
                 <a:tc>
                   <a:txBody>
                     <a:bodyPr/>
@@ -5481,7 +5320,7 @@
                     <a:p>
                       <a:pPr>
                         <a:lnSpc>
-                          <a:spcPct val="150000"/>
+                          <a:spcPct val="100000"/>
                         </a:lnSpc>
                         <a:spcBef>
                           <a:spcPts val="0"/>
@@ -5494,7 +5333,7 @@
                       <a:endParaRPr lang="de-CH" sz="5500" dirty="0"/>
                     </a:p>
                   </a:txBody>
-                  <a:tcPr marL="91433" marR="91433" marT="45706" marB="45706"/>
+                  <a:tcPr marL="0" marR="0" marT="180000" marB="180000"/>
                 </a:tc>
                 <a:tc>
                   <a:txBody>
@@ -5503,7 +5342,7 @@
                     <a:p>
                       <a:pPr>
                         <a:lnSpc>
-                          <a:spcPct val="150000"/>
+                          <a:spcPct val="100000"/>
                         </a:lnSpc>
                         <a:spcBef>
                           <a:spcPts val="0"/>
@@ -5516,10 +5355,10 @@
                       <a:endParaRPr lang="de-CH" sz="5500" dirty="0"/>
                     </a:p>
                   </a:txBody>
-                  <a:tcPr marL="91433" marR="91433" marT="45706" marB="45706"/>
+                  <a:tcPr marL="0" marR="0" marT="180000" marB="180000"/>
                 </a:tc>
               </a:tr>
-              <a:tr h="1348317">
+              <a:tr h="689072">
                 <a:tc>
                   <a:txBody>
                     <a:bodyPr/>
@@ -5527,7 +5366,7 @@
                     <a:p>
                       <a:pPr>
                         <a:lnSpc>
-                          <a:spcPct val="150000"/>
+                          <a:spcPct val="100000"/>
                         </a:lnSpc>
                         <a:spcBef>
                           <a:spcPts val="0"/>
@@ -5540,7 +5379,7 @@
                       <a:endParaRPr lang="de-CH" sz="5500" dirty="0"/>
                     </a:p>
                   </a:txBody>
-                  <a:tcPr marL="91433" marR="91433" marT="45706" marB="45706"/>
+                  <a:tcPr marL="0" marR="0" marT="180000" marB="180000"/>
                 </a:tc>
                 <a:tc>
                   <a:txBody>
@@ -5549,7 +5388,7 @@
                     <a:p>
                       <a:pPr>
                         <a:lnSpc>
-                          <a:spcPct val="150000"/>
+                          <a:spcPct val="100000"/>
                         </a:lnSpc>
                         <a:spcBef>
                           <a:spcPts val="0"/>
@@ -5566,10 +5405,10 @@
                       <a:endParaRPr lang="de-CH" sz="5500" dirty="0"/>
                     </a:p>
                   </a:txBody>
-                  <a:tcPr marL="91433" marR="91433" marT="45706" marB="45706"/>
+                  <a:tcPr marL="0" marR="0" marT="180000" marB="180000"/>
                 </a:tc>
               </a:tr>
-              <a:tr h="1348317">
+              <a:tr h="689072">
                 <a:tc>
                   <a:txBody>
                     <a:bodyPr/>
@@ -5577,7 +5416,7 @@
                     <a:p>
                       <a:pPr>
                         <a:lnSpc>
-                          <a:spcPct val="150000"/>
+                          <a:spcPct val="100000"/>
                         </a:lnSpc>
                         <a:spcBef>
                           <a:spcPts val="0"/>
@@ -5590,7 +5429,7 @@
                       <a:endParaRPr lang="de-CH" sz="5500" dirty="0"/>
                     </a:p>
                   </a:txBody>
-                  <a:tcPr marL="91433" marR="91433" marT="45706" marB="45706"/>
+                  <a:tcPr marL="0" marR="0" marT="180000" marB="180000"/>
                 </a:tc>
                 <a:tc>
                   <a:txBody>
@@ -5599,7 +5438,7 @@
                     <a:p>
                       <a:pPr>
                         <a:lnSpc>
-                          <a:spcPct val="150000"/>
+                          <a:spcPct val="100000"/>
                         </a:lnSpc>
                         <a:spcBef>
                           <a:spcPts val="0"/>
@@ -5612,7 +5451,7 @@
                       <a:endParaRPr lang="de-CH" sz="5500" dirty="0"/>
                     </a:p>
                   </a:txBody>
-                  <a:tcPr marL="91433" marR="91433" marT="45706" marB="45706"/>
+                  <a:tcPr marL="0" marR="0" marT="180000" marB="180000"/>
                 </a:tc>
               </a:tr>
             </a:tbl>
@@ -5642,8 +5481,8 @@
         </p:blipFill>
         <p:spPr bwMode="auto">
           <a:xfrm>
-            <a:off x="19820042" y="15271570"/>
-            <a:ext cx="3108867" cy="3108867"/>
+            <a:off x="20366151" y="9334578"/>
+            <a:ext cx="1918634" cy="1918634"/>
           </a:xfrm>
           <a:prstGeom prst="rect">
             <a:avLst/>
@@ -5683,8 +5522,8 @@
         </p:blipFill>
         <p:spPr bwMode="auto">
           <a:xfrm>
-            <a:off x="20470046" y="10961529"/>
-            <a:ext cx="1963684" cy="1963684"/>
+            <a:off x="20768457" y="6425938"/>
+            <a:ext cx="1211885" cy="1211885"/>
           </a:xfrm>
           <a:prstGeom prst="rect">
             <a:avLst/>
@@ -5724,8 +5563,8 @@
         </p:blipFill>
         <p:spPr bwMode="auto">
           <a:xfrm>
-            <a:off x="17422540" y="10979058"/>
-            <a:ext cx="1953691" cy="1953691"/>
+            <a:off x="18667882" y="6443468"/>
+            <a:ext cx="1205718" cy="1205718"/>
           </a:xfrm>
           <a:prstGeom prst="rect">
             <a:avLst/>
@@ -5765,8 +5604,8 @@
         </p:blipFill>
         <p:spPr bwMode="auto">
           <a:xfrm>
-            <a:off x="23625254" y="10961529"/>
-            <a:ext cx="1978942" cy="1978942"/>
+            <a:off x="22793537" y="6425938"/>
+            <a:ext cx="1221301" cy="1221301"/>
           </a:xfrm>
           <a:prstGeom prst="rect">
             <a:avLst/>
@@ -5791,8 +5630,8 @@
         </p:nvSpPr>
         <p:spPr>
           <a:xfrm rot="3388325">
-            <a:off x="17900165" y="13734437"/>
-            <a:ext cx="2452479" cy="757086"/>
+            <a:off x="19116829" y="8207989"/>
+            <a:ext cx="1513545" cy="467235"/>
           </a:xfrm>
           <a:prstGeom prst="rightArrow">
             <a:avLst/>
@@ -5832,8 +5671,8 @@
         </p:nvSpPr>
         <p:spPr>
           <a:xfrm rot="7761217">
-            <a:off x="22462380" y="13756205"/>
-            <a:ext cx="2507600" cy="757086"/>
+            <a:off x="22112110" y="8354498"/>
+            <a:ext cx="1547563" cy="467235"/>
           </a:xfrm>
           <a:prstGeom prst="rightArrow">
             <a:avLst/>
@@ -5873,14 +5712,16 @@
         </p:nvSpPr>
         <p:spPr>
           <a:xfrm rot="5400000">
-            <a:off x="20412694" y="13717299"/>
-            <a:ext cx="1944270" cy="757086"/>
+            <a:off x="20804938" y="8207988"/>
+            <a:ext cx="1199906" cy="467236"/>
           </a:xfrm>
           <a:prstGeom prst="rightArrow">
             <a:avLst/>
           </a:prstGeom>
           <a:solidFill>
-            <a:schemeClr val="accent2"/>
+            <a:schemeClr val="bg2">
+              <a:lumMod val="50000"/>
+            </a:schemeClr>
           </a:solidFill>
         </p:spPr>
         <p:style>
@@ -5929,8 +5770,8 @@
         </p:blipFill>
         <p:spPr bwMode="auto">
           <a:xfrm>
-            <a:off x="19093384" y="18742985"/>
-            <a:ext cx="4717008" cy="737034"/>
+            <a:off x="19931126" y="11468516"/>
+            <a:ext cx="2911098" cy="454860"/>
           </a:xfrm>
           <a:prstGeom prst="rect">
             <a:avLst/>
@@ -5956,7 +5797,7 @@
           <p:nvPr/>
         </p:nvPicPr>
         <p:blipFill>
-          <a:blip r:embed="rId9">
+          <a:blip r:embed="rId9" cstate="print">
             <a:extLst>
               <a:ext uri="{28A0092B-C50C-407E-A947-70E740481C1C}">
                 <a14:useLocalDpi xmlns:a14="http://schemas.microsoft.com/office/drawing/2010/main" val="0"/>
@@ -5970,8 +5811,8 @@
         </p:blipFill>
         <p:spPr bwMode="auto">
           <a:xfrm>
-            <a:off x="18233607" y="22989077"/>
-            <a:ext cx="6404810" cy="3177525"/>
+            <a:off x="19820042" y="14560856"/>
+            <a:ext cx="3203606" cy="1589358"/>
           </a:xfrm>
           <a:prstGeom prst="rect">
             <a:avLst/>
@@ -6034,8 +5875,8 @@
         </p:blipFill>
         <p:spPr bwMode="auto">
           <a:xfrm>
-            <a:off x="25604196" y="21385719"/>
-            <a:ext cx="6624920" cy="3881508"/>
+            <a:off x="23132502" y="14637813"/>
+            <a:ext cx="4088561" cy="2395468"/>
           </a:xfrm>
           <a:prstGeom prst="rect">
             <a:avLst/>
@@ -6098,8 +5939,8 @@
         </p:blipFill>
         <p:spPr bwMode="auto">
           <a:xfrm>
-            <a:off x="10386732" y="21212154"/>
-            <a:ext cx="6670009" cy="4766720"/>
+            <a:off x="16205903" y="14560856"/>
+            <a:ext cx="3430200" cy="2451391"/>
           </a:xfrm>
           <a:prstGeom prst="rect">
             <a:avLst/>
@@ -6147,8 +5988,8 @@
         </p:nvSpPr>
         <p:spPr>
           <a:xfrm rot="8062791">
-            <a:off x="17293022" y="20271116"/>
-            <a:ext cx="2452479" cy="757086"/>
+            <a:off x="18766448" y="13031241"/>
+            <a:ext cx="2308194" cy="467235"/>
           </a:xfrm>
           <a:prstGeom prst="rightArrow">
             <a:avLst/>
@@ -6188,8 +6029,8 @@
         </p:nvSpPr>
         <p:spPr>
           <a:xfrm rot="5400000">
-            <a:off x="20159529" y="20812354"/>
-            <a:ext cx="2452479" cy="757086"/>
+            <a:off x="20525293" y="13048395"/>
+            <a:ext cx="1740350" cy="484823"/>
           </a:xfrm>
           <a:prstGeom prst="rightArrow">
             <a:avLst/>
@@ -6229,8 +6070,8 @@
         </p:nvSpPr>
         <p:spPr>
           <a:xfrm rot="2925411">
-            <a:off x="23270519" y="20423517"/>
-            <a:ext cx="2452479" cy="757086"/>
+            <a:off x="21926825" y="13053483"/>
+            <a:ext cx="2377967" cy="467235"/>
           </a:xfrm>
           <a:prstGeom prst="rightArrow">
             <a:avLst/>
@@ -6271,14 +6112,14 @@
           <p:nvPr>
             <p:extLst>
               <p:ext uri="{D42A27DB-BD31-4B8C-83A1-F6EECF244321}">
-                <p14:modId xmlns:p14="http://schemas.microsoft.com/office/powerpoint/2010/main" val="164939765"/>
+                <p14:modId xmlns:p14="http://schemas.microsoft.com/office/powerpoint/2010/main" val="727260774"/>
               </p:ext>
             </p:extLst>
           </p:nvPr>
         </p:nvGraphicFramePr>
         <p:xfrm>
-          <a:off x="2177592" y="8474710"/>
-          <a:ext cx="12241699" cy="2011680"/>
+          <a:off x="1420178" y="17948377"/>
+          <a:ext cx="18975944" cy="10986000"/>
         </p:xfrm>
         <a:graphic>
           <a:graphicData uri="http://schemas.openxmlformats.org/drawingml/2006/table">
@@ -6294,34 +6135,2801 @@
                 <a:tableStyleId>{0660B408-B3CF-4A94-85FC-2B1E0A45F4A2}</a:tableStyleId>
               </a:tblPr>
               <a:tblGrid>
-                <a:gridCol w="12241699"/>
+                <a:gridCol w="1261484"/>
+                <a:gridCol w="17714460"/>
               </a:tblGrid>
-              <a:tr h="370840">
+              <a:tr h="923250">
+                <a:tc gridSpan="2">
+                  <a:txBody>
+                    <a:bodyPr/>
+                    <a:lstStyle/>
+                    <a:p>
+                      <a:pPr algn="just"/>
+                      <a:r>
+                        <a:rPr lang="de-CH" sz="5000" dirty="0" err="1" smtClean="0">
+                          <a:latin typeface="Calibri" pitchFamily="34" charset="0"/>
+                          <a:cs typeface="Calibri" pitchFamily="34" charset="0"/>
+                        </a:rPr>
+                        <a:t>Use</a:t>
+                      </a:r>
+                      <a:r>
+                        <a:rPr lang="de-CH" sz="5000" dirty="0" smtClean="0">
+                          <a:latin typeface="Calibri" pitchFamily="34" charset="0"/>
+                          <a:cs typeface="Calibri" pitchFamily="34" charset="0"/>
+                        </a:rPr>
+                        <a:t> Case 1: </a:t>
+                      </a:r>
+                      <a:r>
+                        <a:rPr lang="de-CH" sz="5000" dirty="0" err="1" smtClean="0">
+                          <a:latin typeface="Calibri" pitchFamily="34" charset="0"/>
+                          <a:cs typeface="Calibri" pitchFamily="34" charset="0"/>
+                        </a:rPr>
+                        <a:t>WorldData</a:t>
+                      </a:r>
+                      <a:endParaRPr lang="de-CH" sz="5000" dirty="0" smtClean="0">
+                        <a:latin typeface="Calibri" pitchFamily="34" charset="0"/>
+                        <a:cs typeface="Calibri" pitchFamily="34" charset="0"/>
+                      </a:endParaRPr>
+                    </a:p>
+                  </a:txBody>
+                  <a:tcPr marL="360000" marR="360000" marT="180000" marB="180000"/>
+                </a:tc>
+                <a:tc hMerge="1">
+                  <a:txBody>
+                    <a:bodyPr/>
+                    <a:lstStyle/>
+                    <a:p>
+                      <a:endParaRPr lang="de-CH" sz="5000" dirty="0"/>
+                    </a:p>
+                  </a:txBody>
+                  <a:tcPr marL="360000" marR="360000" marT="180000" marB="180000"/>
+                </a:tc>
+              </a:tr>
+              <a:tr h="998492">
                 <a:tc>
                   <a:txBody>
                     <a:bodyPr/>
                     <a:lstStyle/>
                     <a:p>
-                      <a:r>
-                        <a:rPr lang="de-CH" sz="6000" dirty="0" smtClean="0"/>
-                        <a:t>SQL API</a:t>
-                      </a:r>
-                      <a:endParaRPr lang="de-CH" sz="6000" dirty="0"/>
+                      <a:pPr algn="just"/>
+                      <a:endParaRPr lang="de-CH" sz="2800" b="1" dirty="0" smtClean="0">
+                        <a:latin typeface="Calibri" pitchFamily="34" charset="0"/>
+                        <a:cs typeface="Calibri" pitchFamily="34" charset="0"/>
+                      </a:endParaRPr>
+                    </a:p>
+                    <a:p>
+                      <a:pPr algn="just"/>
+                      <a:endParaRPr lang="de-CH" sz="2800" b="1" dirty="0" smtClean="0">
+                        <a:latin typeface="Calibri" pitchFamily="34" charset="0"/>
+                        <a:cs typeface="Calibri" pitchFamily="34" charset="0"/>
+                      </a:endParaRPr>
                     </a:p>
                   </a:txBody>
-                  <a:tcPr/>
+                  <a:tcPr marL="360000" marR="360000" marT="180000" marB="180000"/>
                 </a:tc>
-              </a:tr>
-              <a:tr h="370840">
                 <a:tc>
                   <a:txBody>
                     <a:bodyPr/>
                     <a:lstStyle/>
                     <a:p>
-                      <a:endParaRPr lang="de-CH" sz="6000" dirty="0"/>
+                      <a:pPr algn="just">
+                        <a:tabLst>
+                          <a:tab pos="5200650" algn="l"/>
+                        </a:tabLst>
+                      </a:pPr>
+                      <a:r>
+                        <a:rPr lang="de-CH" sz="4800" b="1" u="sng" dirty="0" smtClean="0">
+                          <a:solidFill>
+                            <a:schemeClr val="accent2">
+                              <a:lumMod val="50000"/>
+                            </a:schemeClr>
+                          </a:solidFill>
+                          <a:latin typeface="Calibri" pitchFamily="34" charset="0"/>
+                          <a:cs typeface="Calibri" pitchFamily="34" charset="0"/>
+                        </a:rPr>
+                        <a:t>http://worlddata.rdmr.ch</a:t>
+                      </a:r>
                     </a:p>
                   </a:txBody>
-                  <a:tcPr/>
+                  <a:tcPr marL="360000" marR="360000" marT="180000" marB="180000"/>
+                </a:tc>
+              </a:tr>
+              <a:tr h="7118206">
+                <a:tc gridSpan="2">
+                  <a:txBody>
+                    <a:bodyPr/>
+                    <a:lstStyle/>
+                    <a:p>
+                      <a:pPr algn="just"/>
+                      <a:r>
+                        <a:rPr lang="de-CH" sz="3200" b="1" dirty="0" smtClean="0">
+                          <a:latin typeface="Calibri" pitchFamily="34" charset="0"/>
+                          <a:cs typeface="Calibri" pitchFamily="34" charset="0"/>
+                        </a:rPr>
+                        <a:t>Einführung:</a:t>
+                      </a:r>
+                    </a:p>
+                    <a:p>
+                      <a:pPr algn="just"/>
+                      <a:r>
+                        <a:rPr lang="de-CH" sz="2800" dirty="0" smtClean="0">
+                          <a:latin typeface="Calibri" pitchFamily="34" charset="0"/>
+                          <a:cs typeface="Calibri" pitchFamily="34" charset="0"/>
+                        </a:rPr>
+                        <a:t>Im ersten </a:t>
+                      </a:r>
+                      <a:r>
+                        <a:rPr lang="de-CH" sz="2800" dirty="0" err="1" smtClean="0">
+                          <a:latin typeface="Calibri" pitchFamily="34" charset="0"/>
+                          <a:cs typeface="Calibri" pitchFamily="34" charset="0"/>
+                        </a:rPr>
+                        <a:t>Use</a:t>
+                      </a:r>
+                      <a:r>
+                        <a:rPr lang="de-CH" sz="2800" dirty="0" smtClean="0">
+                          <a:latin typeface="Calibri" pitchFamily="34" charset="0"/>
+                          <a:cs typeface="Calibri" pitchFamily="34" charset="0"/>
+                        </a:rPr>
+                        <a:t> Case geht es um die Anzeige </a:t>
+                      </a:r>
+                      <a:r>
+                        <a:rPr lang="de-CH" sz="2800" b="1" dirty="0" smtClean="0">
+                          <a:latin typeface="Calibri" pitchFamily="34" charset="0"/>
+                          <a:cs typeface="Calibri" pitchFamily="34" charset="0"/>
+                        </a:rPr>
+                        <a:t>grosser Datenmengen </a:t>
+                      </a:r>
+                      <a:r>
+                        <a:rPr lang="de-CH" sz="2800" dirty="0" smtClean="0">
+                          <a:latin typeface="Calibri" pitchFamily="34" charset="0"/>
+                          <a:cs typeface="Calibri" pitchFamily="34" charset="0"/>
+                        </a:rPr>
+                        <a:t>auf der Karte. Dazu importierten wir bestehende Datenbestände in eine Google Fusion Table und visualisierten diese per </a:t>
+                      </a:r>
+                      <a:r>
+                        <a:rPr lang="de-CH" sz="2800" b="1" dirty="0" err="1" smtClean="0">
+                          <a:latin typeface="Calibri" pitchFamily="34" charset="0"/>
+                          <a:cs typeface="Calibri" pitchFamily="34" charset="0"/>
+                        </a:rPr>
+                        <a:t>FusionTablesLayer</a:t>
+                      </a:r>
+                      <a:r>
+                        <a:rPr lang="de-CH" sz="2800" b="1" baseline="0" dirty="0" smtClean="0">
+                          <a:latin typeface="Calibri" pitchFamily="34" charset="0"/>
+                          <a:cs typeface="Calibri" pitchFamily="34" charset="0"/>
+                        </a:rPr>
+                        <a:t> </a:t>
+                      </a:r>
+                      <a:r>
+                        <a:rPr lang="de-CH" sz="2800" baseline="0" dirty="0" smtClean="0">
+                          <a:latin typeface="Calibri" pitchFamily="34" charset="0"/>
+                          <a:cs typeface="Calibri" pitchFamily="34" charset="0"/>
+                        </a:rPr>
+                        <a:t>des</a:t>
+                      </a:r>
+                      <a:r>
+                        <a:rPr lang="de-CH" sz="2800" dirty="0" smtClean="0">
+                          <a:latin typeface="Calibri" pitchFamily="34" charset="0"/>
+                          <a:cs typeface="Calibri" pitchFamily="34" charset="0"/>
+                        </a:rPr>
+                        <a:t> Google </a:t>
+                      </a:r>
+                      <a:r>
+                        <a:rPr lang="de-CH" sz="2800" dirty="0" err="1" smtClean="0">
+                          <a:latin typeface="Calibri" pitchFamily="34" charset="0"/>
+                          <a:cs typeface="Calibri" pitchFamily="34" charset="0"/>
+                        </a:rPr>
+                        <a:t>Maps</a:t>
+                      </a:r>
+                      <a:r>
+                        <a:rPr lang="de-CH" sz="2800" dirty="0" smtClean="0">
+                          <a:latin typeface="Calibri" pitchFamily="34" charset="0"/>
+                          <a:cs typeface="Calibri" pitchFamily="34" charset="0"/>
+                        </a:rPr>
+                        <a:t> API auf der Karte.</a:t>
+                      </a:r>
+                    </a:p>
+                    <a:p>
+                      <a:pPr algn="just"/>
+                      <a:endParaRPr lang="de-CH" sz="2800" dirty="0" smtClean="0">
+                        <a:latin typeface="Calibri" pitchFamily="34" charset="0"/>
+                        <a:cs typeface="Calibri" pitchFamily="34" charset="0"/>
+                      </a:endParaRPr>
+                    </a:p>
+                    <a:p>
+                      <a:pPr algn="just"/>
+                      <a:r>
+                        <a:rPr lang="de-CH" sz="3200" b="1" dirty="0" smtClean="0">
+                          <a:latin typeface="Calibri" pitchFamily="34" charset="0"/>
+                          <a:cs typeface="Calibri" pitchFamily="34" charset="0"/>
+                        </a:rPr>
+                        <a:t>Ziel:</a:t>
+                      </a:r>
+                    </a:p>
+                    <a:p>
+                      <a:pPr marL="0" marR="0" indent="0" algn="just" defTabSz="4176431" rtl="0" eaLnBrk="1" fontAlgn="auto" latinLnBrk="0" hangingPunct="1">
+                        <a:lnSpc>
+                          <a:spcPct val="100000"/>
+                        </a:lnSpc>
+                        <a:spcBef>
+                          <a:spcPts val="0"/>
+                        </a:spcBef>
+                        <a:spcAft>
+                          <a:spcPts val="0"/>
+                        </a:spcAft>
+                        <a:buClrTx/>
+                        <a:buSzTx/>
+                        <a:buFontTx/>
+                        <a:buNone/>
+                        <a:tabLst/>
+                        <a:defRPr/>
+                      </a:pPr>
+                      <a:r>
+                        <a:rPr lang="de-CH" sz="2800" dirty="0" smtClean="0">
+                          <a:latin typeface="Calibri" pitchFamily="34" charset="0"/>
+                          <a:cs typeface="Calibri" pitchFamily="34" charset="0"/>
+                        </a:rPr>
+                        <a:t>Es sollen verschiedene historische Länderdaten auf einer Weltkarte angezeigt werden. Die Daten sind pro Jahr und Thema unterteilt. Über eine Zeitachse soll es möglich sein die Daten der verschiedenen Jahre zu selektieren. Eine solche Darstellung kann beispielsweise dabei helfen Zusammenhänge zwischen verschiedenen Themenbereichen zu finden.</a:t>
+                      </a:r>
+                    </a:p>
+                    <a:p>
+                      <a:pPr marL="0" marR="0" indent="0" algn="just" defTabSz="4176431" rtl="0" eaLnBrk="1" fontAlgn="auto" latinLnBrk="0" hangingPunct="1">
+                        <a:lnSpc>
+                          <a:spcPct val="100000"/>
+                        </a:lnSpc>
+                        <a:spcBef>
+                          <a:spcPts val="0"/>
+                        </a:spcBef>
+                        <a:spcAft>
+                          <a:spcPts val="0"/>
+                        </a:spcAft>
+                        <a:buClrTx/>
+                        <a:buSzTx/>
+                        <a:buFontTx/>
+                        <a:buNone/>
+                        <a:tabLst/>
+                        <a:defRPr/>
+                      </a:pPr>
+                      <a:endParaRPr lang="de-CH" sz="2800" dirty="0" smtClean="0">
+                        <a:latin typeface="Calibri" pitchFamily="34" charset="0"/>
+                        <a:cs typeface="Calibri" pitchFamily="34" charset="0"/>
+                      </a:endParaRPr>
+                    </a:p>
+                    <a:p>
+                      <a:pPr marL="0" marR="0" indent="0" algn="just" defTabSz="4176431" rtl="0" eaLnBrk="1" fontAlgn="auto" latinLnBrk="0" hangingPunct="1">
+                        <a:lnSpc>
+                          <a:spcPct val="100000"/>
+                        </a:lnSpc>
+                        <a:spcBef>
+                          <a:spcPts val="0"/>
+                        </a:spcBef>
+                        <a:spcAft>
+                          <a:spcPts val="0"/>
+                        </a:spcAft>
+                        <a:buClrTx/>
+                        <a:buSzTx/>
+                        <a:buFontTx/>
+                        <a:buNone/>
+                        <a:tabLst/>
+                        <a:defRPr/>
+                      </a:pPr>
+                      <a:r>
+                        <a:rPr lang="de-CH" sz="3200" b="1" dirty="0" smtClean="0">
+                          <a:latin typeface="Calibri" pitchFamily="34" charset="0"/>
+                          <a:cs typeface="Calibri" pitchFamily="34" charset="0"/>
+                        </a:rPr>
+                        <a:t>Resultat:</a:t>
+                      </a:r>
+                    </a:p>
+                    <a:p>
+                      <a:pPr marL="0" marR="0" indent="0" algn="just" defTabSz="4176431" rtl="0" eaLnBrk="1" fontAlgn="auto" latinLnBrk="0" hangingPunct="1">
+                        <a:lnSpc>
+                          <a:spcPct val="100000"/>
+                        </a:lnSpc>
+                        <a:spcBef>
+                          <a:spcPts val="0"/>
+                        </a:spcBef>
+                        <a:spcAft>
+                          <a:spcPts val="0"/>
+                        </a:spcAft>
+                        <a:buClrTx/>
+                        <a:buSzTx/>
+                        <a:buFontTx/>
+                        <a:buNone/>
+                        <a:tabLst/>
+                        <a:defRPr/>
+                      </a:pPr>
+                      <a:endParaRPr lang="de-CH" sz="2800" b="1" dirty="0" smtClean="0">
+                        <a:latin typeface="Calibri" pitchFamily="34" charset="0"/>
+                        <a:cs typeface="Calibri" pitchFamily="34" charset="0"/>
+                      </a:endParaRPr>
+                    </a:p>
+                    <a:p>
+                      <a:pPr marL="0" marR="0" indent="0" algn="just" defTabSz="4176431" rtl="0" eaLnBrk="1" fontAlgn="auto" latinLnBrk="0" hangingPunct="1">
+                        <a:lnSpc>
+                          <a:spcPct val="100000"/>
+                        </a:lnSpc>
+                        <a:spcBef>
+                          <a:spcPts val="0"/>
+                        </a:spcBef>
+                        <a:spcAft>
+                          <a:spcPts val="0"/>
+                        </a:spcAft>
+                        <a:buClrTx/>
+                        <a:buSzTx/>
+                        <a:buFontTx/>
+                        <a:buNone/>
+                        <a:tabLst/>
+                        <a:defRPr/>
+                      </a:pPr>
+                      <a:endParaRPr lang="de-CH" sz="2800" b="1" dirty="0" smtClean="0">
+                        <a:latin typeface="Calibri" pitchFamily="34" charset="0"/>
+                        <a:cs typeface="Calibri" pitchFamily="34" charset="0"/>
+                      </a:endParaRPr>
+                    </a:p>
+                    <a:p>
+                      <a:pPr marL="0" marR="0" indent="0" algn="just" defTabSz="4176431" rtl="0" eaLnBrk="1" fontAlgn="auto" latinLnBrk="0" hangingPunct="1">
+                        <a:lnSpc>
+                          <a:spcPct val="100000"/>
+                        </a:lnSpc>
+                        <a:spcBef>
+                          <a:spcPts val="0"/>
+                        </a:spcBef>
+                        <a:spcAft>
+                          <a:spcPts val="0"/>
+                        </a:spcAft>
+                        <a:buClrTx/>
+                        <a:buSzTx/>
+                        <a:buFontTx/>
+                        <a:buNone/>
+                        <a:tabLst/>
+                        <a:defRPr/>
+                      </a:pPr>
+                      <a:endParaRPr lang="de-CH" sz="2800" b="1" dirty="0" smtClean="0">
+                        <a:latin typeface="Calibri" pitchFamily="34" charset="0"/>
+                        <a:cs typeface="Calibri" pitchFamily="34" charset="0"/>
+                      </a:endParaRPr>
+                    </a:p>
+                    <a:p>
+                      <a:pPr marL="0" marR="0" indent="0" algn="just" defTabSz="4176431" rtl="0" eaLnBrk="1" fontAlgn="auto" latinLnBrk="0" hangingPunct="1">
+                        <a:lnSpc>
+                          <a:spcPct val="100000"/>
+                        </a:lnSpc>
+                        <a:spcBef>
+                          <a:spcPts val="0"/>
+                        </a:spcBef>
+                        <a:spcAft>
+                          <a:spcPts val="0"/>
+                        </a:spcAft>
+                        <a:buClrTx/>
+                        <a:buSzTx/>
+                        <a:buFontTx/>
+                        <a:buNone/>
+                        <a:tabLst/>
+                        <a:defRPr/>
+                      </a:pPr>
+                      <a:endParaRPr lang="de-CH" sz="2800" b="1" dirty="0" smtClean="0">
+                        <a:latin typeface="Calibri" pitchFamily="34" charset="0"/>
+                        <a:cs typeface="Calibri" pitchFamily="34" charset="0"/>
+                      </a:endParaRPr>
+                    </a:p>
+                    <a:p>
+                      <a:pPr marL="0" marR="0" indent="0" algn="just" defTabSz="4176431" rtl="0" eaLnBrk="1" fontAlgn="auto" latinLnBrk="0" hangingPunct="1">
+                        <a:lnSpc>
+                          <a:spcPct val="100000"/>
+                        </a:lnSpc>
+                        <a:spcBef>
+                          <a:spcPts val="0"/>
+                        </a:spcBef>
+                        <a:spcAft>
+                          <a:spcPts val="0"/>
+                        </a:spcAft>
+                        <a:buClrTx/>
+                        <a:buSzTx/>
+                        <a:buFontTx/>
+                        <a:buNone/>
+                        <a:tabLst/>
+                        <a:defRPr/>
+                      </a:pPr>
+                      <a:endParaRPr lang="de-CH" sz="2800" b="1" dirty="0" smtClean="0">
+                        <a:latin typeface="Calibri" pitchFamily="34" charset="0"/>
+                        <a:cs typeface="Calibri" pitchFamily="34" charset="0"/>
+                      </a:endParaRPr>
+                    </a:p>
+                    <a:p>
+                      <a:pPr marL="0" marR="0" indent="0" algn="just" defTabSz="4176431" rtl="0" eaLnBrk="1" fontAlgn="auto" latinLnBrk="0" hangingPunct="1">
+                        <a:lnSpc>
+                          <a:spcPct val="100000"/>
+                        </a:lnSpc>
+                        <a:spcBef>
+                          <a:spcPts val="0"/>
+                        </a:spcBef>
+                        <a:spcAft>
+                          <a:spcPts val="0"/>
+                        </a:spcAft>
+                        <a:buClrTx/>
+                        <a:buSzTx/>
+                        <a:buFontTx/>
+                        <a:buNone/>
+                        <a:tabLst/>
+                        <a:defRPr/>
+                      </a:pPr>
+                      <a:endParaRPr lang="de-CH" sz="2800" b="1" dirty="0" smtClean="0">
+                        <a:latin typeface="Calibri" pitchFamily="34" charset="0"/>
+                        <a:cs typeface="Calibri" pitchFamily="34" charset="0"/>
+                      </a:endParaRPr>
+                    </a:p>
+                    <a:p>
+                      <a:pPr marL="0" marR="0" indent="0" algn="just" defTabSz="4176431" rtl="0" eaLnBrk="1" fontAlgn="auto" latinLnBrk="0" hangingPunct="1">
+                        <a:lnSpc>
+                          <a:spcPct val="100000"/>
+                        </a:lnSpc>
+                        <a:spcBef>
+                          <a:spcPts val="0"/>
+                        </a:spcBef>
+                        <a:spcAft>
+                          <a:spcPts val="0"/>
+                        </a:spcAft>
+                        <a:buClrTx/>
+                        <a:buSzTx/>
+                        <a:buFontTx/>
+                        <a:buNone/>
+                        <a:tabLst/>
+                        <a:defRPr/>
+                      </a:pPr>
+                      <a:endParaRPr lang="de-CH" sz="2800" b="1" dirty="0" smtClean="0">
+                        <a:latin typeface="Calibri" pitchFamily="34" charset="0"/>
+                        <a:cs typeface="Calibri" pitchFamily="34" charset="0"/>
+                      </a:endParaRPr>
+                    </a:p>
+                    <a:p>
+                      <a:pPr marL="0" marR="0" indent="0" algn="just" defTabSz="4176431" rtl="0" eaLnBrk="1" fontAlgn="auto" latinLnBrk="0" hangingPunct="1">
+                        <a:lnSpc>
+                          <a:spcPct val="100000"/>
+                        </a:lnSpc>
+                        <a:spcBef>
+                          <a:spcPts val="0"/>
+                        </a:spcBef>
+                        <a:spcAft>
+                          <a:spcPts val="0"/>
+                        </a:spcAft>
+                        <a:buClrTx/>
+                        <a:buSzTx/>
+                        <a:buFontTx/>
+                        <a:buNone/>
+                        <a:tabLst/>
+                        <a:defRPr/>
+                      </a:pPr>
+                      <a:endParaRPr lang="de-CH" sz="2800" b="1" dirty="0" smtClean="0">
+                        <a:latin typeface="Calibri" pitchFamily="34" charset="0"/>
+                        <a:cs typeface="Calibri" pitchFamily="34" charset="0"/>
+                      </a:endParaRPr>
+                    </a:p>
+                    <a:p>
+                      <a:pPr marL="0" marR="0" indent="0" algn="just" defTabSz="4176431" rtl="0" eaLnBrk="1" fontAlgn="auto" latinLnBrk="0" hangingPunct="1">
+                        <a:lnSpc>
+                          <a:spcPct val="100000"/>
+                        </a:lnSpc>
+                        <a:spcBef>
+                          <a:spcPts val="0"/>
+                        </a:spcBef>
+                        <a:spcAft>
+                          <a:spcPts val="0"/>
+                        </a:spcAft>
+                        <a:buClrTx/>
+                        <a:buSzTx/>
+                        <a:buFontTx/>
+                        <a:buNone/>
+                        <a:tabLst/>
+                        <a:defRPr/>
+                      </a:pPr>
+                      <a:endParaRPr lang="de-CH" sz="2800" b="1" dirty="0" smtClean="0">
+                        <a:latin typeface="Calibri" pitchFamily="34" charset="0"/>
+                        <a:cs typeface="Calibri" pitchFamily="34" charset="0"/>
+                      </a:endParaRPr>
+                    </a:p>
+                  </a:txBody>
+                  <a:tcPr marL="360000" marR="360000" marT="180000" marB="180000"/>
+                </a:tc>
+                <a:tc hMerge="1">
+                  <a:txBody>
+                    <a:bodyPr/>
+                    <a:lstStyle/>
+                    <a:p>
+                      <a:endParaRPr lang="de-CH" sz="2800" dirty="0"/>
+                    </a:p>
+                  </a:txBody>
+                  <a:tcPr marL="360000" marR="360000" marT="180000" marB="180000"/>
+                </a:tc>
+              </a:tr>
+            </a:tbl>
+          </a:graphicData>
+        </a:graphic>
+      </p:graphicFrame>
+      <p:pic>
+        <p:nvPicPr>
+          <p:cNvPr id="1032" name="Picture 8" descr="C:\xampp\htdocs\gft\_DOCUMENTATION\06_Poster\images\worlddata-icon_with_gloss.png"/>
+          <p:cNvPicPr>
+            <a:picLocks noChangeAspect="1" noChangeArrowheads="1"/>
+          </p:cNvPicPr>
+          <p:nvPr/>
+        </p:nvPicPr>
+        <p:blipFill>
+          <a:blip r:embed="rId12">
+            <a:extLst>
+              <a:ext uri="{28A0092B-C50C-407E-A947-70E740481C1C}">
+                <a14:useLocalDpi xmlns:a14="http://schemas.microsoft.com/office/drawing/2010/main" val="0"/>
+              </a:ext>
+            </a:extLst>
+          </a:blip>
+          <a:srcRect/>
+          <a:stretch>
+            <a:fillRect/>
+          </a:stretch>
+        </p:blipFill>
+        <p:spPr bwMode="auto">
+          <a:xfrm>
+            <a:off x="19230353" y="17660337"/>
+            <a:ext cx="1623965" cy="1623965"/>
+          </a:xfrm>
+          <a:prstGeom prst="rect">
+            <a:avLst/>
+          </a:prstGeom>
+          <a:noFill/>
+          <a:extLst>
+            <a:ext uri="{909E8E84-426E-40DD-AFC4-6F175D3DCCD1}">
+              <a14:hiddenFill xmlns:a14="http://schemas.microsoft.com/office/drawing/2010/main">
+                <a:solidFill>
+                  <a:srgbClr val="FFFFFF"/>
+                </a:solidFill>
+              </a14:hiddenFill>
+            </a:ext>
+          </a:extLst>
+        </p:spPr>
+      </p:pic>
+      <p:pic>
+        <p:nvPicPr>
+          <p:cNvPr id="37" name="Picture 10" descr="C:\xampp\htdocs\gft\_DOCUMENTATION\06_Poster\images\worlddata-qrcode.png"/>
+          <p:cNvPicPr>
+            <a:picLocks noChangeAspect="1" noChangeArrowheads="1"/>
+          </p:cNvPicPr>
+          <p:nvPr/>
+        </p:nvPicPr>
+        <p:blipFill>
+          <a:blip r:embed="rId13">
+            <a:extLst>
+              <a:ext uri="{28A0092B-C50C-407E-A947-70E740481C1C}">
+                <a14:useLocalDpi xmlns:a14="http://schemas.microsoft.com/office/drawing/2010/main" val="0"/>
+              </a:ext>
+            </a:extLst>
+          </a:blip>
+          <a:srcRect/>
+          <a:stretch>
+            <a:fillRect/>
+          </a:stretch>
+        </p:blipFill>
+        <p:spPr bwMode="auto">
+          <a:xfrm>
+            <a:off x="1457492" y="19100537"/>
+            <a:ext cx="1152160" cy="1152160"/>
+          </a:xfrm>
+          <a:prstGeom prst="rect">
+            <a:avLst/>
+          </a:prstGeom>
+          <a:noFill/>
+          <a:extLst>
+            <a:ext uri="{909E8E84-426E-40DD-AFC4-6F175D3DCCD1}">
+              <a14:hiddenFill xmlns:a14="http://schemas.microsoft.com/office/drawing/2010/main">
+                <a:solidFill>
+                  <a:srgbClr val="FFFFFF"/>
+                </a:solidFill>
+              </a14:hiddenFill>
+            </a:ext>
+          </a:extLst>
+        </p:spPr>
+      </p:pic>
+      <p:pic>
+        <p:nvPicPr>
+          <p:cNvPr id="1035" name="Picture 11"/>
+          <p:cNvPicPr>
+            <a:picLocks noChangeAspect="1" noChangeArrowheads="1"/>
+          </p:cNvPicPr>
+          <p:nvPr/>
+        </p:nvPicPr>
+        <p:blipFill>
+          <a:blip r:embed="rId14">
+            <a:extLst>
+              <a:ext uri="{28A0092B-C50C-407E-A947-70E740481C1C}">
+                <a14:useLocalDpi xmlns:a14="http://schemas.microsoft.com/office/drawing/2010/main" val="0"/>
+              </a:ext>
+            </a:extLst>
+          </a:blip>
+          <a:srcRect/>
+          <a:stretch>
+            <a:fillRect/>
+          </a:stretch>
+        </p:blipFill>
+        <p:spPr bwMode="auto">
+          <a:xfrm>
+            <a:off x="10674772" y="24501287"/>
+            <a:ext cx="4495662" cy="4335103"/>
+          </a:xfrm>
+          <a:prstGeom prst="rect">
+            <a:avLst/>
+          </a:prstGeom>
+          <a:noFill/>
+          <a:ln>
+            <a:noFill/>
+          </a:ln>
+          <a:effectLst/>
+          <a:extLst>
+            <a:ext uri="{909E8E84-426E-40DD-AFC4-6F175D3DCCD1}">
+              <a14:hiddenFill xmlns:a14="http://schemas.microsoft.com/office/drawing/2010/main">
+                <a:solidFill>
+                  <a:schemeClr val="accent1"/>
+                </a:solidFill>
+              </a14:hiddenFill>
+            </a:ext>
+            <a:ext uri="{91240B29-F687-4F45-9708-019B960494DF}">
+              <a14:hiddenLine xmlns:a14="http://schemas.microsoft.com/office/drawing/2010/main" w="9525">
+                <a:solidFill>
+                  <a:schemeClr val="tx1"/>
+                </a:solidFill>
+                <a:miter lim="800000"/>
+                <a:headEnd/>
+                <a:tailEnd/>
+              </a14:hiddenLine>
+            </a:ext>
+            <a:ext uri="{AF507438-7753-43E0-B8FC-AC1667EBCBE1}">
+              <a14:hiddenEffects xmlns:a14="http://schemas.microsoft.com/office/drawing/2010/main">
+                <a:effectLst>
+                  <a:outerShdw dist="35921" dir="2700000" algn="ctr" rotWithShape="0">
+                    <a:schemeClr val="bg2"/>
+                  </a:outerShdw>
+                </a:effectLst>
+              </a14:hiddenEffects>
+            </a:ext>
+          </a:extLst>
+        </p:spPr>
+      </p:pic>
+      <p:pic>
+        <p:nvPicPr>
+          <p:cNvPr id="1036" name="Picture 12"/>
+          <p:cNvPicPr>
+            <a:picLocks noChangeAspect="1" noChangeArrowheads="1"/>
+          </p:cNvPicPr>
+          <p:nvPr/>
+        </p:nvPicPr>
+        <p:blipFill>
+          <a:blip r:embed="rId15">
+            <a:extLst>
+              <a:ext uri="{28A0092B-C50C-407E-A947-70E740481C1C}">
+                <a14:useLocalDpi xmlns:a14="http://schemas.microsoft.com/office/drawing/2010/main" val="0"/>
+              </a:ext>
+            </a:extLst>
+          </a:blip>
+          <a:srcRect/>
+          <a:stretch>
+            <a:fillRect/>
+          </a:stretch>
+        </p:blipFill>
+        <p:spPr bwMode="auto">
+          <a:xfrm>
+            <a:off x="15499442" y="24501287"/>
+            <a:ext cx="4396240" cy="4335103"/>
+          </a:xfrm>
+          <a:prstGeom prst="rect">
+            <a:avLst/>
+          </a:prstGeom>
+          <a:noFill/>
+          <a:ln>
+            <a:noFill/>
+          </a:ln>
+          <a:effectLst/>
+          <a:extLst>
+            <a:ext uri="{909E8E84-426E-40DD-AFC4-6F175D3DCCD1}">
+              <a14:hiddenFill xmlns:a14="http://schemas.microsoft.com/office/drawing/2010/main">
+                <a:solidFill>
+                  <a:schemeClr val="accent1"/>
+                </a:solidFill>
+              </a14:hiddenFill>
+            </a:ext>
+            <a:ext uri="{91240B29-F687-4F45-9708-019B960494DF}">
+              <a14:hiddenLine xmlns:a14="http://schemas.microsoft.com/office/drawing/2010/main" w="9525">
+                <a:solidFill>
+                  <a:schemeClr val="tx1"/>
+                </a:solidFill>
+                <a:miter lim="800000"/>
+                <a:headEnd/>
+                <a:tailEnd/>
+              </a14:hiddenLine>
+            </a:ext>
+            <a:ext uri="{AF507438-7753-43E0-B8FC-AC1667EBCBE1}">
+              <a14:hiddenEffects xmlns:a14="http://schemas.microsoft.com/office/drawing/2010/main">
+                <a:effectLst>
+                  <a:outerShdw dist="35921" dir="2700000" algn="ctr" rotWithShape="0">
+                    <a:schemeClr val="bg2"/>
+                  </a:outerShdw>
+                </a:effectLst>
+              </a14:hiddenEffects>
+            </a:ext>
+          </a:extLst>
+        </p:spPr>
+      </p:pic>
+      <p:pic>
+        <p:nvPicPr>
+          <p:cNvPr id="1038" name="Picture 14"/>
+          <p:cNvPicPr>
+            <a:picLocks noChangeAspect="1" noChangeArrowheads="1"/>
+          </p:cNvPicPr>
+          <p:nvPr/>
+        </p:nvPicPr>
+        <p:blipFill>
+          <a:blip r:embed="rId16">
+            <a:extLst>
+              <a:ext uri="{28A0092B-C50C-407E-A947-70E740481C1C}">
+                <a14:useLocalDpi xmlns:a14="http://schemas.microsoft.com/office/drawing/2010/main" val="0"/>
+              </a:ext>
+            </a:extLst>
+          </a:blip>
+          <a:srcRect/>
+          <a:stretch>
+            <a:fillRect/>
+          </a:stretch>
+        </p:blipFill>
+        <p:spPr bwMode="auto">
+          <a:xfrm>
+            <a:off x="3905832" y="24501287"/>
+            <a:ext cx="6303943" cy="4227824"/>
+          </a:xfrm>
+          <a:prstGeom prst="rect">
+            <a:avLst/>
+          </a:prstGeom>
+          <a:noFill/>
+          <a:ln>
+            <a:noFill/>
+          </a:ln>
+          <a:effectLst/>
+          <a:extLst>
+            <a:ext uri="{909E8E84-426E-40DD-AFC4-6F175D3DCCD1}">
+              <a14:hiddenFill xmlns:a14="http://schemas.microsoft.com/office/drawing/2010/main">
+                <a:solidFill>
+                  <a:schemeClr val="accent1"/>
+                </a:solidFill>
+              </a14:hiddenFill>
+            </a:ext>
+            <a:ext uri="{91240B29-F687-4F45-9708-019B960494DF}">
+              <a14:hiddenLine xmlns:a14="http://schemas.microsoft.com/office/drawing/2010/main" w="9525">
+                <a:solidFill>
+                  <a:schemeClr val="tx1"/>
+                </a:solidFill>
+                <a:miter lim="800000"/>
+                <a:headEnd/>
+                <a:tailEnd/>
+              </a14:hiddenLine>
+            </a:ext>
+            <a:ext uri="{AF507438-7753-43E0-B8FC-AC1667EBCBE1}">
+              <a14:hiddenEffects xmlns:a14="http://schemas.microsoft.com/office/drawing/2010/main">
+                <a:effectLst>
+                  <a:outerShdw dist="35921" dir="2700000" algn="ctr" rotWithShape="0">
+                    <a:schemeClr val="bg2"/>
+                  </a:outerShdw>
+                </a:effectLst>
+              </a14:hiddenEffects>
+            </a:ext>
+          </a:extLst>
+        </p:spPr>
+      </p:pic>
+      <p:graphicFrame>
+        <p:nvGraphicFramePr>
+          <p:cNvPr id="42" name="Tabelle 41"/>
+          <p:cNvGraphicFramePr>
+            <a:graphicFrameLocks noGrp="1"/>
+          </p:cNvGraphicFramePr>
+          <p:nvPr>
+            <p:extLst>
+              <p:ext uri="{D42A27DB-BD31-4B8C-83A1-F6EECF244321}">
+                <p14:modId xmlns:p14="http://schemas.microsoft.com/office/powerpoint/2010/main" val="2858864611"/>
+              </p:ext>
+            </p:extLst>
+          </p:nvPr>
+        </p:nvGraphicFramePr>
+        <p:xfrm>
+          <a:off x="22276942" y="17977419"/>
+          <a:ext cx="18975944" cy="10864080"/>
+        </p:xfrm>
+        <a:graphic>
+          <a:graphicData uri="http://schemas.openxmlformats.org/drawingml/2006/table">
+            <a:tbl>
+              <a:tblPr firstRow="1" bandRow="1">
+                <a:effectLst>
+                  <a:outerShdw blurRad="50800" dist="38100" dir="2700000" algn="tl" rotWithShape="0">
+                    <a:prstClr val="black">
+                      <a:alpha val="40000"/>
+                    </a:prstClr>
+                  </a:outerShdw>
+                </a:effectLst>
+                <a:tableStyleId>{0660B408-B3CF-4A94-85FC-2B1E0A45F4A2}</a:tableStyleId>
+              </a:tblPr>
+              <a:tblGrid>
+                <a:gridCol w="17849920"/>
+                <a:gridCol w="1126024"/>
+              </a:tblGrid>
+              <a:tr h="712086">
+                <a:tc gridSpan="2">
+                  <a:txBody>
+                    <a:bodyPr/>
+                    <a:lstStyle/>
+                    <a:p>
+                      <a:pPr algn="r"/>
+                      <a:r>
+                        <a:rPr lang="de-CH" sz="5000" dirty="0" err="1" smtClean="0">
+                          <a:latin typeface="Calibri" pitchFamily="34" charset="0"/>
+                          <a:cs typeface="Calibri" pitchFamily="34" charset="0"/>
+                        </a:rPr>
+                        <a:t>Use</a:t>
+                      </a:r>
+                      <a:r>
+                        <a:rPr lang="de-CH" sz="5000" dirty="0" smtClean="0">
+                          <a:latin typeface="Calibri" pitchFamily="34" charset="0"/>
+                          <a:cs typeface="Calibri" pitchFamily="34" charset="0"/>
+                        </a:rPr>
+                        <a:t> Case 2: </a:t>
+                      </a:r>
+                      <a:r>
+                        <a:rPr lang="de-CH" sz="5000" dirty="0" err="1" smtClean="0">
+                          <a:latin typeface="Calibri" pitchFamily="34" charset="0"/>
+                          <a:cs typeface="Calibri" pitchFamily="34" charset="0"/>
+                        </a:rPr>
+                        <a:t>FixMyStreet</a:t>
+                      </a:r>
+                      <a:endParaRPr lang="de-CH" sz="5000" dirty="0" smtClean="0">
+                        <a:latin typeface="Calibri" pitchFamily="34" charset="0"/>
+                        <a:cs typeface="Calibri" pitchFamily="34" charset="0"/>
+                      </a:endParaRPr>
+                    </a:p>
+                  </a:txBody>
+                  <a:tcPr marL="360000" marR="360000" marT="180000" marB="180000"/>
+                </a:tc>
+                <a:tc hMerge="1">
+                  <a:txBody>
+                    <a:bodyPr/>
+                    <a:lstStyle/>
+                    <a:p>
+                      <a:endParaRPr lang="de-CH" sz="5000" dirty="0"/>
+                    </a:p>
+                  </a:txBody>
+                  <a:tcPr marL="360000" marR="360000" marT="180000" marB="180000"/>
+                </a:tc>
+              </a:tr>
+              <a:tr h="770119">
+                <a:tc>
+                  <a:txBody>
+                    <a:bodyPr/>
+                    <a:lstStyle/>
+                    <a:p>
+                      <a:pPr marL="0" marR="0" indent="0" algn="r" defTabSz="4176431" rtl="0" eaLnBrk="1" fontAlgn="auto" latinLnBrk="0" hangingPunct="1">
+                        <a:lnSpc>
+                          <a:spcPct val="100000"/>
+                        </a:lnSpc>
+                        <a:spcBef>
+                          <a:spcPts val="0"/>
+                        </a:spcBef>
+                        <a:spcAft>
+                          <a:spcPts val="0"/>
+                        </a:spcAft>
+                        <a:buClrTx/>
+                        <a:buSzTx/>
+                        <a:buFontTx/>
+                        <a:buNone/>
+                        <a:tabLst/>
+                        <a:defRPr/>
+                      </a:pPr>
+                      <a:r>
+                        <a:rPr lang="de-CH" sz="4800" b="1" u="sng" dirty="0" smtClean="0">
+                          <a:solidFill>
+                            <a:schemeClr val="accent2">
+                              <a:lumMod val="50000"/>
+                            </a:schemeClr>
+                          </a:solidFill>
+                          <a:latin typeface="Calibri" pitchFamily="34" charset="0"/>
+                          <a:cs typeface="Calibri" pitchFamily="34" charset="0"/>
+                        </a:rPr>
+                        <a:t>http://fixmystreet.rdmr.ch</a:t>
+                      </a:r>
+                    </a:p>
+                  </a:txBody>
+                  <a:tcPr marL="360000" marR="360000" marT="180000" marB="180000"/>
+                </a:tc>
+                <a:tc>
+                  <a:txBody>
+                    <a:bodyPr/>
+                    <a:lstStyle/>
+                    <a:p>
+                      <a:pPr>
+                        <a:tabLst>
+                          <a:tab pos="5200650" algn="l"/>
+                        </a:tabLst>
+                      </a:pPr>
+                      <a:endParaRPr lang="de-CH" sz="4800" b="1" u="sng" dirty="0" smtClean="0">
+                        <a:solidFill>
+                          <a:schemeClr val="accent2">
+                            <a:lumMod val="50000"/>
+                          </a:schemeClr>
+                        </a:solidFill>
+                        <a:latin typeface="Calibri" pitchFamily="34" charset="0"/>
+                        <a:cs typeface="Calibri" pitchFamily="34" charset="0"/>
+                      </a:endParaRPr>
+                    </a:p>
+                  </a:txBody>
+                  <a:tcPr marL="360000" marR="360000" marT="180000" marB="180000"/>
+                </a:tc>
+              </a:tr>
+              <a:tr h="5169882">
+                <a:tc gridSpan="2">
+                  <a:txBody>
+                    <a:bodyPr/>
+                    <a:lstStyle/>
+                    <a:p>
+                      <a:pPr algn="just"/>
+                      <a:r>
+                        <a:rPr lang="de-CH" sz="3200" b="1" dirty="0" smtClean="0">
+                          <a:latin typeface="Calibri" pitchFamily="34" charset="0"/>
+                          <a:cs typeface="Calibri" pitchFamily="34" charset="0"/>
+                        </a:rPr>
+                        <a:t>Einführung:</a:t>
+                      </a:r>
+                    </a:p>
+                    <a:p>
+                      <a:pPr algn="just"/>
+                      <a:r>
+                        <a:rPr lang="de-CH" sz="2800" kern="1200" dirty="0" smtClean="0">
+                          <a:solidFill>
+                            <a:schemeClr val="dk1"/>
+                          </a:solidFill>
+                          <a:effectLst/>
+                          <a:latin typeface="Calibri" pitchFamily="34" charset="0"/>
+                          <a:ea typeface="+mn-ea"/>
+                          <a:cs typeface="Calibri" pitchFamily="34" charset="0"/>
+                        </a:rPr>
+                        <a:t>Die Idee hinter </a:t>
+                      </a:r>
+                      <a:r>
+                        <a:rPr lang="de-CH" sz="2800" kern="1200" baseline="0" dirty="0" err="1" smtClean="0">
+                          <a:solidFill>
+                            <a:schemeClr val="dk1"/>
+                          </a:solidFill>
+                          <a:effectLst/>
+                          <a:latin typeface="Calibri" pitchFamily="34" charset="0"/>
+                          <a:ea typeface="+mn-ea"/>
+                          <a:cs typeface="Calibri" pitchFamily="34" charset="0"/>
+                        </a:rPr>
+                        <a:t>FixMyStreet</a:t>
+                      </a:r>
+                      <a:r>
+                        <a:rPr lang="de-CH" sz="2800" kern="1200" baseline="0" dirty="0" smtClean="0">
+                          <a:solidFill>
+                            <a:schemeClr val="dk1"/>
+                          </a:solidFill>
+                          <a:effectLst/>
+                          <a:latin typeface="Calibri" pitchFamily="34" charset="0"/>
+                          <a:ea typeface="+mn-ea"/>
+                          <a:cs typeface="Calibri" pitchFamily="34" charset="0"/>
+                        </a:rPr>
+                        <a:t> </a:t>
+                      </a:r>
+                      <a:r>
+                        <a:rPr lang="de-CH" sz="2800" kern="1200" dirty="0" smtClean="0">
+                          <a:solidFill>
+                            <a:schemeClr val="dk1"/>
+                          </a:solidFill>
+                          <a:effectLst/>
+                          <a:latin typeface="Calibri" pitchFamily="34" charset="0"/>
+                          <a:ea typeface="+mn-ea"/>
+                          <a:cs typeface="Calibri" pitchFamily="34" charset="0"/>
+                        </a:rPr>
+                        <a:t>ist so einfach wie auch genial. Man ermöglicht dem Bürger per Webseite oder App </a:t>
+                      </a:r>
+                      <a:r>
+                        <a:rPr lang="de-CH" sz="2800" b="1" kern="1200" dirty="0" smtClean="0">
+                          <a:solidFill>
+                            <a:schemeClr val="dk1"/>
+                          </a:solidFill>
+                          <a:effectLst/>
+                          <a:latin typeface="Calibri" pitchFamily="34" charset="0"/>
+                          <a:ea typeface="+mn-ea"/>
+                          <a:cs typeface="Calibri" pitchFamily="34" charset="0"/>
+                        </a:rPr>
+                        <a:t>entdeckte Defekte in seiner Umgebung </a:t>
+                      </a:r>
+                      <a:r>
+                        <a:rPr lang="de-CH" sz="2800" kern="1200" dirty="0" smtClean="0">
+                          <a:solidFill>
+                            <a:schemeClr val="dk1"/>
+                          </a:solidFill>
+                          <a:effectLst/>
+                          <a:latin typeface="Calibri" pitchFamily="34" charset="0"/>
+                          <a:ea typeface="+mn-ea"/>
+                          <a:cs typeface="Calibri" pitchFamily="34" charset="0"/>
+                        </a:rPr>
+                        <a:t>(defekte Strassenlampen, Schlaglöcher, usw.) direkt der dafür zuständigen Behörde </a:t>
+                      </a:r>
+                      <a:r>
+                        <a:rPr lang="de-CH" sz="2800" b="1" kern="1200" dirty="0" smtClean="0">
+                          <a:solidFill>
+                            <a:schemeClr val="dk1"/>
+                          </a:solidFill>
+                          <a:effectLst/>
+                          <a:latin typeface="Calibri" pitchFamily="34" charset="0"/>
+                          <a:ea typeface="+mn-ea"/>
+                          <a:cs typeface="Calibri" pitchFamily="34" charset="0"/>
+                        </a:rPr>
+                        <a:t>zu melden</a:t>
+                      </a:r>
+                      <a:r>
+                        <a:rPr lang="de-CH" sz="2800" kern="1200" dirty="0" smtClean="0">
+                          <a:solidFill>
+                            <a:schemeClr val="dk1"/>
+                          </a:solidFill>
+                          <a:effectLst/>
+                          <a:latin typeface="Calibri" pitchFamily="34" charset="0"/>
+                          <a:ea typeface="+mn-ea"/>
+                          <a:cs typeface="Calibri" pitchFamily="34" charset="0"/>
+                        </a:rPr>
+                        <a:t>. Diese kann dann die erhaltenen Meldungen überprüfen und wenn nötig beheben. So können teure Kontrollfahrten auf ein Minimum reduziert werden.</a:t>
+                      </a:r>
+                    </a:p>
+                    <a:p>
+                      <a:pPr algn="just"/>
+                      <a:endParaRPr lang="de-CH" sz="2800" dirty="0" smtClean="0">
+                        <a:latin typeface="Calibri" pitchFamily="34" charset="0"/>
+                        <a:cs typeface="Calibri" pitchFamily="34" charset="0"/>
+                      </a:endParaRPr>
+                    </a:p>
+                    <a:p>
+                      <a:pPr algn="just"/>
+                      <a:r>
+                        <a:rPr lang="de-CH" sz="3200" b="1" dirty="0" smtClean="0">
+                          <a:latin typeface="Calibri" pitchFamily="34" charset="0"/>
+                          <a:cs typeface="Calibri" pitchFamily="34" charset="0"/>
+                        </a:rPr>
+                        <a:t>Ziel:</a:t>
+                      </a:r>
+                    </a:p>
+                    <a:p>
+                      <a:pPr marL="0" marR="0" indent="0" algn="just" defTabSz="4176431" rtl="0" eaLnBrk="1" fontAlgn="auto" latinLnBrk="0" hangingPunct="1">
+                        <a:lnSpc>
+                          <a:spcPct val="100000"/>
+                        </a:lnSpc>
+                        <a:spcBef>
+                          <a:spcPts val="0"/>
+                        </a:spcBef>
+                        <a:spcAft>
+                          <a:spcPts val="0"/>
+                        </a:spcAft>
+                        <a:buClrTx/>
+                        <a:buSzTx/>
+                        <a:buFontTx/>
+                        <a:buNone/>
+                        <a:tabLst/>
+                        <a:defRPr/>
+                      </a:pPr>
+                      <a:r>
+                        <a:rPr lang="de-CH" sz="2800" kern="1200" dirty="0" smtClean="0">
+                          <a:solidFill>
+                            <a:schemeClr val="dk1"/>
+                          </a:solidFill>
+                          <a:effectLst/>
+                          <a:latin typeface="Calibri" pitchFamily="34" charset="0"/>
+                          <a:ea typeface="+mn-ea"/>
+                          <a:cs typeface="Calibri" pitchFamily="34" charset="0"/>
+                        </a:rPr>
+                        <a:t>Das Ziel dieses </a:t>
+                      </a:r>
+                      <a:r>
+                        <a:rPr lang="de-CH" sz="2800" kern="1200" dirty="0" err="1" smtClean="0">
+                          <a:solidFill>
+                            <a:schemeClr val="dk1"/>
+                          </a:solidFill>
+                          <a:effectLst/>
+                          <a:latin typeface="Calibri" pitchFamily="34" charset="0"/>
+                          <a:ea typeface="+mn-ea"/>
+                          <a:cs typeface="Calibri" pitchFamily="34" charset="0"/>
+                        </a:rPr>
+                        <a:t>UseCases</a:t>
+                      </a:r>
+                      <a:r>
+                        <a:rPr lang="de-CH" sz="2800" kern="1200" dirty="0" smtClean="0">
+                          <a:solidFill>
+                            <a:schemeClr val="dk1"/>
+                          </a:solidFill>
+                          <a:effectLst/>
+                          <a:latin typeface="Calibri" pitchFamily="34" charset="0"/>
+                          <a:ea typeface="+mn-ea"/>
+                          <a:cs typeface="Calibri" pitchFamily="34" charset="0"/>
+                        </a:rPr>
+                        <a:t> war die Erstellung einer </a:t>
+                      </a:r>
+                      <a:r>
+                        <a:rPr lang="de-CH" sz="2800" kern="1200" dirty="0" err="1" smtClean="0">
+                          <a:solidFill>
+                            <a:schemeClr val="dk1"/>
+                          </a:solidFill>
+                          <a:effectLst/>
+                          <a:latin typeface="Calibri" pitchFamily="34" charset="0"/>
+                          <a:ea typeface="+mn-ea"/>
+                          <a:cs typeface="Calibri" pitchFamily="34" charset="0"/>
+                        </a:rPr>
+                        <a:t>WebApp</a:t>
+                      </a:r>
+                      <a:r>
+                        <a:rPr lang="de-CH" sz="2800" kern="1200" dirty="0" smtClean="0">
+                          <a:solidFill>
+                            <a:schemeClr val="dk1"/>
+                          </a:solidFill>
+                          <a:effectLst/>
+                          <a:latin typeface="Calibri" pitchFamily="34" charset="0"/>
+                          <a:ea typeface="+mn-ea"/>
+                          <a:cs typeface="Calibri" pitchFamily="34" charset="0"/>
+                        </a:rPr>
+                        <a:t>, welche genau dieses Konzept umsetzt. Die Benutzer sollen die Möglichkeit haben Defekte in ihrer Umgebung dem zuständigen Amt zu melden.</a:t>
+                      </a:r>
+                      <a:r>
+                        <a:rPr lang="de-CH" sz="2800" dirty="0" smtClean="0">
+                          <a:latin typeface="Calibri" pitchFamily="34" charset="0"/>
+                          <a:cs typeface="Calibri" pitchFamily="34" charset="0"/>
+                        </a:rPr>
+                        <a:t> </a:t>
+                      </a:r>
+                      <a:r>
+                        <a:rPr lang="de-CH" sz="2800" b="1" kern="1200" dirty="0" smtClean="0">
+                          <a:solidFill>
+                            <a:schemeClr val="dk1"/>
+                          </a:solidFill>
+                          <a:effectLst/>
+                          <a:latin typeface="Calibri" pitchFamily="34" charset="0"/>
+                          <a:ea typeface="+mn-ea"/>
+                          <a:cs typeface="Calibri" pitchFamily="34" charset="0"/>
+                        </a:rPr>
+                        <a:t>Google Fusion Table soll dazu als Datenbank verwendet werden</a:t>
+                      </a:r>
+                      <a:r>
+                        <a:rPr lang="de-CH" sz="2800" kern="1200" dirty="0" smtClean="0">
+                          <a:solidFill>
+                            <a:schemeClr val="dk1"/>
+                          </a:solidFill>
+                          <a:effectLst/>
+                          <a:latin typeface="Calibri" pitchFamily="34" charset="0"/>
+                          <a:ea typeface="+mn-ea"/>
+                          <a:cs typeface="Calibri" pitchFamily="34" charset="0"/>
+                        </a:rPr>
+                        <a:t>, in der die Defekte abgelegt werden. Natürlich sollen auch einige GIS-Features der Fusion Table verwendet werden, um beispielsweise nur die Defekte im aktuell sichtbaren Bereich der Karte zu laden.</a:t>
+                      </a:r>
+                      <a:endParaRPr lang="de-CH" sz="2800" dirty="0" smtClean="0">
+                        <a:latin typeface="Calibri" pitchFamily="34" charset="0"/>
+                        <a:cs typeface="Calibri" pitchFamily="34" charset="0"/>
+                      </a:endParaRPr>
+                    </a:p>
+                    <a:p>
+                      <a:pPr marL="0" marR="0" indent="0" algn="just" defTabSz="4176431" rtl="0" eaLnBrk="1" fontAlgn="auto" latinLnBrk="0" hangingPunct="1">
+                        <a:lnSpc>
+                          <a:spcPct val="100000"/>
+                        </a:lnSpc>
+                        <a:spcBef>
+                          <a:spcPts val="0"/>
+                        </a:spcBef>
+                        <a:spcAft>
+                          <a:spcPts val="0"/>
+                        </a:spcAft>
+                        <a:buClrTx/>
+                        <a:buSzTx/>
+                        <a:buFontTx/>
+                        <a:buNone/>
+                        <a:tabLst/>
+                        <a:defRPr/>
+                      </a:pPr>
+                      <a:endParaRPr lang="de-CH" sz="2800" dirty="0" smtClean="0">
+                        <a:latin typeface="Calibri" pitchFamily="34" charset="0"/>
+                        <a:cs typeface="Calibri" pitchFamily="34" charset="0"/>
+                      </a:endParaRPr>
+                    </a:p>
+                    <a:p>
+                      <a:pPr marL="0" marR="0" indent="0" algn="just" defTabSz="4176431" rtl="0" eaLnBrk="1" fontAlgn="auto" latinLnBrk="0" hangingPunct="1">
+                        <a:lnSpc>
+                          <a:spcPct val="100000"/>
+                        </a:lnSpc>
+                        <a:spcBef>
+                          <a:spcPts val="0"/>
+                        </a:spcBef>
+                        <a:spcAft>
+                          <a:spcPts val="0"/>
+                        </a:spcAft>
+                        <a:buClrTx/>
+                        <a:buSzTx/>
+                        <a:buFontTx/>
+                        <a:buNone/>
+                        <a:tabLst/>
+                        <a:defRPr/>
+                      </a:pPr>
+                      <a:r>
+                        <a:rPr lang="de-CH" sz="3200" b="1" dirty="0" smtClean="0">
+                          <a:latin typeface="Calibri" pitchFamily="34" charset="0"/>
+                          <a:cs typeface="Calibri" pitchFamily="34" charset="0"/>
+                        </a:rPr>
+                        <a:t>Resultat:</a:t>
+                      </a:r>
+                    </a:p>
+                    <a:p>
+                      <a:pPr marL="0" marR="0" indent="0" algn="l" defTabSz="4176431" rtl="0" eaLnBrk="1" fontAlgn="auto" latinLnBrk="0" hangingPunct="1">
+                        <a:lnSpc>
+                          <a:spcPct val="100000"/>
+                        </a:lnSpc>
+                        <a:spcBef>
+                          <a:spcPts val="0"/>
+                        </a:spcBef>
+                        <a:spcAft>
+                          <a:spcPts val="0"/>
+                        </a:spcAft>
+                        <a:buClrTx/>
+                        <a:buSzTx/>
+                        <a:buFontTx/>
+                        <a:buNone/>
+                        <a:tabLst/>
+                        <a:defRPr/>
+                      </a:pPr>
+                      <a:endParaRPr lang="de-CH" sz="2800" b="1" dirty="0" smtClean="0">
+                        <a:latin typeface="Calibri" pitchFamily="34" charset="0"/>
+                        <a:cs typeface="Calibri" pitchFamily="34" charset="0"/>
+                      </a:endParaRPr>
+                    </a:p>
+                    <a:p>
+                      <a:pPr marL="0" marR="0" indent="0" algn="l" defTabSz="4176431" rtl="0" eaLnBrk="1" fontAlgn="auto" latinLnBrk="0" hangingPunct="1">
+                        <a:lnSpc>
+                          <a:spcPct val="100000"/>
+                        </a:lnSpc>
+                        <a:spcBef>
+                          <a:spcPts val="0"/>
+                        </a:spcBef>
+                        <a:spcAft>
+                          <a:spcPts val="0"/>
+                        </a:spcAft>
+                        <a:buClrTx/>
+                        <a:buSzTx/>
+                        <a:buFontTx/>
+                        <a:buNone/>
+                        <a:tabLst/>
+                        <a:defRPr/>
+                      </a:pPr>
+                      <a:endParaRPr lang="de-CH" sz="2800" b="1" dirty="0" smtClean="0">
+                        <a:latin typeface="Calibri" pitchFamily="34" charset="0"/>
+                        <a:cs typeface="Calibri" pitchFamily="34" charset="0"/>
+                      </a:endParaRPr>
+                    </a:p>
+                    <a:p>
+                      <a:pPr marL="0" marR="0" indent="0" algn="l" defTabSz="4176431" rtl="0" eaLnBrk="1" fontAlgn="auto" latinLnBrk="0" hangingPunct="1">
+                        <a:lnSpc>
+                          <a:spcPct val="100000"/>
+                        </a:lnSpc>
+                        <a:spcBef>
+                          <a:spcPts val="0"/>
+                        </a:spcBef>
+                        <a:spcAft>
+                          <a:spcPts val="0"/>
+                        </a:spcAft>
+                        <a:buClrTx/>
+                        <a:buSzTx/>
+                        <a:buFontTx/>
+                        <a:buNone/>
+                        <a:tabLst/>
+                        <a:defRPr/>
+                      </a:pPr>
+                      <a:endParaRPr lang="de-CH" sz="2800" b="1" dirty="0" smtClean="0">
+                        <a:latin typeface="Calibri" pitchFamily="34" charset="0"/>
+                        <a:cs typeface="Calibri" pitchFamily="34" charset="0"/>
+                      </a:endParaRPr>
+                    </a:p>
+                    <a:p>
+                      <a:pPr marL="0" marR="0" indent="0" algn="l" defTabSz="4176431" rtl="0" eaLnBrk="1" fontAlgn="auto" latinLnBrk="0" hangingPunct="1">
+                        <a:lnSpc>
+                          <a:spcPct val="100000"/>
+                        </a:lnSpc>
+                        <a:spcBef>
+                          <a:spcPts val="0"/>
+                        </a:spcBef>
+                        <a:spcAft>
+                          <a:spcPts val="0"/>
+                        </a:spcAft>
+                        <a:buClrTx/>
+                        <a:buSzTx/>
+                        <a:buFontTx/>
+                        <a:buNone/>
+                        <a:tabLst/>
+                        <a:defRPr/>
+                      </a:pPr>
+                      <a:endParaRPr lang="de-CH" sz="2800" b="1" dirty="0" smtClean="0">
+                        <a:latin typeface="Calibri" pitchFamily="34" charset="0"/>
+                        <a:cs typeface="Calibri" pitchFamily="34" charset="0"/>
+                      </a:endParaRPr>
+                    </a:p>
+                    <a:p>
+                      <a:pPr marL="0" marR="0" indent="0" algn="l" defTabSz="4176431" rtl="0" eaLnBrk="1" fontAlgn="auto" latinLnBrk="0" hangingPunct="1">
+                        <a:lnSpc>
+                          <a:spcPct val="100000"/>
+                        </a:lnSpc>
+                        <a:spcBef>
+                          <a:spcPts val="0"/>
+                        </a:spcBef>
+                        <a:spcAft>
+                          <a:spcPts val="0"/>
+                        </a:spcAft>
+                        <a:buClrTx/>
+                        <a:buSzTx/>
+                        <a:buFontTx/>
+                        <a:buNone/>
+                        <a:tabLst/>
+                        <a:defRPr/>
+                      </a:pPr>
+                      <a:endParaRPr lang="de-CH" sz="2800" b="1" dirty="0" smtClean="0">
+                        <a:latin typeface="Calibri" pitchFamily="34" charset="0"/>
+                        <a:cs typeface="Calibri" pitchFamily="34" charset="0"/>
+                      </a:endParaRPr>
+                    </a:p>
+                    <a:p>
+                      <a:pPr marL="0" marR="0" indent="0" algn="l" defTabSz="4176431" rtl="0" eaLnBrk="1" fontAlgn="auto" latinLnBrk="0" hangingPunct="1">
+                        <a:lnSpc>
+                          <a:spcPct val="100000"/>
+                        </a:lnSpc>
+                        <a:spcBef>
+                          <a:spcPts val="0"/>
+                        </a:spcBef>
+                        <a:spcAft>
+                          <a:spcPts val="0"/>
+                        </a:spcAft>
+                        <a:buClrTx/>
+                        <a:buSzTx/>
+                        <a:buFontTx/>
+                        <a:buNone/>
+                        <a:tabLst/>
+                        <a:defRPr/>
+                      </a:pPr>
+                      <a:endParaRPr lang="de-CH" sz="2800" b="1" dirty="0" smtClean="0">
+                        <a:latin typeface="Calibri" pitchFamily="34" charset="0"/>
+                        <a:cs typeface="Calibri" pitchFamily="34" charset="0"/>
+                      </a:endParaRPr>
+                    </a:p>
+                  </a:txBody>
+                  <a:tcPr marL="360000" marR="360000" marT="180000" marB="180000"/>
+                </a:tc>
+                <a:tc hMerge="1">
+                  <a:txBody>
+                    <a:bodyPr/>
+                    <a:lstStyle/>
+                    <a:p>
+                      <a:endParaRPr lang="de-CH" sz="2800" dirty="0"/>
+                    </a:p>
+                  </a:txBody>
+                  <a:tcPr marL="360000" marR="360000" marT="180000" marB="180000"/>
+                </a:tc>
+              </a:tr>
+            </a:tbl>
+          </a:graphicData>
+        </a:graphic>
+      </p:graphicFrame>
+      <p:pic>
+        <p:nvPicPr>
+          <p:cNvPr id="2" name="Picture 2" descr="D:\FILES\Juerg\Documents\STUDIUM\UInt2\Miniprojekt-GFTPrototype\Paper-Prototypes\WebAppPrototype\GFTPrototype-PPWebApp-melden_typgewaeht.PNG"/>
+          <p:cNvPicPr>
+            <a:picLocks noChangeAspect="1" noChangeArrowheads="1"/>
+          </p:cNvPicPr>
+          <p:nvPr/>
+        </p:nvPicPr>
+        <p:blipFill>
+          <a:blip r:embed="rId17">
+            <a:extLst>
+              <a:ext uri="{28A0092B-C50C-407E-A947-70E740481C1C}">
+                <a14:useLocalDpi xmlns:a14="http://schemas.microsoft.com/office/drawing/2010/main" val="0"/>
+              </a:ext>
+            </a:extLst>
+          </a:blip>
+          <a:srcRect/>
+          <a:stretch>
+            <a:fillRect/>
+          </a:stretch>
+        </p:blipFill>
+        <p:spPr bwMode="auto">
+          <a:xfrm>
+            <a:off x="25292802" y="25252981"/>
+            <a:ext cx="1748880" cy="3480788"/>
+          </a:xfrm>
+          <a:prstGeom prst="rect">
+            <a:avLst/>
+          </a:prstGeom>
+          <a:noFill/>
+          <a:extLst>
+            <a:ext uri="{909E8E84-426E-40DD-AFC4-6F175D3DCCD1}">
+              <a14:hiddenFill xmlns:a14="http://schemas.microsoft.com/office/drawing/2010/main">
+                <a:solidFill>
+                  <a:srgbClr val="FFFFFF"/>
+                </a:solidFill>
+              </a14:hiddenFill>
+            </a:ext>
+          </a:extLst>
+        </p:spPr>
+      </p:pic>
+      <p:pic>
+        <p:nvPicPr>
+          <p:cNvPr id="1028" name="Picture 4" descr="D:\FILES\Juerg\Documents\STUDIUM\UInt2\Miniprojekt-GFTPrototype\Paper-Prototypes\WebAppPrototype\GFTPrototype-PPWebApp-list_pulldownrefresh.PNG"/>
+          <p:cNvPicPr>
+            <a:picLocks noChangeAspect="1" noChangeArrowheads="1"/>
+          </p:cNvPicPr>
+          <p:nvPr/>
+        </p:nvPicPr>
+        <p:blipFill>
+          <a:blip r:embed="rId18">
+            <a:extLst>
+              <a:ext uri="{28A0092B-C50C-407E-A947-70E740481C1C}">
+                <a14:useLocalDpi xmlns:a14="http://schemas.microsoft.com/office/drawing/2010/main" val="0"/>
+              </a:ext>
+            </a:extLst>
+          </a:blip>
+          <a:srcRect/>
+          <a:stretch>
+            <a:fillRect/>
+          </a:stretch>
+        </p:blipFill>
+        <p:spPr bwMode="auto">
+          <a:xfrm>
+            <a:off x="34027968" y="25279190"/>
+            <a:ext cx="1726924" cy="3454579"/>
+          </a:xfrm>
+          <a:prstGeom prst="rect">
+            <a:avLst/>
+          </a:prstGeom>
+          <a:noFill/>
+          <a:extLst>
+            <a:ext uri="{909E8E84-426E-40DD-AFC4-6F175D3DCCD1}">
+              <a14:hiddenFill xmlns:a14="http://schemas.microsoft.com/office/drawing/2010/main">
+                <a:solidFill>
+                  <a:srgbClr val="FFFFFF"/>
+                </a:solidFill>
+              </a14:hiddenFill>
+            </a:ext>
+          </a:extLst>
+        </p:spPr>
+      </p:pic>
+      <p:pic>
+        <p:nvPicPr>
+          <p:cNvPr id="1029" name="Picture 5" descr="D:\FILES\Juerg\Documents\STUDIUM\UInt2\Miniprojekt-GFTPrototype\Paper-Prototypes\WebAppPrototype\GFTPrototype-PPWebApp-melden_sent.PNG"/>
+          <p:cNvPicPr>
+            <a:picLocks noChangeAspect="1" noChangeArrowheads="1"/>
+          </p:cNvPicPr>
+          <p:nvPr/>
+        </p:nvPicPr>
+        <p:blipFill>
+          <a:blip r:embed="rId19">
+            <a:extLst>
+              <a:ext uri="{28A0092B-C50C-407E-A947-70E740481C1C}">
+                <a14:useLocalDpi xmlns:a14="http://schemas.microsoft.com/office/drawing/2010/main" val="0"/>
+              </a:ext>
+            </a:extLst>
+          </a:blip>
+          <a:srcRect/>
+          <a:stretch>
+            <a:fillRect/>
+          </a:stretch>
+        </p:blipFill>
+        <p:spPr bwMode="auto">
+          <a:xfrm>
+            <a:off x="29706052" y="25252591"/>
+            <a:ext cx="1710985" cy="3471469"/>
+          </a:xfrm>
+          <a:prstGeom prst="rect">
+            <a:avLst/>
+          </a:prstGeom>
+          <a:noFill/>
+          <a:extLst>
+            <a:ext uri="{909E8E84-426E-40DD-AFC4-6F175D3DCCD1}">
+              <a14:hiddenFill xmlns:a14="http://schemas.microsoft.com/office/drawing/2010/main">
+                <a:solidFill>
+                  <a:srgbClr val="FFFFFF"/>
+                </a:solidFill>
+              </a14:hiddenFill>
+            </a:ext>
+          </a:extLst>
+        </p:spPr>
+      </p:pic>
+      <p:pic>
+        <p:nvPicPr>
+          <p:cNvPr id="1030" name="Picture 6" descr="D:\FILES\Juerg\Documents\STUDIUM\UInt2\Miniprojekt-GFTPrototype\Paper-Prototypes\WebAppPrototype\GFTPrototype-PPWebApp-map.PNG"/>
+          <p:cNvPicPr>
+            <a:picLocks noChangeAspect="1" noChangeArrowheads="1"/>
+          </p:cNvPicPr>
+          <p:nvPr/>
+        </p:nvPicPr>
+        <p:blipFill>
+          <a:blip r:embed="rId20">
+            <a:extLst>
+              <a:ext uri="{28A0092B-C50C-407E-A947-70E740481C1C}">
+                <a14:useLocalDpi xmlns:a14="http://schemas.microsoft.com/office/drawing/2010/main" val="0"/>
+              </a:ext>
+            </a:extLst>
+          </a:blip>
+          <a:srcRect/>
+          <a:stretch>
+            <a:fillRect/>
+          </a:stretch>
+        </p:blipFill>
+        <p:spPr bwMode="auto">
+          <a:xfrm>
+            <a:off x="38263344" y="25295298"/>
+            <a:ext cx="1740138" cy="3454579"/>
+          </a:xfrm>
+          <a:prstGeom prst="rect">
+            <a:avLst/>
+          </a:prstGeom>
+          <a:noFill/>
+          <a:extLst>
+            <a:ext uri="{909E8E84-426E-40DD-AFC4-6F175D3DCCD1}">
+              <a14:hiddenFill xmlns:a14="http://schemas.microsoft.com/office/drawing/2010/main">
+                <a:solidFill>
+                  <a:srgbClr val="FFFFFF"/>
+                </a:solidFill>
+              </a14:hiddenFill>
+            </a:ext>
+          </a:extLst>
+        </p:spPr>
+      </p:pic>
+      <p:pic>
+        <p:nvPicPr>
+          <p:cNvPr id="1040" name="Picture 16" descr="C:\xampp\htdocs\gft\_DOCUMENTATION\06_Poster\images\fixmystreet-qrcode.png"/>
+          <p:cNvPicPr>
+            <a:picLocks noChangeAspect="1" noChangeArrowheads="1"/>
+          </p:cNvPicPr>
+          <p:nvPr/>
+        </p:nvPicPr>
+        <p:blipFill>
+          <a:blip r:embed="rId21">
+            <a:extLst>
+              <a:ext uri="{28A0092B-C50C-407E-A947-70E740481C1C}">
+                <a14:useLocalDpi xmlns:a14="http://schemas.microsoft.com/office/drawing/2010/main" val="0"/>
+              </a:ext>
+            </a:extLst>
+          </a:blip>
+          <a:srcRect/>
+          <a:stretch>
+            <a:fillRect/>
+          </a:stretch>
+        </p:blipFill>
+        <p:spPr bwMode="auto">
+          <a:xfrm>
+            <a:off x="40126862" y="19100537"/>
+            <a:ext cx="1080150" cy="1080150"/>
+          </a:xfrm>
+          <a:prstGeom prst="rect">
+            <a:avLst/>
+          </a:prstGeom>
+          <a:noFill/>
+          <a:extLst>
+            <a:ext uri="{909E8E84-426E-40DD-AFC4-6F175D3DCCD1}">
+              <a14:hiddenFill xmlns:a14="http://schemas.microsoft.com/office/drawing/2010/main">
+                <a:solidFill>
+                  <a:srgbClr val="FFFFFF"/>
+                </a:solidFill>
+              </a14:hiddenFill>
+            </a:ext>
+          </a:extLst>
+        </p:spPr>
+      </p:pic>
+      <p:pic>
+        <p:nvPicPr>
+          <p:cNvPr id="1041" name="Picture 17" descr="C:\xampp\htdocs\gft\_DOCUMENTATION\06_Poster\images\fixmystreet-icon_with_gloss.png"/>
+          <p:cNvPicPr>
+            <a:picLocks noChangeAspect="1" noChangeArrowheads="1"/>
+          </p:cNvPicPr>
+          <p:nvPr/>
+        </p:nvPicPr>
+        <p:blipFill>
+          <a:blip r:embed="rId22">
+            <a:extLst>
+              <a:ext uri="{28A0092B-C50C-407E-A947-70E740481C1C}">
+                <a14:useLocalDpi xmlns:a14="http://schemas.microsoft.com/office/drawing/2010/main" val="0"/>
+              </a:ext>
+            </a:extLst>
+          </a:blip>
+          <a:srcRect/>
+          <a:stretch>
+            <a:fillRect/>
+          </a:stretch>
+        </p:blipFill>
+        <p:spPr bwMode="auto">
+          <a:xfrm>
+            <a:off x="21868587" y="17660337"/>
+            <a:ext cx="1623965" cy="1623965"/>
+          </a:xfrm>
+          <a:prstGeom prst="rect">
+            <a:avLst/>
+          </a:prstGeom>
+          <a:noFill/>
+          <a:extLst>
+            <a:ext uri="{909E8E84-426E-40DD-AFC4-6F175D3DCCD1}">
+              <a14:hiddenFill xmlns:a14="http://schemas.microsoft.com/office/drawing/2010/main">
+                <a:solidFill>
+                  <a:srgbClr val="FFFFFF"/>
+                </a:solidFill>
+              </a14:hiddenFill>
+            </a:ext>
+          </a:extLst>
+        </p:spPr>
+      </p:pic>
+      <p:pic>
+        <p:nvPicPr>
+          <p:cNvPr id="1042" name="Picture 18" descr="C:\xampp\htdocs\gft\_DOCUMENTATION\06_Poster\images\GFTPrototype-PPWebApp-melden_confirm.PNG"/>
+          <p:cNvPicPr>
+            <a:picLocks noChangeAspect="1" noChangeArrowheads="1"/>
+          </p:cNvPicPr>
+          <p:nvPr/>
+        </p:nvPicPr>
+        <p:blipFill>
+          <a:blip r:embed="rId23">
+            <a:extLst>
+              <a:ext uri="{28A0092B-C50C-407E-A947-70E740481C1C}">
+                <a14:useLocalDpi xmlns:a14="http://schemas.microsoft.com/office/drawing/2010/main" val="0"/>
+              </a:ext>
+            </a:extLst>
+          </a:blip>
+          <a:srcRect/>
+          <a:stretch>
+            <a:fillRect/>
+          </a:stretch>
+        </p:blipFill>
+        <p:spPr bwMode="auto">
+          <a:xfrm>
+            <a:off x="27484037" y="25252981"/>
+            <a:ext cx="1717945" cy="3480788"/>
+          </a:xfrm>
+          <a:prstGeom prst="rect">
+            <a:avLst/>
+          </a:prstGeom>
+          <a:noFill/>
+          <a:extLst>
+            <a:ext uri="{909E8E84-426E-40DD-AFC4-6F175D3DCCD1}">
+              <a14:hiddenFill xmlns:a14="http://schemas.microsoft.com/office/drawing/2010/main">
+                <a:solidFill>
+                  <a:srgbClr val="FFFFFF"/>
+                </a:solidFill>
+              </a14:hiddenFill>
+            </a:ext>
+          </a:extLst>
+        </p:spPr>
+      </p:pic>
+      <p:pic>
+        <p:nvPicPr>
+          <p:cNvPr id="1043" name="Picture 19" descr="C:\xampp\htdocs\gft\_DOCUMENTATION\06_Poster\images\GFTPrototype-PPWebApp-list.PNG"/>
+          <p:cNvPicPr>
+            <a:picLocks noChangeAspect="1" noChangeArrowheads="1"/>
+          </p:cNvPicPr>
+          <p:nvPr/>
+        </p:nvPicPr>
+        <p:blipFill>
+          <a:blip r:embed="rId24">
+            <a:extLst>
+              <a:ext uri="{28A0092B-C50C-407E-A947-70E740481C1C}">
+                <a14:useLocalDpi xmlns:a14="http://schemas.microsoft.com/office/drawing/2010/main" val="0"/>
+              </a:ext>
+            </a:extLst>
+          </a:blip>
+          <a:srcRect/>
+          <a:stretch>
+            <a:fillRect/>
+          </a:stretch>
+        </p:blipFill>
+        <p:spPr bwMode="auto">
+          <a:xfrm>
+            <a:off x="31866352" y="25252591"/>
+            <a:ext cx="1733569" cy="3481178"/>
+          </a:xfrm>
+          <a:prstGeom prst="rect">
+            <a:avLst/>
+          </a:prstGeom>
+          <a:noFill/>
+          <a:extLst>
+            <a:ext uri="{909E8E84-426E-40DD-AFC4-6F175D3DCCD1}">
+              <a14:hiddenFill xmlns:a14="http://schemas.microsoft.com/office/drawing/2010/main">
+                <a:solidFill>
+                  <a:srgbClr val="FFFFFF"/>
+                </a:solidFill>
+              </a14:hiddenFill>
+            </a:ext>
+          </a:extLst>
+        </p:spPr>
+      </p:pic>
+      <p:pic>
+        <p:nvPicPr>
+          <p:cNvPr id="1044" name="Picture 20" descr="C:\xampp\htdocs\gft\_DOCUMENTATION\06_Poster\images\GFTPrototype-PPWebApp-list_contextmenu.PNG"/>
+          <p:cNvPicPr>
+            <a:picLocks noChangeAspect="1" noChangeArrowheads="1"/>
+          </p:cNvPicPr>
+          <p:nvPr/>
+        </p:nvPicPr>
+        <p:blipFill>
+          <a:blip r:embed="rId25">
+            <a:extLst>
+              <a:ext uri="{28A0092B-C50C-407E-A947-70E740481C1C}">
+                <a14:useLocalDpi xmlns:a14="http://schemas.microsoft.com/office/drawing/2010/main" val="0"/>
+              </a:ext>
+            </a:extLst>
+          </a:blip>
+          <a:srcRect/>
+          <a:stretch>
+            <a:fillRect/>
+          </a:stretch>
+        </p:blipFill>
+        <p:spPr bwMode="auto">
+          <a:xfrm>
+            <a:off x="36129791" y="25252982"/>
+            <a:ext cx="1713391" cy="3480788"/>
+          </a:xfrm>
+          <a:prstGeom prst="rect">
+            <a:avLst/>
+          </a:prstGeom>
+          <a:noFill/>
+          <a:extLst>
+            <a:ext uri="{909E8E84-426E-40DD-AFC4-6F175D3DCCD1}">
+              <a14:hiddenFill xmlns:a14="http://schemas.microsoft.com/office/drawing/2010/main">
+                <a:solidFill>
+                  <a:srgbClr val="FFFFFF"/>
+                </a:solidFill>
+              </a14:hiddenFill>
+            </a:ext>
+          </a:extLst>
+        </p:spPr>
+      </p:pic>
+      <p:graphicFrame>
+        <p:nvGraphicFramePr>
+          <p:cNvPr id="57" name="Tabelle 56"/>
+          <p:cNvGraphicFramePr>
+            <a:graphicFrameLocks noGrp="1"/>
+          </p:cNvGraphicFramePr>
+          <p:nvPr>
+            <p:extLst>
+              <p:ext uri="{D42A27DB-BD31-4B8C-83A1-F6EECF244321}">
+                <p14:modId xmlns:p14="http://schemas.microsoft.com/office/powerpoint/2010/main" val="4008390780"/>
+              </p:ext>
+            </p:extLst>
+          </p:nvPr>
+        </p:nvGraphicFramePr>
+        <p:xfrm>
+          <a:off x="1457492" y="6132279"/>
+          <a:ext cx="14474010" cy="11052720"/>
+        </p:xfrm>
+        <a:graphic>
+          <a:graphicData uri="http://schemas.openxmlformats.org/drawingml/2006/table">
+            <a:tbl>
+              <a:tblPr firstRow="1" bandRow="1">
+                <a:effectLst>
+                  <a:outerShdw blurRad="50800" dist="38100" dir="2700000" algn="tl" rotWithShape="0">
+                    <a:prstClr val="black">
+                      <a:alpha val="40000"/>
+                    </a:prstClr>
+                  </a:outerShdw>
+                </a:effectLst>
+                <a:tableStyleId>{0660B408-B3CF-4A94-85FC-2B1E0A45F4A2}</a:tableStyleId>
+              </a:tblPr>
+              <a:tblGrid>
+                <a:gridCol w="14474010"/>
+              </a:tblGrid>
+              <a:tr h="1115225">
+                <a:tc>
+                  <a:txBody>
+                    <a:bodyPr/>
+                    <a:lstStyle/>
+                    <a:p>
+                      <a:pPr algn="just"/>
+                      <a:r>
+                        <a:rPr lang="de-CH" sz="5000" dirty="0" smtClean="0">
+                          <a:latin typeface="Calibri" pitchFamily="34" charset="0"/>
+                          <a:cs typeface="Calibri" pitchFamily="34" charset="0"/>
+                        </a:rPr>
+                        <a:t>Ziel der Arbeit</a:t>
+                      </a:r>
+                    </a:p>
+                  </a:txBody>
+                  <a:tcPr marL="360000" marR="360000" marT="180000" marB="180000">
+                    <a:solidFill>
+                      <a:schemeClr val="accent1">
+                        <a:lumMod val="50000"/>
+                      </a:schemeClr>
+                    </a:solidFill>
+                  </a:tcPr>
+                </a:tc>
+              </a:tr>
+              <a:tr h="5274725">
+                <a:tc>
+                  <a:txBody>
+                    <a:bodyPr/>
+                    <a:lstStyle/>
+                    <a:p>
+                      <a:pPr algn="just"/>
+                      <a:r>
+                        <a:rPr lang="de-CH" sz="3200" b="1" kern="1200" dirty="0" smtClean="0">
+                          <a:solidFill>
+                            <a:schemeClr val="dk1"/>
+                          </a:solidFill>
+                          <a:effectLst/>
+                          <a:latin typeface="Calibri" pitchFamily="34" charset="0"/>
+                          <a:ea typeface="+mn-ea"/>
+                          <a:cs typeface="Calibri" pitchFamily="34" charset="0"/>
+                        </a:rPr>
+                        <a:t>Einleitung</a:t>
+                      </a:r>
+                    </a:p>
+                    <a:p>
+                      <a:pPr algn="just"/>
+                      <a:r>
+                        <a:rPr lang="de-CH" sz="2800" kern="1200" dirty="0" smtClean="0">
+                          <a:solidFill>
+                            <a:schemeClr val="dk1"/>
+                          </a:solidFill>
+                          <a:effectLst/>
+                          <a:latin typeface="Calibri" pitchFamily="34" charset="0"/>
+                          <a:ea typeface="+mn-ea"/>
+                          <a:cs typeface="Calibri" pitchFamily="34" charset="0"/>
+                        </a:rPr>
+                        <a:t>In unserer Arbeit untersuchen wir die Möglichkeiten welche die </a:t>
+                      </a:r>
+                      <a:r>
+                        <a:rPr lang="de-CH" sz="2800" kern="1200" dirty="0" err="1" smtClean="0">
+                          <a:solidFill>
+                            <a:schemeClr val="dk1"/>
+                          </a:solidFill>
+                          <a:effectLst/>
+                          <a:latin typeface="Calibri" pitchFamily="34" charset="0"/>
+                          <a:ea typeface="+mn-ea"/>
+                          <a:cs typeface="Calibri" pitchFamily="34" charset="0"/>
+                        </a:rPr>
+                        <a:t>Clouddatenbank</a:t>
+                      </a:r>
+                      <a:r>
+                        <a:rPr lang="de-CH" sz="2800" kern="1200" dirty="0" smtClean="0">
+                          <a:solidFill>
+                            <a:schemeClr val="dk1"/>
+                          </a:solidFill>
+                          <a:effectLst/>
+                          <a:latin typeface="Calibri" pitchFamily="34" charset="0"/>
+                          <a:ea typeface="+mn-ea"/>
+                          <a:cs typeface="Calibri" pitchFamily="34" charset="0"/>
+                        </a:rPr>
+                        <a:t> Google Fusion </a:t>
+                      </a:r>
+                      <a:r>
+                        <a:rPr lang="de-CH" sz="2800" kern="1200" dirty="0" err="1" smtClean="0">
+                          <a:solidFill>
+                            <a:schemeClr val="dk1"/>
+                          </a:solidFill>
+                          <a:effectLst/>
+                          <a:latin typeface="Calibri" pitchFamily="34" charset="0"/>
+                          <a:ea typeface="+mn-ea"/>
+                          <a:cs typeface="Calibri" pitchFamily="34" charset="0"/>
+                        </a:rPr>
+                        <a:t>Tables</a:t>
+                      </a:r>
+                      <a:r>
+                        <a:rPr lang="de-CH" sz="2800" kern="1200" dirty="0" smtClean="0">
+                          <a:solidFill>
+                            <a:schemeClr val="dk1"/>
+                          </a:solidFill>
+                          <a:effectLst/>
+                          <a:latin typeface="Calibri" pitchFamily="34" charset="0"/>
+                          <a:ea typeface="+mn-ea"/>
+                          <a:cs typeface="Calibri" pitchFamily="34" charset="0"/>
+                        </a:rPr>
+                        <a:t> bietet. Es sollen einige Prototypen für verschiedenste Anwendungsfälle im GIS-Bereich erstellt werden, welche das Potential der Datenbank aufzeigen.</a:t>
+                      </a:r>
+                    </a:p>
+                    <a:p>
+                      <a:pPr algn="just"/>
+                      <a:endParaRPr lang="de-CH" sz="2800" kern="1200" dirty="0" smtClean="0">
+                        <a:solidFill>
+                          <a:schemeClr val="dk1"/>
+                        </a:solidFill>
+                        <a:effectLst/>
+                        <a:latin typeface="Calibri" pitchFamily="34" charset="0"/>
+                        <a:ea typeface="+mn-ea"/>
+                        <a:cs typeface="Calibri" pitchFamily="34" charset="0"/>
+                      </a:endParaRPr>
+                    </a:p>
+                    <a:p>
+                      <a:pPr algn="just"/>
+                      <a:r>
+                        <a:rPr lang="de-CH" sz="3200" b="1" kern="1200" dirty="0" smtClean="0">
+                          <a:solidFill>
+                            <a:schemeClr val="dk1"/>
+                          </a:solidFill>
+                          <a:effectLst/>
+                          <a:latin typeface="Calibri" pitchFamily="34" charset="0"/>
+                          <a:ea typeface="+mn-ea"/>
+                          <a:cs typeface="Calibri" pitchFamily="34" charset="0"/>
+                        </a:rPr>
+                        <a:t>Problemstellung</a:t>
+                      </a:r>
+                    </a:p>
+                    <a:p>
+                      <a:pPr algn="just"/>
+                      <a:r>
+                        <a:rPr lang="de-CH" sz="2800" kern="1200" dirty="0" smtClean="0">
+                          <a:solidFill>
+                            <a:schemeClr val="dk1"/>
+                          </a:solidFill>
+                          <a:effectLst/>
+                          <a:latin typeface="Calibri" pitchFamily="34" charset="0"/>
+                          <a:ea typeface="+mn-ea"/>
+                          <a:cs typeface="Calibri" pitchFamily="34" charset="0"/>
+                        </a:rPr>
+                        <a:t>Die Aufgabenstellung stammt von der GEOINFO AG (</a:t>
+                      </a:r>
+                      <a:r>
+                        <a:rPr lang="de-CH" sz="2800" b="0" u="sng" kern="1200" dirty="0" smtClean="0">
+                          <a:solidFill>
+                            <a:schemeClr val="accent2">
+                              <a:lumMod val="50000"/>
+                            </a:schemeClr>
+                          </a:solidFill>
+                          <a:latin typeface="Calibri" pitchFamily="34" charset="0"/>
+                          <a:ea typeface="+mn-ea"/>
+                          <a:cs typeface="Calibri" pitchFamily="34" charset="0"/>
+                        </a:rPr>
+                        <a:t>www.geoinfo.ch</a:t>
+                      </a:r>
+                      <a:r>
+                        <a:rPr lang="de-CH" sz="2800" kern="1200" dirty="0" smtClean="0">
+                          <a:solidFill>
+                            <a:schemeClr val="dk1"/>
+                          </a:solidFill>
+                          <a:effectLst/>
+                          <a:latin typeface="Calibri" pitchFamily="34" charset="0"/>
+                          <a:ea typeface="+mn-ea"/>
+                          <a:cs typeface="Calibri" pitchFamily="34" charset="0"/>
+                        </a:rPr>
+                        <a:t>), welche massgeschneiderte GIS-Softwarelösungen für ihre Kunden entwickelt.</a:t>
+                      </a:r>
+                      <a:r>
+                        <a:rPr lang="de-CH" sz="2800" dirty="0" smtClean="0">
+                          <a:latin typeface="Calibri" pitchFamily="34" charset="0"/>
+                          <a:cs typeface="Calibri" pitchFamily="34" charset="0"/>
+                        </a:rPr>
+                        <a:t> </a:t>
+                      </a:r>
+                      <a:r>
+                        <a:rPr lang="de-CH" sz="2800" kern="1200" dirty="0" smtClean="0">
+                          <a:solidFill>
+                            <a:schemeClr val="dk1"/>
+                          </a:solidFill>
+                          <a:effectLst/>
+                          <a:latin typeface="Calibri" pitchFamily="34" charset="0"/>
+                          <a:ea typeface="+mn-ea"/>
+                          <a:cs typeface="Calibri" pitchFamily="34" charset="0"/>
+                        </a:rPr>
+                        <a:t>Für solche Unternehmen wird es nach und nach schwieriger sich auf dem Markt zu beweisen, da bereits viele </a:t>
+                      </a:r>
+                      <a:r>
+                        <a:rPr lang="de-CH" sz="2800" kern="1200" dirty="0" err="1" smtClean="0">
+                          <a:solidFill>
+                            <a:schemeClr val="dk1"/>
+                          </a:solidFill>
+                          <a:effectLst/>
+                          <a:latin typeface="Calibri" pitchFamily="34" charset="0"/>
+                          <a:ea typeface="+mn-ea"/>
+                          <a:cs typeface="Calibri" pitchFamily="34" charset="0"/>
+                        </a:rPr>
+                        <a:t>cloudbasierte</a:t>
+                      </a:r>
+                      <a:r>
+                        <a:rPr lang="de-CH" sz="2800" kern="1200" dirty="0" smtClean="0">
+                          <a:solidFill>
+                            <a:schemeClr val="dk1"/>
+                          </a:solidFill>
+                          <a:effectLst/>
+                          <a:latin typeface="Calibri" pitchFamily="34" charset="0"/>
+                          <a:ea typeface="+mn-ea"/>
+                          <a:cs typeface="Calibri" pitchFamily="34" charset="0"/>
+                        </a:rPr>
+                        <a:t> GIS-Lösungen sehr günstig oder gar kostenlos erhältlich sind. Durch die Prototypen soll ersichtlich gemacht werden, welche Anwendungsfälle von bestehenden proprietären GIS-</a:t>
+                      </a:r>
+                      <a:r>
+                        <a:rPr lang="de-CH" sz="2800" kern="1200" dirty="0" err="1" smtClean="0">
+                          <a:solidFill>
+                            <a:schemeClr val="dk1"/>
+                          </a:solidFill>
+                          <a:effectLst/>
+                          <a:latin typeface="Calibri" pitchFamily="34" charset="0"/>
+                          <a:ea typeface="+mn-ea"/>
+                          <a:cs typeface="Calibri" pitchFamily="34" charset="0"/>
+                        </a:rPr>
+                        <a:t>Sytemen</a:t>
+                      </a:r>
+                      <a:r>
+                        <a:rPr lang="de-CH" sz="2800" kern="1200" dirty="0" smtClean="0">
+                          <a:solidFill>
+                            <a:schemeClr val="dk1"/>
+                          </a:solidFill>
+                          <a:effectLst/>
+                          <a:latin typeface="Calibri" pitchFamily="34" charset="0"/>
+                          <a:ea typeface="+mn-ea"/>
+                          <a:cs typeface="Calibri" pitchFamily="34" charset="0"/>
+                        </a:rPr>
+                        <a:t> bereits mit Google Fusion </a:t>
+                      </a:r>
+                      <a:r>
+                        <a:rPr lang="de-CH" sz="2800" kern="1200" dirty="0" err="1" smtClean="0">
+                          <a:solidFill>
+                            <a:schemeClr val="dk1"/>
+                          </a:solidFill>
+                          <a:effectLst/>
+                          <a:latin typeface="Calibri" pitchFamily="34" charset="0"/>
+                          <a:ea typeface="+mn-ea"/>
+                          <a:cs typeface="Calibri" pitchFamily="34" charset="0"/>
+                        </a:rPr>
+                        <a:t>Tables</a:t>
+                      </a:r>
+                      <a:r>
+                        <a:rPr lang="de-CH" sz="2800" kern="1200" dirty="0" smtClean="0">
+                          <a:solidFill>
+                            <a:schemeClr val="dk1"/>
+                          </a:solidFill>
+                          <a:effectLst/>
+                          <a:latin typeface="Calibri" pitchFamily="34" charset="0"/>
+                          <a:ea typeface="+mn-ea"/>
+                          <a:cs typeface="Calibri" pitchFamily="34" charset="0"/>
+                        </a:rPr>
+                        <a:t> realisierbar wären und welchen Aufwand dies darstellen würde.</a:t>
+                      </a:r>
+                      <a:endParaRPr lang="de-CH" sz="2800" dirty="0" smtClean="0">
+                        <a:latin typeface="Calibri" pitchFamily="34" charset="0"/>
+                        <a:cs typeface="Calibri" pitchFamily="34" charset="0"/>
+                      </a:endParaRPr>
+                    </a:p>
+                    <a:p>
+                      <a:pPr algn="just"/>
+                      <a:endParaRPr lang="de-CH" sz="2800" b="0" kern="1200" dirty="0" smtClean="0">
+                        <a:solidFill>
+                          <a:schemeClr val="dk1"/>
+                        </a:solidFill>
+                        <a:effectLst/>
+                        <a:latin typeface="Calibri" pitchFamily="34" charset="0"/>
+                        <a:ea typeface="+mn-ea"/>
+                        <a:cs typeface="Calibri" pitchFamily="34" charset="0"/>
+                      </a:endParaRPr>
+                    </a:p>
+                    <a:p>
+                      <a:pPr algn="just"/>
+                      <a:r>
+                        <a:rPr lang="de-CH" sz="3200" b="1" kern="1200" dirty="0" smtClean="0">
+                          <a:solidFill>
+                            <a:schemeClr val="dk1"/>
+                          </a:solidFill>
+                          <a:effectLst/>
+                          <a:latin typeface="Calibri" pitchFamily="34" charset="0"/>
+                          <a:ea typeface="+mn-ea"/>
+                          <a:cs typeface="Calibri" pitchFamily="34" charset="0"/>
+                        </a:rPr>
+                        <a:t>Aufgabenstellung</a:t>
+                      </a:r>
+                    </a:p>
+                    <a:p>
+                      <a:pPr algn="just"/>
+                      <a:r>
+                        <a:rPr lang="de-CH" sz="2800" kern="1200" dirty="0" smtClean="0">
+                          <a:solidFill>
+                            <a:schemeClr val="dk1"/>
+                          </a:solidFill>
+                          <a:effectLst/>
+                          <a:latin typeface="Calibri" pitchFamily="34" charset="0"/>
+                          <a:ea typeface="+mn-ea"/>
+                          <a:cs typeface="Calibri" pitchFamily="34" charset="0"/>
+                        </a:rPr>
+                        <a:t>Im Rahmen dieser Arbeit sollen das Potential aber auch Einschränkungen von Google Fusion </a:t>
+                      </a:r>
+                      <a:r>
+                        <a:rPr lang="de-CH" sz="2800" kern="1200" dirty="0" err="1" smtClean="0">
+                          <a:solidFill>
+                            <a:schemeClr val="dk1"/>
+                          </a:solidFill>
+                          <a:effectLst/>
+                          <a:latin typeface="Calibri" pitchFamily="34" charset="0"/>
+                          <a:ea typeface="+mn-ea"/>
+                          <a:cs typeface="Calibri" pitchFamily="34" charset="0"/>
+                        </a:rPr>
+                        <a:t>Tables</a:t>
+                      </a:r>
+                      <a:r>
+                        <a:rPr lang="de-CH" sz="2800" kern="1200" dirty="0" smtClean="0">
+                          <a:solidFill>
+                            <a:schemeClr val="dk1"/>
+                          </a:solidFill>
+                          <a:effectLst/>
+                          <a:latin typeface="Calibri" pitchFamily="34" charset="0"/>
+                          <a:ea typeface="+mn-ea"/>
+                          <a:cs typeface="Calibri" pitchFamily="34" charset="0"/>
+                        </a:rPr>
+                        <a:t> für den Einsatzbereich eines öffentlichen Web GIS evaluiert werden. Es ist aufzuzeigen, welche der typischen Anwendungsfälle, wie sie in aktuellen Web GIS Lösungen (z.B. </a:t>
+                      </a:r>
+                      <a:r>
+                        <a:rPr lang="de-CH" sz="2800" b="0" u="sng" kern="1200" dirty="0" smtClean="0">
+                          <a:solidFill>
+                            <a:schemeClr val="accent2">
+                              <a:lumMod val="50000"/>
+                            </a:schemeClr>
+                          </a:solidFill>
+                          <a:latin typeface="Calibri" pitchFamily="34" charset="0"/>
+                          <a:ea typeface="+mn-ea"/>
+                          <a:cs typeface="Calibri" pitchFamily="34" charset="0"/>
+                        </a:rPr>
+                        <a:t>www.geoportal.ch</a:t>
+                      </a:r>
+                      <a:r>
+                        <a:rPr lang="de-CH" sz="2800" kern="1200" dirty="0" smtClean="0">
+                          <a:solidFill>
+                            <a:schemeClr val="dk1"/>
+                          </a:solidFill>
+                          <a:effectLst/>
+                          <a:latin typeface="Calibri" pitchFamily="34" charset="0"/>
+                          <a:ea typeface="+mn-ea"/>
+                          <a:cs typeface="Calibri" pitchFamily="34" charset="0"/>
+                        </a:rPr>
+                        <a:t>, </a:t>
+                      </a:r>
+                      <a:r>
+                        <a:rPr lang="de-CH" sz="2800" b="0" u="sng" kern="1200" dirty="0" smtClean="0">
+                          <a:solidFill>
+                            <a:schemeClr val="accent2">
+                              <a:lumMod val="50000"/>
+                            </a:schemeClr>
+                          </a:solidFill>
+                          <a:latin typeface="Calibri" pitchFamily="34" charset="0"/>
+                          <a:ea typeface="+mn-ea"/>
+                          <a:cs typeface="Calibri" pitchFamily="34" charset="0"/>
+                        </a:rPr>
+                        <a:t>www.stadtplan.stadt-zuerich.ch</a:t>
+                      </a:r>
+                      <a:r>
+                        <a:rPr lang="de-CH" sz="2800" kern="1200" dirty="0" smtClean="0">
+                          <a:solidFill>
+                            <a:schemeClr val="dk1"/>
+                          </a:solidFill>
+                          <a:effectLst/>
+                          <a:latin typeface="Calibri" pitchFamily="34" charset="0"/>
+                          <a:ea typeface="+mn-ea"/>
+                          <a:cs typeface="Calibri" pitchFamily="34" charset="0"/>
+                        </a:rPr>
+                        <a:t>) implementiert sind, auf Basis von Google Fusion </a:t>
+                      </a:r>
+                      <a:r>
+                        <a:rPr lang="de-CH" sz="2800" kern="1200" dirty="0" err="1" smtClean="0">
+                          <a:solidFill>
+                            <a:schemeClr val="dk1"/>
+                          </a:solidFill>
+                          <a:effectLst/>
+                          <a:latin typeface="Calibri" pitchFamily="34" charset="0"/>
+                          <a:ea typeface="+mn-ea"/>
+                          <a:cs typeface="Calibri" pitchFamily="34" charset="0"/>
+                        </a:rPr>
+                        <a:t>Tables</a:t>
+                      </a:r>
+                      <a:r>
+                        <a:rPr lang="de-CH" sz="2800" kern="1200" dirty="0" smtClean="0">
+                          <a:solidFill>
+                            <a:schemeClr val="dk1"/>
+                          </a:solidFill>
+                          <a:effectLst/>
+                          <a:latin typeface="Calibri" pitchFamily="34" charset="0"/>
+                          <a:ea typeface="+mn-ea"/>
+                          <a:cs typeface="Calibri" pitchFamily="34" charset="0"/>
+                        </a:rPr>
+                        <a:t> und Google </a:t>
+                      </a:r>
+                      <a:r>
+                        <a:rPr lang="de-CH" sz="2800" kern="1200" dirty="0" err="1" smtClean="0">
+                          <a:solidFill>
+                            <a:schemeClr val="dk1"/>
+                          </a:solidFill>
+                          <a:effectLst/>
+                          <a:latin typeface="Calibri" pitchFamily="34" charset="0"/>
+                          <a:ea typeface="+mn-ea"/>
+                          <a:cs typeface="Calibri" pitchFamily="34" charset="0"/>
+                        </a:rPr>
+                        <a:t>Maps</a:t>
+                      </a:r>
+                      <a:r>
+                        <a:rPr lang="de-CH" sz="2800" kern="1200" dirty="0" smtClean="0">
+                          <a:solidFill>
+                            <a:schemeClr val="dk1"/>
+                          </a:solidFill>
+                          <a:effectLst/>
+                          <a:latin typeface="Calibri" pitchFamily="34" charset="0"/>
+                          <a:ea typeface="+mn-ea"/>
+                          <a:cs typeface="Calibri" pitchFamily="34" charset="0"/>
+                        </a:rPr>
+                        <a:t> realisiert werden könnten. Eine Auswahl dieser Grundfunktionen ist anhand eines Prototypen zu implementieren. Die Zielgruppe sind demnach GIS-Sachbearbeiter.</a:t>
+                      </a:r>
+                      <a:endParaRPr lang="de-CH" sz="2800" b="1" dirty="0" smtClean="0">
+                        <a:latin typeface="Calibri" pitchFamily="34" charset="0"/>
+                        <a:cs typeface="Calibri" pitchFamily="34" charset="0"/>
+                      </a:endParaRPr>
+                    </a:p>
+                  </a:txBody>
+                  <a:tcPr marL="360000" marR="360000" marT="180000" marB="180000"/>
+                </a:tc>
+              </a:tr>
+            </a:tbl>
+          </a:graphicData>
+        </a:graphic>
+      </p:graphicFrame>
+      <p:graphicFrame>
+        <p:nvGraphicFramePr>
+          <p:cNvPr id="58" name="Tabelle 57"/>
+          <p:cNvGraphicFramePr>
+            <a:graphicFrameLocks noGrp="1"/>
+          </p:cNvGraphicFramePr>
+          <p:nvPr>
+            <p:extLst>
+              <p:ext uri="{D42A27DB-BD31-4B8C-83A1-F6EECF244321}">
+                <p14:modId xmlns:p14="http://schemas.microsoft.com/office/powerpoint/2010/main" val="3906201851"/>
+              </p:ext>
+            </p:extLst>
+          </p:nvPr>
+        </p:nvGraphicFramePr>
+        <p:xfrm>
+          <a:off x="27484037" y="6275156"/>
+          <a:ext cx="13722976" cy="10858320"/>
+        </p:xfrm>
+        <a:graphic>
+          <a:graphicData uri="http://schemas.openxmlformats.org/drawingml/2006/table">
+            <a:tbl>
+              <a:tblPr firstRow="1" bandRow="1">
+                <a:effectLst>
+                  <a:outerShdw blurRad="50800" dist="38100" dir="2700000" algn="tl" rotWithShape="0">
+                    <a:prstClr val="black">
+                      <a:alpha val="40000"/>
+                    </a:prstClr>
+                  </a:outerShdw>
+                </a:effectLst>
+                <a:tableStyleId>{0660B408-B3CF-4A94-85FC-2B1E0A45F4A2}</a:tableStyleId>
+              </a:tblPr>
+              <a:tblGrid>
+                <a:gridCol w="2849465"/>
+                <a:gridCol w="10873511"/>
+              </a:tblGrid>
+              <a:tr h="858376">
+                <a:tc gridSpan="2">
+                  <a:txBody>
+                    <a:bodyPr/>
+                    <a:lstStyle/>
+                    <a:p>
+                      <a:pPr algn="just"/>
+                      <a:r>
+                        <a:rPr lang="de-CH" sz="5000" dirty="0" smtClean="0">
+                          <a:latin typeface="Calibri" pitchFamily="34" charset="0"/>
+                          <a:cs typeface="Calibri" pitchFamily="34" charset="0"/>
+                        </a:rPr>
+                        <a:t>Google Fusion </a:t>
+                      </a:r>
+                      <a:r>
+                        <a:rPr lang="de-CH" sz="5000" dirty="0" err="1" smtClean="0">
+                          <a:latin typeface="Calibri" pitchFamily="34" charset="0"/>
+                          <a:cs typeface="Calibri" pitchFamily="34" charset="0"/>
+                        </a:rPr>
+                        <a:t>Tables</a:t>
+                      </a:r>
+                      <a:endParaRPr lang="de-CH" sz="5000" dirty="0" smtClean="0">
+                        <a:latin typeface="Calibri" pitchFamily="34" charset="0"/>
+                        <a:cs typeface="Calibri" pitchFamily="34" charset="0"/>
+                      </a:endParaRPr>
+                    </a:p>
+                  </a:txBody>
+                  <a:tcPr marL="360000" marR="360000" marT="180000" marB="180000">
+                    <a:solidFill>
+                      <a:schemeClr val="accent1">
+                        <a:lumMod val="50000"/>
+                      </a:schemeClr>
+                    </a:solidFill>
+                  </a:tcPr>
+                </a:tc>
+                <a:tc hMerge="1">
+                  <a:txBody>
+                    <a:bodyPr/>
+                    <a:lstStyle/>
+                    <a:p>
+                      <a:endParaRPr lang="de-CH" sz="5000" dirty="0" smtClean="0">
+                        <a:latin typeface="Calibri" pitchFamily="34" charset="0"/>
+                        <a:cs typeface="Calibri" pitchFamily="34" charset="0"/>
+                      </a:endParaRPr>
+                    </a:p>
+                  </a:txBody>
+                  <a:tcPr marL="360000" marR="360000" marT="180000" marB="180000">
+                    <a:solidFill>
+                      <a:schemeClr val="accent1">
+                        <a:lumMod val="50000"/>
+                      </a:schemeClr>
+                    </a:solidFill>
+                  </a:tcPr>
+                </a:tc>
+              </a:tr>
+              <a:tr h="4612645">
+                <a:tc gridSpan="2">
+                  <a:txBody>
+                    <a:bodyPr/>
+                    <a:lstStyle/>
+                    <a:p>
+                      <a:pPr algn="just"/>
+                      <a:r>
+                        <a:rPr lang="de-CH" sz="3200" b="1" dirty="0" smtClean="0">
+                          <a:latin typeface="Calibri" pitchFamily="34" charset="0"/>
+                          <a:cs typeface="Calibri" pitchFamily="34" charset="0"/>
+                        </a:rPr>
+                        <a:t>Einführung:</a:t>
+                      </a:r>
+                    </a:p>
+                    <a:p>
+                      <a:pPr algn="just"/>
+                      <a:r>
+                        <a:rPr lang="de-CH" sz="2800" kern="1200" dirty="0" smtClean="0">
+                          <a:solidFill>
+                            <a:schemeClr val="dk1"/>
+                          </a:solidFill>
+                          <a:effectLst/>
+                          <a:latin typeface="Calibri" pitchFamily="34" charset="0"/>
+                          <a:ea typeface="+mn-ea"/>
+                          <a:cs typeface="Calibri" pitchFamily="34" charset="0"/>
+                        </a:rPr>
+                        <a:t>Google Fusion </a:t>
+                      </a:r>
+                      <a:r>
+                        <a:rPr lang="de-CH" sz="2800" kern="1200" dirty="0" err="1" smtClean="0">
+                          <a:solidFill>
+                            <a:schemeClr val="dk1"/>
+                          </a:solidFill>
+                          <a:effectLst/>
+                          <a:latin typeface="Calibri" pitchFamily="34" charset="0"/>
+                          <a:ea typeface="+mn-ea"/>
+                          <a:cs typeface="Calibri" pitchFamily="34" charset="0"/>
+                        </a:rPr>
+                        <a:t>Tables</a:t>
+                      </a:r>
+                      <a:r>
+                        <a:rPr lang="de-CH" sz="2800" kern="1200" dirty="0" smtClean="0">
+                          <a:solidFill>
+                            <a:schemeClr val="dk1"/>
+                          </a:solidFill>
+                          <a:effectLst/>
+                          <a:latin typeface="Calibri" pitchFamily="34" charset="0"/>
+                          <a:ea typeface="+mn-ea"/>
+                          <a:cs typeface="Calibri" pitchFamily="34" charset="0"/>
+                        </a:rPr>
+                        <a:t> wurde am 10. Juni 2009 der Öffentlichkeit zugänglich gemacht. Das erklärte Ziel dabei war es, die Nutzung einer Datenbank so einfach wie möglich zu machen.</a:t>
+                      </a:r>
+                    </a:p>
+                    <a:p>
+                      <a:pPr algn="just"/>
+                      <a:r>
+                        <a:rPr lang="de-CH" sz="2800" kern="1200" dirty="0" smtClean="0">
+                          <a:solidFill>
+                            <a:schemeClr val="dk1"/>
+                          </a:solidFill>
+                          <a:effectLst/>
+                          <a:latin typeface="Calibri" pitchFamily="34" charset="0"/>
+                          <a:ea typeface="+mn-ea"/>
+                          <a:cs typeface="Calibri" pitchFamily="34" charset="0"/>
+                        </a:rPr>
+                        <a:t>Google Fusion </a:t>
+                      </a:r>
+                      <a:r>
+                        <a:rPr lang="de-CH" sz="2800" kern="1200" dirty="0" err="1" smtClean="0">
+                          <a:solidFill>
+                            <a:schemeClr val="dk1"/>
+                          </a:solidFill>
+                          <a:effectLst/>
+                          <a:latin typeface="Calibri" pitchFamily="34" charset="0"/>
+                          <a:ea typeface="+mn-ea"/>
+                          <a:cs typeface="Calibri" pitchFamily="34" charset="0"/>
+                        </a:rPr>
+                        <a:t>Tables</a:t>
+                      </a:r>
+                      <a:r>
+                        <a:rPr lang="de-CH" sz="2800" kern="1200" dirty="0" smtClean="0">
+                          <a:solidFill>
+                            <a:schemeClr val="dk1"/>
+                          </a:solidFill>
+                          <a:effectLst/>
+                          <a:latin typeface="Calibri" pitchFamily="34" charset="0"/>
+                          <a:ea typeface="+mn-ea"/>
+                          <a:cs typeface="Calibri" pitchFamily="34" charset="0"/>
+                        </a:rPr>
+                        <a:t> schafft das Problem der Erreichbarkeit einer Datenbank ab. Fusion </a:t>
+                      </a:r>
+                      <a:r>
+                        <a:rPr lang="de-CH" sz="2800" kern="1200" dirty="0" err="1" smtClean="0">
+                          <a:solidFill>
+                            <a:schemeClr val="dk1"/>
+                          </a:solidFill>
+                          <a:effectLst/>
+                          <a:latin typeface="Calibri" pitchFamily="34" charset="0"/>
+                          <a:ea typeface="+mn-ea"/>
+                          <a:cs typeface="Calibri" pitchFamily="34" charset="0"/>
+                        </a:rPr>
+                        <a:t>Tables</a:t>
+                      </a:r>
+                      <a:r>
+                        <a:rPr lang="de-CH" sz="2800" kern="1200" dirty="0" smtClean="0">
+                          <a:solidFill>
+                            <a:schemeClr val="dk1"/>
+                          </a:solidFill>
+                          <a:effectLst/>
+                          <a:latin typeface="Calibri" pitchFamily="34" charset="0"/>
+                          <a:ea typeface="+mn-ea"/>
+                          <a:cs typeface="Calibri" pitchFamily="34" charset="0"/>
+                        </a:rPr>
+                        <a:t> sind dezentral in der </a:t>
+                      </a:r>
+                      <a:r>
+                        <a:rPr lang="de-CH" sz="2800" kern="1200" dirty="0" err="1" smtClean="0">
+                          <a:solidFill>
+                            <a:schemeClr val="dk1"/>
+                          </a:solidFill>
+                          <a:effectLst/>
+                          <a:latin typeface="Calibri" pitchFamily="34" charset="0"/>
+                          <a:ea typeface="+mn-ea"/>
+                          <a:cs typeface="Calibri" pitchFamily="34" charset="0"/>
+                        </a:rPr>
+                        <a:t>Cloud</a:t>
+                      </a:r>
+                      <a:r>
+                        <a:rPr lang="de-CH" sz="2800" kern="1200" dirty="0" smtClean="0">
+                          <a:solidFill>
+                            <a:schemeClr val="dk1"/>
+                          </a:solidFill>
+                          <a:effectLst/>
+                          <a:latin typeface="Calibri" pitchFamily="34" charset="0"/>
+                          <a:ea typeface="+mn-ea"/>
+                          <a:cs typeface="Calibri" pitchFamily="34" charset="0"/>
+                        </a:rPr>
+                        <a:t> gespeichert und dort lassen sie sich einfach vertikal skalieren. Die momentanen geltenden </a:t>
+                      </a:r>
+                      <a:r>
+                        <a:rPr lang="de-CH" sz="2800" kern="1200" dirty="0" err="1" smtClean="0">
+                          <a:solidFill>
+                            <a:schemeClr val="dk1"/>
+                          </a:solidFill>
+                          <a:effectLst/>
+                          <a:latin typeface="Calibri" pitchFamily="34" charset="0"/>
+                          <a:ea typeface="+mn-ea"/>
+                          <a:cs typeface="Calibri" pitchFamily="34" charset="0"/>
+                        </a:rPr>
+                        <a:t>Limiten</a:t>
+                      </a:r>
+                      <a:r>
+                        <a:rPr lang="de-CH" sz="2800" kern="1200" dirty="0" smtClean="0">
+                          <a:solidFill>
+                            <a:schemeClr val="dk1"/>
+                          </a:solidFill>
+                          <a:effectLst/>
+                          <a:latin typeface="Calibri" pitchFamily="34" charset="0"/>
+                          <a:ea typeface="+mn-ea"/>
+                          <a:cs typeface="Calibri" pitchFamily="34" charset="0"/>
+                        </a:rPr>
+                        <a:t> der Datenbank sind 250MB Speicher für eine Tabelle, 25'000 Abfragen pro Tag und Benutzer sowie 100'000 Elemente, die gleichzeitig auf der Karte dargestellt werden können. Allgemein werden bei Abfragen nur die ersten 100'000 Resultate als Antwort zurückgeliefert. Diese Einschränkungen können Kunden mit Google </a:t>
+                      </a:r>
+                      <a:r>
+                        <a:rPr lang="de-CH" sz="2800" kern="1200" dirty="0" err="1" smtClean="0">
+                          <a:solidFill>
+                            <a:schemeClr val="dk1"/>
+                          </a:solidFill>
+                          <a:effectLst/>
+                          <a:latin typeface="Calibri" pitchFamily="34" charset="0"/>
+                          <a:ea typeface="+mn-ea"/>
+                          <a:cs typeface="Calibri" pitchFamily="34" charset="0"/>
+                        </a:rPr>
+                        <a:t>Maps</a:t>
+                      </a:r>
+                      <a:r>
+                        <a:rPr lang="de-CH" sz="2800" kern="1200" dirty="0" smtClean="0">
+                          <a:solidFill>
+                            <a:schemeClr val="dk1"/>
+                          </a:solidFill>
+                          <a:effectLst/>
+                          <a:latin typeface="Calibri" pitchFamily="34" charset="0"/>
+                          <a:ea typeface="+mn-ea"/>
+                          <a:cs typeface="Calibri" pitchFamily="34" charset="0"/>
+                        </a:rPr>
+                        <a:t> Premier auf Anfrage verändern.</a:t>
+                      </a:r>
+                      <a:endParaRPr lang="de-CH" sz="2800" dirty="0" smtClean="0">
+                        <a:latin typeface="Calibri" pitchFamily="34" charset="0"/>
+                        <a:cs typeface="Calibri" pitchFamily="34" charset="0"/>
+                      </a:endParaRPr>
+                    </a:p>
+                    <a:p>
+                      <a:pPr algn="just"/>
+                      <a:endParaRPr lang="de-CH" sz="2800" dirty="0" smtClean="0">
+                        <a:latin typeface="Calibri" pitchFamily="34" charset="0"/>
+                        <a:cs typeface="Calibri" pitchFamily="34" charset="0"/>
+                      </a:endParaRPr>
+                    </a:p>
+                    <a:p>
+                      <a:pPr algn="just"/>
+                      <a:r>
+                        <a:rPr lang="de-CH" sz="3200" b="1" dirty="0" smtClean="0">
+                          <a:latin typeface="Calibri" pitchFamily="34" charset="0"/>
+                          <a:cs typeface="Calibri" pitchFamily="34" charset="0"/>
+                        </a:rPr>
+                        <a:t>Features:</a:t>
+                      </a:r>
+                      <a:endParaRPr lang="de-CH" sz="3200" b="1" dirty="0" smtClean="0">
+                        <a:latin typeface="Calibri" pitchFamily="34" charset="0"/>
+                        <a:cs typeface="Calibri" pitchFamily="34" charset="0"/>
+                      </a:endParaRPr>
+                    </a:p>
+                  </a:txBody>
+                  <a:tcPr marL="360000" marR="360000" marT="180000" marB="180000"/>
+                </a:tc>
+                <a:tc hMerge="1">
+                  <a:txBody>
+                    <a:bodyPr/>
+                    <a:lstStyle/>
+                    <a:p>
+                      <a:endParaRPr lang="de-CH" sz="3200" b="1" dirty="0" smtClean="0">
+                        <a:latin typeface="Calibri" pitchFamily="34" charset="0"/>
+                        <a:cs typeface="Calibri" pitchFamily="34" charset="0"/>
+                      </a:endParaRPr>
+                    </a:p>
+                  </a:txBody>
+                  <a:tcPr marL="360000" marR="360000" marT="180000" marB="180000"/>
+                </a:tc>
+              </a:tr>
+              <a:tr h="674455">
+                <a:tc>
+                  <a:txBody>
+                    <a:bodyPr/>
+                    <a:lstStyle/>
+                    <a:p>
+                      <a:pPr algn="just"/>
+                      <a:r>
+                        <a:rPr lang="de-CH" sz="2800" b="1" i="0" dirty="0" smtClean="0">
+                          <a:latin typeface="Calibri" pitchFamily="34" charset="0"/>
+                          <a:cs typeface="Calibri" pitchFamily="34" charset="0"/>
+                        </a:rPr>
+                        <a:t>SQL API</a:t>
+                      </a:r>
+                      <a:endParaRPr lang="de-CH" sz="2800" b="1" i="0" dirty="0" smtClean="0">
+                        <a:latin typeface="Calibri" pitchFamily="34" charset="0"/>
+                        <a:cs typeface="Calibri" pitchFamily="34" charset="0"/>
+                      </a:endParaRPr>
+                    </a:p>
+                  </a:txBody>
+                  <a:tcPr marL="360000" marR="180000" marT="180000" marB="180000"/>
+                </a:tc>
+                <a:tc>
+                  <a:txBody>
+                    <a:bodyPr/>
+                    <a:lstStyle/>
+                    <a:p>
+                      <a:pPr algn="just"/>
+                      <a:r>
+                        <a:rPr lang="de-CH" sz="2800" kern="1200" dirty="0" smtClean="0">
+                          <a:solidFill>
+                            <a:schemeClr val="dk1"/>
+                          </a:solidFill>
+                          <a:effectLst/>
+                          <a:latin typeface="Calibri" pitchFamily="34" charset="0"/>
+                          <a:ea typeface="+mn-ea"/>
+                          <a:cs typeface="Calibri" pitchFamily="34" charset="0"/>
+                        </a:rPr>
+                        <a:t>Das SQL API bietet eine Schnittstelle mit welcher man mit SQL-ähnlichen Befehlen Daten aus Google Fusion </a:t>
+                      </a:r>
+                      <a:r>
+                        <a:rPr lang="de-CH" sz="2800" kern="1200" dirty="0" err="1" smtClean="0">
+                          <a:solidFill>
+                            <a:schemeClr val="dk1"/>
+                          </a:solidFill>
+                          <a:effectLst/>
+                          <a:latin typeface="Calibri" pitchFamily="34" charset="0"/>
+                          <a:ea typeface="+mn-ea"/>
+                          <a:cs typeface="Calibri" pitchFamily="34" charset="0"/>
+                        </a:rPr>
+                        <a:t>Tables</a:t>
+                      </a:r>
+                      <a:r>
+                        <a:rPr lang="de-CH" sz="2800" kern="1200" dirty="0" smtClean="0">
+                          <a:solidFill>
+                            <a:schemeClr val="dk1"/>
+                          </a:solidFill>
+                          <a:effectLst/>
+                          <a:latin typeface="Calibri" pitchFamily="34" charset="0"/>
+                          <a:ea typeface="+mn-ea"/>
+                          <a:cs typeface="Calibri" pitchFamily="34" charset="0"/>
+                        </a:rPr>
+                        <a:t> abfragen oder verändern kann. Sie verfügt bereits über eine grosse Palette an möglichen Befehlen</a:t>
+                      </a:r>
+                      <a:endParaRPr lang="de-CH" sz="2800" b="0" dirty="0" smtClean="0">
+                        <a:latin typeface="Calibri" pitchFamily="34" charset="0"/>
+                        <a:cs typeface="Calibri" pitchFamily="34" charset="0"/>
+                      </a:endParaRPr>
+                    </a:p>
+                  </a:txBody>
+                  <a:tcPr marL="0" marR="360000" marT="180000" marB="180000"/>
+                </a:tc>
+              </a:tr>
+              <a:tr h="674455">
+                <a:tc>
+                  <a:txBody>
+                    <a:bodyPr/>
+                    <a:lstStyle/>
+                    <a:p>
+                      <a:pPr algn="just"/>
+                      <a:r>
+                        <a:rPr lang="de-CH" sz="2800" b="1" i="0" dirty="0" smtClean="0">
+                          <a:latin typeface="Calibri" pitchFamily="34" charset="0"/>
+                          <a:cs typeface="Calibri" pitchFamily="34" charset="0"/>
+                        </a:rPr>
+                        <a:t>Ortsbezogene Abfragen</a:t>
+                      </a:r>
+                      <a:endParaRPr lang="de-CH" sz="2800" b="1" i="0" dirty="0" smtClean="0">
+                        <a:latin typeface="Calibri" pitchFamily="34" charset="0"/>
+                        <a:cs typeface="Calibri" pitchFamily="34" charset="0"/>
+                      </a:endParaRPr>
+                    </a:p>
+                  </a:txBody>
+                  <a:tcPr marL="360000" marR="180000" marT="180000" marB="180000"/>
+                </a:tc>
+                <a:tc>
+                  <a:txBody>
+                    <a:bodyPr/>
+                    <a:lstStyle/>
+                    <a:p>
+                      <a:pPr algn="just"/>
+                      <a:r>
+                        <a:rPr lang="de-CH" sz="2800" b="0" dirty="0" smtClean="0">
+                          <a:latin typeface="Calibri" pitchFamily="34" charset="0"/>
+                          <a:cs typeface="Calibri" pitchFamily="34" charset="0"/>
+                        </a:rPr>
+                        <a:t>Das SQL API bietet zudem eine Reihe von speziellen ortsabhängigen</a:t>
+                      </a:r>
+                      <a:r>
+                        <a:rPr lang="de-CH" sz="2800" b="0" baseline="0" dirty="0" smtClean="0">
+                          <a:latin typeface="Calibri" pitchFamily="34" charset="0"/>
+                          <a:cs typeface="Calibri" pitchFamily="34" charset="0"/>
+                        </a:rPr>
+                        <a:t> Abfrage-Möglichkeiten. So ist es mit </a:t>
+                      </a:r>
+                      <a:r>
+                        <a:rPr lang="de-CH" sz="2800" b="0" i="1" baseline="0" dirty="0" smtClean="0">
+                          <a:latin typeface="Calibri" pitchFamily="34" charset="0"/>
+                          <a:cs typeface="Calibri" pitchFamily="34" charset="0"/>
+                        </a:rPr>
+                        <a:t>ST_INTERSECTS</a:t>
+                      </a:r>
+                      <a:r>
+                        <a:rPr lang="de-CH" sz="2800" b="0" baseline="0" dirty="0" smtClean="0">
+                          <a:latin typeface="Calibri" pitchFamily="34" charset="0"/>
+                          <a:cs typeface="Calibri" pitchFamily="34" charset="0"/>
+                        </a:rPr>
+                        <a:t> möglich Daten innerhalb eines geografischen Bereichs abzufragen und mit </a:t>
+                      </a:r>
+                      <a:r>
+                        <a:rPr lang="de-CH" sz="2800" b="0" i="1" baseline="0" dirty="0" smtClean="0">
+                          <a:latin typeface="Calibri" pitchFamily="34" charset="0"/>
+                          <a:cs typeface="Calibri" pitchFamily="34" charset="0"/>
+                        </a:rPr>
+                        <a:t>ST_DISTANCE</a:t>
+                      </a:r>
+                      <a:r>
+                        <a:rPr lang="de-CH" sz="2800" b="0" baseline="0" dirty="0" smtClean="0">
+                          <a:latin typeface="Calibri" pitchFamily="34" charset="0"/>
+                          <a:cs typeface="Calibri" pitchFamily="34" charset="0"/>
+                        </a:rPr>
+                        <a:t> die Resultate nach Distanz zu sortieren</a:t>
+                      </a:r>
+                      <a:endParaRPr lang="de-CH" sz="2800" b="0" dirty="0" smtClean="0">
+                        <a:latin typeface="Calibri" pitchFamily="34" charset="0"/>
+                        <a:cs typeface="Calibri" pitchFamily="34" charset="0"/>
+                      </a:endParaRPr>
+                    </a:p>
+                  </a:txBody>
+                  <a:tcPr marL="0" marR="360000" marT="180000" marB="180000"/>
+                </a:tc>
+              </a:tr>
+            </a:tbl>
+          </a:graphicData>
+        </a:graphic>
+      </p:graphicFrame>
+      <p:graphicFrame>
+        <p:nvGraphicFramePr>
+          <p:cNvPr id="7" name="Tabelle 6"/>
+          <p:cNvGraphicFramePr>
+            <a:graphicFrameLocks noGrp="1"/>
+          </p:cNvGraphicFramePr>
+          <p:nvPr>
+            <p:extLst>
+              <p:ext uri="{D42A27DB-BD31-4B8C-83A1-F6EECF244321}">
+                <p14:modId xmlns:p14="http://schemas.microsoft.com/office/powerpoint/2010/main" val="546872555"/>
+              </p:ext>
+            </p:extLst>
+          </p:nvPr>
+        </p:nvGraphicFramePr>
+        <p:xfrm>
+          <a:off x="1385482" y="3238267"/>
+          <a:ext cx="13127669" cy="2396400"/>
+        </p:xfrm>
+        <a:graphic>
+          <a:graphicData uri="http://schemas.openxmlformats.org/drawingml/2006/table">
+            <a:tbl>
+              <a:tblPr firstRow="1" bandRow="1">
+                <a:tableStyleId>{2D5ABB26-0587-4C30-8999-92F81FD0307C}</a:tableStyleId>
+              </a:tblPr>
+              <a:tblGrid>
+                <a:gridCol w="13127669"/>
+              </a:tblGrid>
+              <a:tr h="432191">
+                <a:tc>
+                  <a:txBody>
+                    <a:bodyPr/>
+                    <a:lstStyle/>
+                    <a:p>
+                      <a:pPr marL="0" marR="0" indent="0" algn="l" defTabSz="4176431" rtl="0" eaLnBrk="1" fontAlgn="auto" latinLnBrk="0" hangingPunct="1">
+                        <a:lnSpc>
+                          <a:spcPct val="100000"/>
+                        </a:lnSpc>
+                        <a:spcBef>
+                          <a:spcPts val="0"/>
+                        </a:spcBef>
+                        <a:spcAft>
+                          <a:spcPts val="0"/>
+                        </a:spcAft>
+                        <a:buClrTx/>
+                        <a:buSzTx/>
+                        <a:buFontTx/>
+                        <a:buNone/>
+                        <a:tabLst/>
+                        <a:defRPr/>
+                      </a:pPr>
+                      <a:r>
+                        <a:rPr lang="de-CH" sz="5500" dirty="0" smtClean="0"/>
+                        <a:t>Studienarbeit Frühjahrssemester 2012</a:t>
+                      </a:r>
+                    </a:p>
+                  </a:txBody>
+                  <a:tcPr marL="0" marR="0" marT="180000" marB="180000"/>
+                </a:tc>
+              </a:tr>
+              <a:tr h="0">
+                <a:tc>
+                  <a:txBody>
+                    <a:bodyPr/>
+                    <a:lstStyle/>
+                    <a:p>
+                      <a:pPr marL="0" marR="0" indent="0" algn="l" defTabSz="4176431" rtl="0" eaLnBrk="1" fontAlgn="auto" latinLnBrk="0" hangingPunct="1">
+                        <a:lnSpc>
+                          <a:spcPct val="100000"/>
+                        </a:lnSpc>
+                        <a:spcBef>
+                          <a:spcPts val="0"/>
+                        </a:spcBef>
+                        <a:spcAft>
+                          <a:spcPts val="0"/>
+                        </a:spcAft>
+                        <a:buClrTx/>
+                        <a:buSzTx/>
+                        <a:buFontTx/>
+                        <a:buNone/>
+                        <a:tabLst/>
+                        <a:defRPr/>
+                      </a:pPr>
+                      <a:r>
+                        <a:rPr lang="de-CH" sz="5500" dirty="0" smtClean="0"/>
+                        <a:t>[Themengebiet gem. Vorgabe]</a:t>
+                      </a:r>
+                    </a:p>
+                  </a:txBody>
+                  <a:tcPr marL="0" marR="0" marT="180000" marB="180000"/>
                 </a:tc>
               </a:tr>
             </a:tbl>
@@ -6346,42 +8954,42 @@
 <file path=ppt/theme/theme1.xml><?xml version="1.0" encoding="utf-8"?>
 <a:theme xmlns:a="http://schemas.openxmlformats.org/drawingml/2006/main" name="Standarddesign">
   <a:themeElements>
-    <a:clrScheme name="Standarddesign 1">
+    <a:clrScheme name="Elementar">
       <a:dk1>
-        <a:srgbClr val="000000"/>
+        <a:sysClr val="windowText" lastClr="000000"/>
       </a:dk1>
       <a:lt1>
-        <a:srgbClr val="FFFFFF"/>
+        <a:sysClr val="window" lastClr="FFFFFF"/>
       </a:lt1>
       <a:dk2>
-        <a:srgbClr val="000000"/>
+        <a:srgbClr val="242852"/>
       </a:dk2>
       <a:lt2>
-        <a:srgbClr val="808080"/>
+        <a:srgbClr val="ACCBF9"/>
       </a:lt2>
       <a:accent1>
-        <a:srgbClr val="BBE0E3"/>
+        <a:srgbClr val="629DD1"/>
       </a:accent1>
       <a:accent2>
-        <a:srgbClr val="333399"/>
+        <a:srgbClr val="297FD5"/>
       </a:accent2>
       <a:accent3>
-        <a:srgbClr val="FFFFFF"/>
+        <a:srgbClr val="7F8FA9"/>
       </a:accent3>
       <a:accent4>
-        <a:srgbClr val="000000"/>
+        <a:srgbClr val="4A66AC"/>
       </a:accent4>
       <a:accent5>
-        <a:srgbClr val="DAEDEF"/>
+        <a:srgbClr val="5AA2AE"/>
       </a:accent5>
       <a:accent6>
-        <a:srgbClr val="2D2D8A"/>
+        <a:srgbClr val="9D90A0"/>
       </a:accent6>
       <a:hlink>
-        <a:srgbClr val="009999"/>
+        <a:srgbClr val="9454C3"/>
       </a:hlink>
       <a:folHlink>
-        <a:srgbClr val="99CC00"/>
+        <a:srgbClr val="3EBBF0"/>
       </a:folHlink>
     </a:clrScheme>
     <a:fontScheme name="Standarddesign">

--- a/_DOCUMENTATION/06_Poster/GFTPrototype-Poster.pptx
+++ b/_DOCUMENTATION/06_Poster/GFTPrototype-Poster.pptx
@@ -4703,325 +4703,18 @@
           <a:p>
             <a:pPr algn="ctr"/>
             <a:r>
-              <a:rPr lang="de-CH" sz="6400" b="1"/>
-              <a:t>Cloudbasiertes Geodatenmanagement mit Google Fusion Tables</a:t>
+              <a:rPr lang="de-CH" sz="6400" b="1" dirty="0" err="1"/>
+              <a:t>Cloudbasiertes</a:t>
             </a:r>
-          </a:p>
-        </p:txBody>
-      </p:sp>
-      <p:sp>
-        <p:nvSpPr>
-          <p:cNvPr id="2054" name="Text Box 25"/>
-          <p:cNvSpPr txBox="1">
-            <a:spLocks noChangeArrowheads="1"/>
-          </p:cNvSpPr>
-          <p:nvPr/>
-        </p:nvSpPr>
-        <p:spPr bwMode="auto">
-          <a:xfrm>
-            <a:off x="17695863" y="2103438"/>
-            <a:ext cx="3373437" cy="2944812"/>
-          </a:xfrm>
-          <a:prstGeom prst="rect">
-            <a:avLst/>
-          </a:prstGeom>
-          <a:noFill/>
-          <a:ln w="9525">
-            <a:solidFill>
-              <a:schemeClr val="tx1"/>
-            </a:solidFill>
-            <a:miter lim="800000"/>
-            <a:headEnd/>
-            <a:tailEnd/>
-          </a:ln>
-          <a:extLst>
-            <a:ext uri="{909E8E84-426E-40DD-AFC4-6F175D3DCCD1}">
-              <a14:hiddenFill xmlns:a14="http://schemas.microsoft.com/office/drawing/2010/main">
-                <a:solidFill>
-                  <a:srgbClr val="FFFFFF"/>
-                </a:solidFill>
-              </a14:hiddenFill>
-            </a:ext>
-          </a:extLst>
-        </p:spPr>
-        <p:txBody>
-          <a:bodyPr lIns="417643" tIns="208822" rIns="417643" bIns="208822">
-            <a:spAutoFit/>
-          </a:bodyPr>
-          <a:lstStyle>
-            <a:lvl1pPr eaLnBrk="0" hangingPunct="0">
-              <a:defRPr>
-                <a:solidFill>
-                  <a:schemeClr val="tx1"/>
-                </a:solidFill>
-                <a:latin typeface="Arial" charset="0"/>
-              </a:defRPr>
-            </a:lvl1pPr>
-            <a:lvl2pPr marL="742950" indent="-285750" eaLnBrk="0" hangingPunct="0">
-              <a:defRPr>
-                <a:solidFill>
-                  <a:schemeClr val="tx1"/>
-                </a:solidFill>
-                <a:latin typeface="Arial" charset="0"/>
-              </a:defRPr>
-            </a:lvl2pPr>
-            <a:lvl3pPr marL="1143000" indent="-228600" eaLnBrk="0" hangingPunct="0">
-              <a:defRPr>
-                <a:solidFill>
-                  <a:schemeClr val="tx1"/>
-                </a:solidFill>
-                <a:latin typeface="Arial" charset="0"/>
-              </a:defRPr>
-            </a:lvl3pPr>
-            <a:lvl4pPr marL="1600200" indent="-228600" eaLnBrk="0" hangingPunct="0">
-              <a:defRPr>
-                <a:solidFill>
-                  <a:schemeClr val="tx1"/>
-                </a:solidFill>
-                <a:latin typeface="Arial" charset="0"/>
-              </a:defRPr>
-            </a:lvl4pPr>
-            <a:lvl5pPr marL="2057400" indent="-228600" eaLnBrk="0" hangingPunct="0">
-              <a:defRPr>
-                <a:solidFill>
-                  <a:schemeClr val="tx1"/>
-                </a:solidFill>
-                <a:latin typeface="Arial" charset="0"/>
-              </a:defRPr>
-            </a:lvl5pPr>
-            <a:lvl6pPr marL="2514600" indent="-228600" eaLnBrk="0" fontAlgn="base" hangingPunct="0">
-              <a:spcBef>
-                <a:spcPct val="0"/>
-              </a:spcBef>
-              <a:spcAft>
-                <a:spcPct val="0"/>
-              </a:spcAft>
-              <a:defRPr>
-                <a:solidFill>
-                  <a:schemeClr val="tx1"/>
-                </a:solidFill>
-                <a:latin typeface="Arial" charset="0"/>
-              </a:defRPr>
-            </a:lvl6pPr>
-            <a:lvl7pPr marL="2971800" indent="-228600" eaLnBrk="0" fontAlgn="base" hangingPunct="0">
-              <a:spcBef>
-                <a:spcPct val="0"/>
-              </a:spcBef>
-              <a:spcAft>
-                <a:spcPct val="0"/>
-              </a:spcAft>
-              <a:defRPr>
-                <a:solidFill>
-                  <a:schemeClr val="tx1"/>
-                </a:solidFill>
-                <a:latin typeface="Arial" charset="0"/>
-              </a:defRPr>
-            </a:lvl7pPr>
-            <a:lvl8pPr marL="3429000" indent="-228600" eaLnBrk="0" fontAlgn="base" hangingPunct="0">
-              <a:spcBef>
-                <a:spcPct val="0"/>
-              </a:spcBef>
-              <a:spcAft>
-                <a:spcPct val="0"/>
-              </a:spcAft>
-              <a:defRPr>
-                <a:solidFill>
-                  <a:schemeClr val="tx1"/>
-                </a:solidFill>
-                <a:latin typeface="Arial" charset="0"/>
-              </a:defRPr>
-            </a:lvl8pPr>
-            <a:lvl9pPr marL="3886200" indent="-228600" eaLnBrk="0" fontAlgn="base" hangingPunct="0">
-              <a:spcBef>
-                <a:spcPct val="0"/>
-              </a:spcBef>
-              <a:spcAft>
-                <a:spcPct val="0"/>
-              </a:spcAft>
-              <a:defRPr>
-                <a:solidFill>
-                  <a:schemeClr val="tx1"/>
-                </a:solidFill>
-                <a:latin typeface="Arial" charset="0"/>
-              </a:defRPr>
-            </a:lvl9pPr>
-          </a:lstStyle>
-          <a:p>
-            <a:pPr eaLnBrk="1" hangingPunct="1"/>
-            <a:endParaRPr lang="de-CH" sz="4100"/>
-          </a:p>
-          <a:p>
-            <a:pPr eaLnBrk="1" hangingPunct="1"/>
-            <a:endParaRPr lang="de-CH" sz="4100"/>
-          </a:p>
-          <a:p>
-            <a:pPr eaLnBrk="1" hangingPunct="1"/>
-            <a:endParaRPr lang="de-CH" sz="4100"/>
-          </a:p>
-          <a:p>
-            <a:pPr algn="ctr" eaLnBrk="1" hangingPunct="1"/>
             <a:r>
-              <a:rPr lang="de-CH" sz="4100"/>
-              <a:t>Foto</a:t>
+              <a:rPr lang="de-CH" sz="6400" b="1" dirty="0"/>
+              <a:t> Geodatenmanagement mit Google Fusion </a:t>
             </a:r>
-          </a:p>
-        </p:txBody>
-      </p:sp>
-      <p:sp>
-        <p:nvSpPr>
-          <p:cNvPr id="2055" name="Text Box 27"/>
-          <p:cNvSpPr txBox="1">
-            <a:spLocks noChangeArrowheads="1"/>
-          </p:cNvSpPr>
-          <p:nvPr/>
-        </p:nvSpPr>
-        <p:spPr bwMode="auto">
-          <a:xfrm>
-            <a:off x="21739225" y="2103438"/>
-            <a:ext cx="3365500" cy="2944812"/>
-          </a:xfrm>
-          <a:prstGeom prst="rect">
-            <a:avLst/>
-          </a:prstGeom>
-          <a:noFill/>
-          <a:ln w="9525">
-            <a:solidFill>
-              <a:schemeClr val="tx1"/>
-            </a:solidFill>
-            <a:miter lim="800000"/>
-            <a:headEnd/>
-            <a:tailEnd/>
-          </a:ln>
-          <a:extLst>
-            <a:ext uri="{909E8E84-426E-40DD-AFC4-6F175D3DCCD1}">
-              <a14:hiddenFill xmlns:a14="http://schemas.microsoft.com/office/drawing/2010/main">
-                <a:solidFill>
-                  <a:srgbClr val="FFFFFF"/>
-                </a:solidFill>
-              </a14:hiddenFill>
-            </a:ext>
-          </a:extLst>
-        </p:spPr>
-        <p:txBody>
-          <a:bodyPr lIns="417643" tIns="208822" rIns="417643" bIns="208822">
-            <a:spAutoFit/>
-          </a:bodyPr>
-          <a:lstStyle>
-            <a:lvl1pPr eaLnBrk="0" hangingPunct="0">
-              <a:defRPr>
-                <a:solidFill>
-                  <a:schemeClr val="tx1"/>
-                </a:solidFill>
-                <a:latin typeface="Arial" charset="0"/>
-              </a:defRPr>
-            </a:lvl1pPr>
-            <a:lvl2pPr marL="742950" indent="-285750" eaLnBrk="0" hangingPunct="0">
-              <a:defRPr>
-                <a:solidFill>
-                  <a:schemeClr val="tx1"/>
-                </a:solidFill>
-                <a:latin typeface="Arial" charset="0"/>
-              </a:defRPr>
-            </a:lvl2pPr>
-            <a:lvl3pPr marL="1143000" indent="-228600" eaLnBrk="0" hangingPunct="0">
-              <a:defRPr>
-                <a:solidFill>
-                  <a:schemeClr val="tx1"/>
-                </a:solidFill>
-                <a:latin typeface="Arial" charset="0"/>
-              </a:defRPr>
-            </a:lvl3pPr>
-            <a:lvl4pPr marL="1600200" indent="-228600" eaLnBrk="0" hangingPunct="0">
-              <a:defRPr>
-                <a:solidFill>
-                  <a:schemeClr val="tx1"/>
-                </a:solidFill>
-                <a:latin typeface="Arial" charset="0"/>
-              </a:defRPr>
-            </a:lvl4pPr>
-            <a:lvl5pPr marL="2057400" indent="-228600" eaLnBrk="0" hangingPunct="0">
-              <a:defRPr>
-                <a:solidFill>
-                  <a:schemeClr val="tx1"/>
-                </a:solidFill>
-                <a:latin typeface="Arial" charset="0"/>
-              </a:defRPr>
-            </a:lvl5pPr>
-            <a:lvl6pPr marL="2514600" indent="-228600" eaLnBrk="0" fontAlgn="base" hangingPunct="0">
-              <a:spcBef>
-                <a:spcPct val="0"/>
-              </a:spcBef>
-              <a:spcAft>
-                <a:spcPct val="0"/>
-              </a:spcAft>
-              <a:defRPr>
-                <a:solidFill>
-                  <a:schemeClr val="tx1"/>
-                </a:solidFill>
-                <a:latin typeface="Arial" charset="0"/>
-              </a:defRPr>
-            </a:lvl6pPr>
-            <a:lvl7pPr marL="2971800" indent="-228600" eaLnBrk="0" fontAlgn="base" hangingPunct="0">
-              <a:spcBef>
-                <a:spcPct val="0"/>
-              </a:spcBef>
-              <a:spcAft>
-                <a:spcPct val="0"/>
-              </a:spcAft>
-              <a:defRPr>
-                <a:solidFill>
-                  <a:schemeClr val="tx1"/>
-                </a:solidFill>
-                <a:latin typeface="Arial" charset="0"/>
-              </a:defRPr>
-            </a:lvl7pPr>
-            <a:lvl8pPr marL="3429000" indent="-228600" eaLnBrk="0" fontAlgn="base" hangingPunct="0">
-              <a:spcBef>
-                <a:spcPct val="0"/>
-              </a:spcBef>
-              <a:spcAft>
-                <a:spcPct val="0"/>
-              </a:spcAft>
-              <a:defRPr>
-                <a:solidFill>
-                  <a:schemeClr val="tx1"/>
-                </a:solidFill>
-                <a:latin typeface="Arial" charset="0"/>
-              </a:defRPr>
-            </a:lvl8pPr>
-            <a:lvl9pPr marL="3886200" indent="-228600" eaLnBrk="0" fontAlgn="base" hangingPunct="0">
-              <a:spcBef>
-                <a:spcPct val="0"/>
-              </a:spcBef>
-              <a:spcAft>
-                <a:spcPct val="0"/>
-              </a:spcAft>
-              <a:defRPr>
-                <a:solidFill>
-                  <a:schemeClr val="tx1"/>
-                </a:solidFill>
-                <a:latin typeface="Arial" charset="0"/>
-              </a:defRPr>
-            </a:lvl9pPr>
-          </a:lstStyle>
-          <a:p>
-            <a:pPr eaLnBrk="1" hangingPunct="1"/>
-            <a:endParaRPr lang="de-CH" sz="4100"/>
-          </a:p>
-          <a:p>
-            <a:pPr eaLnBrk="1" hangingPunct="1"/>
-            <a:endParaRPr lang="de-CH" sz="4100"/>
-          </a:p>
-          <a:p>
-            <a:pPr eaLnBrk="1" hangingPunct="1"/>
-            <a:endParaRPr lang="de-CH" sz="4100"/>
-          </a:p>
-          <a:p>
-            <a:pPr algn="ctr" eaLnBrk="1" hangingPunct="1"/>
             <a:r>
-              <a:rPr lang="de-CH" sz="4100"/>
-              <a:t>Foto</a:t>
+              <a:rPr lang="de-CH" sz="6400" b="1" dirty="0" err="1"/>
+              <a:t>Tables</a:t>
             </a:r>
+            <a:endParaRPr lang="de-CH" sz="6400" b="1" dirty="0"/>
           </a:p>
         </p:txBody>
       </p:sp>
@@ -5224,9 +4917,14 @@
           <a:p>
             <a:pPr algn="ctr" eaLnBrk="1" hangingPunct="1"/>
             <a:r>
-              <a:rPr lang="de-CH" sz="4100"/>
-              <a:t>Stefan Oderbolz</a:t>
+              <a:rPr lang="de-CH" sz="4100" dirty="0"/>
+              <a:t>Stefan </a:t>
             </a:r>
+            <a:r>
+              <a:rPr lang="de-CH" sz="4100" dirty="0" err="1"/>
+              <a:t>Oderbolz</a:t>
+            </a:r>
+            <a:endParaRPr lang="de-CH" sz="4100" dirty="0"/>
           </a:p>
         </p:txBody>
       </p:sp>
@@ -5240,7 +4938,7 @@
         </p:nvSpPr>
         <p:spPr bwMode="auto">
           <a:xfrm>
-            <a:off x="21691600" y="5127625"/>
+            <a:off x="21724544" y="5127625"/>
             <a:ext cx="3424238" cy="723900"/>
           </a:xfrm>
           <a:prstGeom prst="rect">
@@ -5278,7 +4976,7 @@
           <a:p>
             <a:pPr algn="ctr"/>
             <a:r>
-              <a:rPr lang="de-CH" sz="4100"/>
+              <a:rPr lang="de-CH" sz="4100" dirty="0"/>
               <a:t>Jürg Hunziker</a:t>
             </a:r>
           </a:p>
@@ -6112,14 +5810,14 @@
           <p:nvPr>
             <p:extLst>
               <p:ext uri="{D42A27DB-BD31-4B8C-83A1-F6EECF244321}">
-                <p14:modId xmlns:p14="http://schemas.microsoft.com/office/powerpoint/2010/main" val="727260774"/>
+                <p14:modId xmlns:p14="http://schemas.microsoft.com/office/powerpoint/2010/main" val="3525739259"/>
               </p:ext>
             </p:extLst>
           </p:nvPr>
         </p:nvGraphicFramePr>
         <p:xfrm>
           <a:off x="1420178" y="17948377"/>
-          <a:ext cx="18975944" cy="10986000"/>
+          <a:ext cx="18975944" cy="11107920"/>
         </p:xfrm>
         <a:graphic>
           <a:graphicData uri="http://schemas.openxmlformats.org/drawingml/2006/table">
@@ -6147,6 +5845,13 @@
                       <a:pPr algn="just"/>
                       <a:r>
                         <a:rPr lang="de-CH" sz="5000" dirty="0" err="1" smtClean="0">
+                          <a:effectLst>
+                            <a:outerShdw blurRad="50800" dist="38100" dir="2700000" algn="tl" rotWithShape="0">
+                              <a:prstClr val="black">
+                                <a:alpha val="40000"/>
+                              </a:prstClr>
+                            </a:outerShdw>
+                          </a:effectLst>
                           <a:latin typeface="Calibri" pitchFamily="34" charset="0"/>
                           <a:cs typeface="Calibri" pitchFamily="34" charset="0"/>
                         </a:rPr>
@@ -6154,6 +5859,13 @@
                       </a:r>
                       <a:r>
                         <a:rPr lang="de-CH" sz="5000" dirty="0" smtClean="0">
+                          <a:effectLst>
+                            <a:outerShdw blurRad="50800" dist="38100" dir="2700000" algn="tl" rotWithShape="0">
+                              <a:prstClr val="black">
+                                <a:alpha val="40000"/>
+                              </a:prstClr>
+                            </a:outerShdw>
+                          </a:effectLst>
                           <a:latin typeface="Calibri" pitchFamily="34" charset="0"/>
                           <a:cs typeface="Calibri" pitchFamily="34" charset="0"/>
                         </a:rPr>
@@ -6161,12 +5873,26 @@
                       </a:r>
                       <a:r>
                         <a:rPr lang="de-CH" sz="5000" dirty="0" err="1" smtClean="0">
+                          <a:effectLst>
+                            <a:outerShdw blurRad="50800" dist="38100" dir="2700000" algn="tl" rotWithShape="0">
+                              <a:prstClr val="black">
+                                <a:alpha val="40000"/>
+                              </a:prstClr>
+                            </a:outerShdw>
+                          </a:effectLst>
                           <a:latin typeface="Calibri" pitchFamily="34" charset="0"/>
                           <a:cs typeface="Calibri" pitchFamily="34" charset="0"/>
                         </a:rPr>
                         <a:t>WorldData</a:t>
                       </a:r>
                       <a:endParaRPr lang="de-CH" sz="5000" dirty="0" smtClean="0">
+                        <a:effectLst>
+                          <a:outerShdw blurRad="50800" dist="38100" dir="2700000" algn="tl" rotWithShape="0">
+                            <a:prstClr val="black">
+                              <a:alpha val="40000"/>
+                            </a:prstClr>
+                          </a:outerShdw>
+                        </a:effectLst>
                         <a:latin typeface="Calibri" pitchFamily="34" charset="0"/>
                         <a:cs typeface="Calibri" pitchFamily="34" charset="0"/>
                       </a:endParaRPr>
@@ -6331,7 +6057,7 @@
                     </a:p>
                     <a:p>
                       <a:pPr algn="just"/>
-                      <a:endParaRPr lang="de-CH" sz="2800" dirty="0" smtClean="0">
+                      <a:endParaRPr lang="de-CH" sz="1800" dirty="0" smtClean="0">
                         <a:latin typeface="Calibri" pitchFamily="34" charset="0"/>
                         <a:cs typeface="Calibri" pitchFamily="34" charset="0"/>
                       </a:endParaRPr>
@@ -6390,7 +6116,7 @@
                         <a:tabLst/>
                         <a:defRPr/>
                       </a:pPr>
-                      <a:endParaRPr lang="de-CH" sz="2800" dirty="0" smtClean="0">
+                      <a:endParaRPr lang="de-CH" sz="1800" dirty="0" smtClean="0">
                         <a:latin typeface="Calibri" pitchFamily="34" charset="0"/>
                         <a:cs typeface="Calibri" pitchFamily="34" charset="0"/>
                       </a:endParaRPr>
@@ -6420,6 +6146,29 @@
                         </a:rPr>
                         <a:t>Resultat:</a:t>
                       </a:r>
+                    </a:p>
+                    <a:p>
+                      <a:pPr marL="0" marR="0" indent="0" algn="just" defTabSz="4176431" rtl="0" eaLnBrk="1" fontAlgn="auto" latinLnBrk="0" hangingPunct="1">
+                        <a:lnSpc>
+                          <a:spcPct val="100000"/>
+                        </a:lnSpc>
+                        <a:spcBef>
+                          <a:spcPts val="0"/>
+                        </a:spcBef>
+                        <a:spcAft>
+                          <a:spcPts val="0"/>
+                        </a:spcAft>
+                        <a:buClrTx/>
+                        <a:buSzTx/>
+                        <a:buFontTx/>
+                        <a:buNone/>
+                        <a:tabLst/>
+                        <a:defRPr/>
+                      </a:pPr>
+                      <a:endParaRPr lang="de-CH" sz="2800" b="1" dirty="0" smtClean="0">
+                        <a:latin typeface="Calibri" pitchFamily="34" charset="0"/>
+                        <a:cs typeface="Calibri" pitchFamily="34" charset="0"/>
+                      </a:endParaRPr>
                     </a:p>
                     <a:p>
                       <a:pPr marL="0" marR="0" indent="0" algn="just" defTabSz="4176431" rtl="0" eaLnBrk="1" fontAlgn="auto" latinLnBrk="0" hangingPunct="1">
@@ -6751,8 +6500,8 @@
         </p:blipFill>
         <p:spPr bwMode="auto">
           <a:xfrm>
-            <a:off x="10674772" y="24501287"/>
-            <a:ext cx="4495662" cy="4335103"/>
+            <a:off x="11034822" y="24213247"/>
+            <a:ext cx="4396319" cy="4239308"/>
           </a:xfrm>
           <a:prstGeom prst="rect">
             <a:avLst/>
@@ -6815,8 +6564,8 @@
         </p:blipFill>
         <p:spPr bwMode="auto">
           <a:xfrm>
-            <a:off x="15499442" y="24501287"/>
-            <a:ext cx="4396240" cy="4335103"/>
+            <a:off x="15715473" y="24213248"/>
+            <a:ext cx="4299094" cy="4239308"/>
           </a:xfrm>
           <a:prstGeom prst="rect">
             <a:avLst/>
@@ -6864,7 +6613,7 @@
           </p:cNvPicPr>
           <p:nvPr/>
         </p:nvPicPr>
-        <p:blipFill>
+        <p:blipFill rotWithShape="1">
           <a:blip r:embed="rId16">
             <a:extLst>
               <a:ext uri="{28A0092B-C50C-407E-A947-70E740481C1C}">
@@ -6872,15 +6621,13 @@
               </a:ext>
             </a:extLst>
           </a:blip>
-          <a:srcRect/>
-          <a:stretch>
-            <a:fillRect/>
-          </a:stretch>
+          <a:srcRect b="4040"/>
+          <a:stretch/>
         </p:blipFill>
         <p:spPr bwMode="auto">
           <a:xfrm>
-            <a:off x="3905832" y="24501287"/>
-            <a:ext cx="6303943" cy="4227824"/>
+            <a:off x="4082789" y="24213246"/>
+            <a:ext cx="6303943" cy="4056953"/>
           </a:xfrm>
           <a:prstGeom prst="rect">
             <a:avLst/>
@@ -6929,14 +6676,14 @@
           <p:nvPr>
             <p:extLst>
               <p:ext uri="{D42A27DB-BD31-4B8C-83A1-F6EECF244321}">
-                <p14:modId xmlns:p14="http://schemas.microsoft.com/office/powerpoint/2010/main" val="2858864611"/>
+                <p14:modId xmlns:p14="http://schemas.microsoft.com/office/powerpoint/2010/main" val="3315547536"/>
               </p:ext>
             </p:extLst>
           </p:nvPr>
         </p:nvGraphicFramePr>
         <p:xfrm>
           <a:off x="22276942" y="17977419"/>
-          <a:ext cx="18975944" cy="10864080"/>
+          <a:ext cx="18975944" cy="10986000"/>
         </p:xfrm>
         <a:graphic>
           <a:graphicData uri="http://schemas.openxmlformats.org/drawingml/2006/table">
@@ -6964,6 +6711,13 @@
                       <a:pPr algn="r"/>
                       <a:r>
                         <a:rPr lang="de-CH" sz="5000" dirty="0" err="1" smtClean="0">
+                          <a:effectLst>
+                            <a:outerShdw blurRad="50800" dist="38100" dir="2700000" algn="tl" rotWithShape="0">
+                              <a:prstClr val="black">
+                                <a:alpha val="40000"/>
+                              </a:prstClr>
+                            </a:outerShdw>
+                          </a:effectLst>
                           <a:latin typeface="Calibri" pitchFamily="34" charset="0"/>
                           <a:cs typeface="Calibri" pitchFamily="34" charset="0"/>
                         </a:rPr>
@@ -6971,6 +6725,13 @@
                       </a:r>
                       <a:r>
                         <a:rPr lang="de-CH" sz="5000" dirty="0" smtClean="0">
+                          <a:effectLst>
+                            <a:outerShdw blurRad="50800" dist="38100" dir="2700000" algn="tl" rotWithShape="0">
+                              <a:prstClr val="black">
+                                <a:alpha val="40000"/>
+                              </a:prstClr>
+                            </a:outerShdw>
+                          </a:effectLst>
                           <a:latin typeface="Calibri" pitchFamily="34" charset="0"/>
                           <a:cs typeface="Calibri" pitchFamily="34" charset="0"/>
                         </a:rPr>
@@ -6978,12 +6739,26 @@
                       </a:r>
                       <a:r>
                         <a:rPr lang="de-CH" sz="5000" dirty="0" err="1" smtClean="0">
+                          <a:effectLst>
+                            <a:outerShdw blurRad="50800" dist="38100" dir="2700000" algn="tl" rotWithShape="0">
+                              <a:prstClr val="black">
+                                <a:alpha val="40000"/>
+                              </a:prstClr>
+                            </a:outerShdw>
+                          </a:effectLst>
                           <a:latin typeface="Calibri" pitchFamily="34" charset="0"/>
                           <a:cs typeface="Calibri" pitchFamily="34" charset="0"/>
                         </a:rPr>
                         <a:t>FixMyStreet</a:t>
                       </a:r>
                       <a:endParaRPr lang="de-CH" sz="5000" dirty="0" smtClean="0">
+                        <a:effectLst>
+                          <a:outerShdw blurRad="50800" dist="38100" dir="2700000" algn="tl" rotWithShape="0">
+                            <a:prstClr val="black">
+                              <a:alpha val="40000"/>
+                            </a:prstClr>
+                          </a:outerShdw>
+                        </a:effectLst>
                         <a:latin typeface="Calibri" pitchFamily="34" charset="0"/>
                         <a:cs typeface="Calibri" pitchFamily="34" charset="0"/>
                       </a:endParaRPr>
@@ -7181,7 +6956,7 @@
                     </a:p>
                     <a:p>
                       <a:pPr algn="just"/>
-                      <a:endParaRPr lang="de-CH" sz="2800" dirty="0" smtClean="0">
+                      <a:endParaRPr lang="de-CH" sz="1800" dirty="0" smtClean="0">
                         <a:latin typeface="Calibri" pitchFamily="34" charset="0"/>
                         <a:cs typeface="Calibri" pitchFamily="34" charset="0"/>
                       </a:endParaRPr>
@@ -7328,7 +7103,7 @@
                         <a:tabLst/>
                         <a:defRPr/>
                       </a:pPr>
-                      <a:endParaRPr lang="de-CH" sz="2800" dirty="0" smtClean="0">
+                      <a:endParaRPr lang="de-CH" sz="1800" dirty="0" smtClean="0">
                         <a:latin typeface="Calibri" pitchFamily="34" charset="0"/>
                         <a:cs typeface="Calibri" pitchFamily="34" charset="0"/>
                       </a:endParaRPr>
@@ -7358,6 +7133,29 @@
                         </a:rPr>
                         <a:t>Resultat:</a:t>
                       </a:r>
+                    </a:p>
+                    <a:p>
+                      <a:pPr marL="0" marR="0" indent="0" algn="l" defTabSz="4176431" rtl="0" eaLnBrk="1" fontAlgn="auto" latinLnBrk="0" hangingPunct="1">
+                        <a:lnSpc>
+                          <a:spcPct val="100000"/>
+                        </a:lnSpc>
+                        <a:spcBef>
+                          <a:spcPts val="0"/>
+                        </a:spcBef>
+                        <a:spcAft>
+                          <a:spcPts val="0"/>
+                        </a:spcAft>
+                        <a:buClrTx/>
+                        <a:buSzTx/>
+                        <a:buFontTx/>
+                        <a:buNone/>
+                        <a:tabLst/>
+                        <a:defRPr/>
+                      </a:pPr>
+                      <a:endParaRPr lang="de-CH" sz="2800" b="1" dirty="0" smtClean="0">
+                        <a:latin typeface="Calibri" pitchFamily="34" charset="0"/>
+                        <a:cs typeface="Calibri" pitchFamily="34" charset="0"/>
+                      </a:endParaRPr>
                     </a:p>
                     <a:p>
                       <a:pPr marL="0" marR="0" indent="0" algn="l" defTabSz="4176431" rtl="0" eaLnBrk="1" fontAlgn="auto" latinLnBrk="0" hangingPunct="1">
@@ -7538,7 +7336,7 @@
         </p:blipFill>
         <p:spPr bwMode="auto">
           <a:xfrm>
-            <a:off x="25292802" y="25252981"/>
+            <a:off x="25292802" y="25077757"/>
             <a:ext cx="1748880" cy="3480788"/>
           </a:xfrm>
           <a:prstGeom prst="rect">
@@ -7579,7 +7377,7 @@
         </p:blipFill>
         <p:spPr bwMode="auto">
           <a:xfrm>
-            <a:off x="34027968" y="25279190"/>
+            <a:off x="33789982" y="25094257"/>
             <a:ext cx="1726924" cy="3454579"/>
           </a:xfrm>
           <a:prstGeom prst="rect">
@@ -7620,7 +7418,7 @@
         </p:blipFill>
         <p:spPr bwMode="auto">
           <a:xfrm>
-            <a:off x="29706052" y="25252591"/>
+            <a:off x="29181342" y="25077367"/>
             <a:ext cx="1710985" cy="3471469"/>
           </a:xfrm>
           <a:prstGeom prst="rect">
@@ -7661,7 +7459,7 @@
         </p:blipFill>
         <p:spPr bwMode="auto">
           <a:xfrm>
-            <a:off x="38263344" y="25295298"/>
+            <a:off x="38314714" y="25094257"/>
             <a:ext cx="1740138" cy="3454579"/>
           </a:xfrm>
           <a:prstGeom prst="rect">
@@ -7784,7 +7582,7 @@
         </p:blipFill>
         <p:spPr bwMode="auto">
           <a:xfrm>
-            <a:off x="27484037" y="25252981"/>
+            <a:off x="27237072" y="25077757"/>
             <a:ext cx="1717945" cy="3480788"/>
           </a:xfrm>
           <a:prstGeom prst="rect">
@@ -7825,7 +7623,7 @@
         </p:blipFill>
         <p:spPr bwMode="auto">
           <a:xfrm>
-            <a:off x="31866352" y="25252591"/>
+            <a:off x="31861999" y="25067658"/>
             <a:ext cx="1733569" cy="3481178"/>
           </a:xfrm>
           <a:prstGeom prst="rect">
@@ -7866,7 +7664,7 @@
         </p:blipFill>
         <p:spPr bwMode="auto">
           <a:xfrm>
-            <a:off x="36129791" y="25252982"/>
+            <a:off x="35734252" y="25094257"/>
             <a:ext cx="1713391" cy="3480788"/>
           </a:xfrm>
           <a:prstGeom prst="rect">
@@ -7893,14 +7691,14 @@
           <p:nvPr>
             <p:extLst>
               <p:ext uri="{D42A27DB-BD31-4B8C-83A1-F6EECF244321}">
-                <p14:modId xmlns:p14="http://schemas.microsoft.com/office/powerpoint/2010/main" val="4008390780"/>
+                <p14:modId xmlns:p14="http://schemas.microsoft.com/office/powerpoint/2010/main" val="203990627"/>
               </p:ext>
             </p:extLst>
           </p:nvPr>
         </p:nvGraphicFramePr>
         <p:xfrm>
           <a:off x="1457492" y="6132279"/>
-          <a:ext cx="14474010" cy="11052720"/>
+          <a:ext cx="14474010" cy="10747920"/>
         </p:xfrm>
         <a:graphic>
           <a:graphicData uri="http://schemas.openxmlformats.org/drawingml/2006/table">
@@ -7927,6 +7725,13 @@
                       <a:pPr algn="just"/>
                       <a:r>
                         <a:rPr lang="de-CH" sz="5000" dirty="0" smtClean="0">
+                          <a:effectLst>
+                            <a:outerShdw blurRad="50800" dist="38100" dir="2700000" algn="tl" rotWithShape="0">
+                              <a:prstClr val="black">
+                                <a:alpha val="40000"/>
+                              </a:prstClr>
+                            </a:outerShdw>
+                          </a:effectLst>
                           <a:latin typeface="Calibri" pitchFamily="34" charset="0"/>
                           <a:cs typeface="Calibri" pitchFamily="34" charset="0"/>
                         </a:rPr>
@@ -8028,7 +7833,7 @@
                     </a:p>
                     <a:p>
                       <a:pPr algn="just"/>
-                      <a:endParaRPr lang="de-CH" sz="2800" kern="1200" dirty="0" smtClean="0">
+                      <a:endParaRPr lang="de-CH" sz="1800" kern="1200" dirty="0" smtClean="0">
                         <a:solidFill>
                           <a:schemeClr val="dk1"/>
                         </a:solidFill>
@@ -8190,7 +7995,7 @@
                     </a:p>
                     <a:p>
                       <a:pPr algn="just"/>
-                      <a:endParaRPr lang="de-CH" sz="2800" b="0" kern="1200" dirty="0" smtClean="0">
+                      <a:endParaRPr lang="de-CH" sz="1800" b="0" kern="1200" dirty="0" smtClean="0">
                         <a:solidFill>
                           <a:schemeClr val="dk1"/>
                         </a:solidFill>
@@ -8373,7 +8178,7 @@
           <p:nvPr>
             <p:extLst>
               <p:ext uri="{D42A27DB-BD31-4B8C-83A1-F6EECF244321}">
-                <p14:modId xmlns:p14="http://schemas.microsoft.com/office/powerpoint/2010/main" val="3906201851"/>
+                <p14:modId xmlns:p14="http://schemas.microsoft.com/office/powerpoint/2010/main" val="3659691005"/>
               </p:ext>
             </p:extLst>
           </p:nvPr>
@@ -8408,6 +8213,13 @@
                       <a:pPr algn="just"/>
                       <a:r>
                         <a:rPr lang="de-CH" sz="5000" dirty="0" smtClean="0">
+                          <a:effectLst>
+                            <a:outerShdw blurRad="50800" dist="38100" dir="2700000" algn="tl" rotWithShape="0">
+                              <a:prstClr val="black">
+                                <a:alpha val="40000"/>
+                              </a:prstClr>
+                            </a:outerShdw>
+                          </a:effectLst>
                           <a:latin typeface="Calibri" pitchFamily="34" charset="0"/>
                           <a:cs typeface="Calibri" pitchFamily="34" charset="0"/>
                         </a:rPr>
@@ -8415,12 +8227,26 @@
                       </a:r>
                       <a:r>
                         <a:rPr lang="de-CH" sz="5000" dirty="0" err="1" smtClean="0">
+                          <a:effectLst>
+                            <a:outerShdw blurRad="50800" dist="38100" dir="2700000" algn="tl" rotWithShape="0">
+                              <a:prstClr val="black">
+                                <a:alpha val="40000"/>
+                              </a:prstClr>
+                            </a:outerShdw>
+                          </a:effectLst>
                           <a:latin typeface="Calibri" pitchFamily="34" charset="0"/>
                           <a:cs typeface="Calibri" pitchFamily="34" charset="0"/>
                         </a:rPr>
                         <a:t>Tables</a:t>
                       </a:r>
                       <a:endParaRPr lang="de-CH" sz="5000" dirty="0" smtClean="0">
+                        <a:effectLst>
+                          <a:outerShdw blurRad="50800" dist="38100" dir="2700000" algn="tl" rotWithShape="0">
+                            <a:prstClr val="black">
+                              <a:alpha val="40000"/>
+                            </a:prstClr>
+                          </a:outerShdw>
+                        </a:effectLst>
                         <a:latin typeface="Calibri" pitchFamily="34" charset="0"/>
                         <a:cs typeface="Calibri" pitchFamily="34" charset="0"/>
                       </a:endParaRPr>
@@ -8663,10 +8489,6 @@
                         </a:rPr>
                         <a:t>Features:</a:t>
                       </a:r>
-                      <a:endParaRPr lang="de-CH" sz="3200" b="1" dirty="0" smtClean="0">
-                        <a:latin typeface="Calibri" pitchFamily="34" charset="0"/>
-                        <a:cs typeface="Calibri" pitchFamily="34" charset="0"/>
-                      </a:endParaRPr>
                     </a:p>
                   </a:txBody>
                   <a:tcPr marL="360000" marR="360000" marT="180000" marB="180000"/>
@@ -8699,10 +8521,6 @@
                         </a:rPr>
                         <a:t>SQL API</a:t>
                       </a:r>
-                      <a:endParaRPr lang="de-CH" sz="2800" b="1" i="0" dirty="0" smtClean="0">
-                        <a:latin typeface="Calibri" pitchFamily="34" charset="0"/>
-                        <a:cs typeface="Calibri" pitchFamily="34" charset="0"/>
-                      </a:endParaRPr>
                     </a:p>
                   </a:txBody>
                   <a:tcPr marL="360000" marR="180000" marT="180000" marB="180000"/>
@@ -8772,10 +8590,6 @@
                         </a:rPr>
                         <a:t>Ortsbezogene Abfragen</a:t>
                       </a:r>
-                      <a:endParaRPr lang="de-CH" sz="2800" b="1" i="0" dirty="0" smtClean="0">
-                        <a:latin typeface="Calibri" pitchFamily="34" charset="0"/>
-                        <a:cs typeface="Calibri" pitchFamily="34" charset="0"/>
-                      </a:endParaRPr>
                     </a:p>
                   </a:txBody>
                   <a:tcPr marL="360000" marR="180000" marT="180000" marB="180000"/>
@@ -8936,6 +8750,293 @@
           </a:graphicData>
         </a:graphic>
       </p:graphicFrame>
+      <p:sp>
+        <p:nvSpPr>
+          <p:cNvPr id="6" name="Textfeld 5"/>
+          <p:cNvSpPr txBox="1"/>
+          <p:nvPr/>
+        </p:nvSpPr>
+        <p:spPr>
+          <a:xfrm>
+            <a:off x="4022952" y="28452556"/>
+            <a:ext cx="6291770" cy="369332"/>
+          </a:xfrm>
+          <a:prstGeom prst="rect">
+            <a:avLst/>
+          </a:prstGeom>
+          <a:noFill/>
+        </p:spPr>
+        <p:txBody>
+          <a:bodyPr wrap="square" rtlCol="0">
+            <a:spAutoFit/>
+          </a:bodyPr>
+          <a:lstStyle/>
+          <a:p>
+            <a:r>
+              <a:rPr lang="de-CH" i="1" dirty="0" smtClean="0"/>
+              <a:t>Abb. 1: Google Fusion Table mit historischen Länderdaten</a:t>
+            </a:r>
+            <a:endParaRPr lang="de-CH" i="1" dirty="0"/>
+          </a:p>
+        </p:txBody>
+      </p:sp>
+      <p:sp>
+        <p:nvSpPr>
+          <p:cNvPr id="43" name="Textfeld 42"/>
+          <p:cNvSpPr txBox="1"/>
+          <p:nvPr/>
+        </p:nvSpPr>
+        <p:spPr>
+          <a:xfrm>
+            <a:off x="11034822" y="28452555"/>
+            <a:ext cx="3787297" cy="369332"/>
+          </a:xfrm>
+          <a:prstGeom prst="rect">
+            <a:avLst/>
+          </a:prstGeom>
+          <a:noFill/>
+        </p:spPr>
+        <p:txBody>
+          <a:bodyPr wrap="square" rtlCol="0">
+            <a:spAutoFit/>
+          </a:bodyPr>
+          <a:lstStyle/>
+          <a:p>
+            <a:r>
+              <a:rPr lang="de-CH" i="1" dirty="0" smtClean="0"/>
+              <a:t>Abb. 2: Weltbevölkerung 1960</a:t>
+            </a:r>
+            <a:endParaRPr lang="de-CH" i="1" dirty="0"/>
+          </a:p>
+        </p:txBody>
+      </p:sp>
+      <p:sp>
+        <p:nvSpPr>
+          <p:cNvPr id="44" name="Textfeld 43"/>
+          <p:cNvSpPr txBox="1"/>
+          <p:nvPr/>
+        </p:nvSpPr>
+        <p:spPr>
+          <a:xfrm>
+            <a:off x="15715473" y="28452555"/>
+            <a:ext cx="3787297" cy="369332"/>
+          </a:xfrm>
+          <a:prstGeom prst="rect">
+            <a:avLst/>
+          </a:prstGeom>
+          <a:noFill/>
+        </p:spPr>
+        <p:txBody>
+          <a:bodyPr wrap="square" rtlCol="0">
+            <a:spAutoFit/>
+          </a:bodyPr>
+          <a:lstStyle/>
+          <a:p>
+            <a:r>
+              <a:rPr lang="de-CH" i="1" dirty="0" smtClean="0"/>
+              <a:t>Abb. 3: Weltbevölkerung 2010</a:t>
+            </a:r>
+            <a:endParaRPr lang="de-CH" i="1" dirty="0"/>
+          </a:p>
+        </p:txBody>
+      </p:sp>
+      <p:sp>
+        <p:nvSpPr>
+          <p:cNvPr id="45" name="Textfeld 44"/>
+          <p:cNvSpPr txBox="1"/>
+          <p:nvPr/>
+        </p:nvSpPr>
+        <p:spPr>
+          <a:xfrm>
+            <a:off x="25292802" y="28548836"/>
+            <a:ext cx="5599525" cy="369332"/>
+          </a:xfrm>
+          <a:prstGeom prst="rect">
+            <a:avLst/>
+          </a:prstGeom>
+          <a:noFill/>
+        </p:spPr>
+        <p:txBody>
+          <a:bodyPr wrap="square" rtlCol="0">
+            <a:spAutoFit/>
+          </a:bodyPr>
+          <a:lstStyle/>
+          <a:p>
+            <a:pPr algn="ctr"/>
+            <a:r>
+              <a:rPr lang="de-CH" i="1" dirty="0" smtClean="0"/>
+              <a:t>Abb. 1: Defekt melden</a:t>
+            </a:r>
+            <a:endParaRPr lang="de-CH" i="1" dirty="0"/>
+          </a:p>
+        </p:txBody>
+      </p:sp>
+      <p:sp>
+        <p:nvSpPr>
+          <p:cNvPr id="46" name="Textfeld 45"/>
+          <p:cNvSpPr txBox="1"/>
+          <p:nvPr/>
+        </p:nvSpPr>
+        <p:spPr>
+          <a:xfrm>
+            <a:off x="31861999" y="28581147"/>
+            <a:ext cx="5583238" cy="369332"/>
+          </a:xfrm>
+          <a:prstGeom prst="rect">
+            <a:avLst/>
+          </a:prstGeom>
+          <a:noFill/>
+        </p:spPr>
+        <p:txBody>
+          <a:bodyPr wrap="square" rtlCol="0">
+            <a:spAutoFit/>
+          </a:bodyPr>
+          <a:lstStyle/>
+          <a:p>
+            <a:pPr algn="ctr"/>
+            <a:r>
+              <a:rPr lang="de-CH" i="1" dirty="0" smtClean="0"/>
+              <a:t>Abb. 2: Liste mit gemeldeten Defekte</a:t>
+            </a:r>
+            <a:endParaRPr lang="de-CH" i="1" dirty="0"/>
+          </a:p>
+        </p:txBody>
+      </p:sp>
+      <p:sp>
+        <p:nvSpPr>
+          <p:cNvPr id="47" name="Textfeld 46"/>
+          <p:cNvSpPr txBox="1"/>
+          <p:nvPr/>
+        </p:nvSpPr>
+        <p:spPr>
+          <a:xfrm>
+            <a:off x="37450594" y="28581192"/>
+            <a:ext cx="3468378" cy="369332"/>
+          </a:xfrm>
+          <a:prstGeom prst="rect">
+            <a:avLst/>
+          </a:prstGeom>
+          <a:noFill/>
+        </p:spPr>
+        <p:txBody>
+          <a:bodyPr wrap="square" rtlCol="0">
+            <a:spAutoFit/>
+          </a:bodyPr>
+          <a:lstStyle/>
+          <a:p>
+            <a:pPr algn="ctr"/>
+            <a:r>
+              <a:rPr lang="de-CH" i="1" dirty="0" smtClean="0"/>
+              <a:t>Abb. 3: Defekte anzeigen</a:t>
+            </a:r>
+            <a:endParaRPr lang="de-CH" i="1" dirty="0"/>
+          </a:p>
+        </p:txBody>
+      </p:sp>
+      <p:pic>
+        <p:nvPicPr>
+          <p:cNvPr id="9" name="Picture 2" descr="D:\FILES\Juerg\Desktop\juerg_sharm_quadrat.JPG"/>
+          <p:cNvPicPr>
+            <a:picLocks noChangeAspect="1" noChangeArrowheads="1"/>
+          </p:cNvPicPr>
+          <p:nvPr/>
+        </p:nvPicPr>
+        <p:blipFill>
+          <a:blip r:embed="rId26" cstate="print">
+            <a:extLst>
+              <a:ext uri="{28A0092B-C50C-407E-A947-70E740481C1C}">
+                <a14:useLocalDpi xmlns:a14="http://schemas.microsoft.com/office/drawing/2010/main" val="0"/>
+              </a:ext>
+            </a:extLst>
+          </a:blip>
+          <a:srcRect/>
+          <a:stretch>
+            <a:fillRect/>
+          </a:stretch>
+        </p:blipFill>
+        <p:spPr bwMode="auto">
+          <a:xfrm>
+            <a:off x="21995959" y="2078038"/>
+            <a:ext cx="2881407" cy="2881407"/>
+          </a:xfrm>
+          <a:prstGeom prst="rect">
+            <a:avLst/>
+          </a:prstGeom>
+          <a:ln w="88900">
+            <a:solidFill>
+              <a:schemeClr val="bg1"/>
+            </a:solidFill>
+          </a:ln>
+          <a:effectLst>
+            <a:outerShdw blurRad="190500" algn="tl" rotWithShape="0">
+              <a:srgbClr val="000000">
+                <a:alpha val="70000"/>
+              </a:srgbClr>
+            </a:outerShdw>
+          </a:effectLst>
+          <a:extLst>
+            <a:ext uri="{909E8E84-426E-40DD-AFC4-6F175D3DCCD1}">
+              <a14:hiddenFill xmlns:a14="http://schemas.microsoft.com/office/drawing/2010/main">
+                <a:solidFill>
+                  <a:srgbClr val="FFFFFF"/>
+                </a:solidFill>
+              </a14:hiddenFill>
+            </a:ext>
+          </a:extLst>
+        </p:spPr>
+      </p:pic>
+      <p:pic>
+        <p:nvPicPr>
+          <p:cNvPr id="1027" name="Picture 3" descr="D:\FILES\Juerg\Desktop\283208_10150262618957668_535577667_7335132_7992693_n.jpg"/>
+          <p:cNvPicPr>
+            <a:picLocks noChangeAspect="1" noChangeArrowheads="1"/>
+          </p:cNvPicPr>
+          <p:nvPr/>
+        </p:nvPicPr>
+        <p:blipFill>
+          <a:blip r:embed="rId27">
+            <a:extLst>
+              <a:ext uri="{28A0092B-C50C-407E-A947-70E740481C1C}">
+                <a14:useLocalDpi xmlns:a14="http://schemas.microsoft.com/office/drawing/2010/main" val="0"/>
+              </a:ext>
+            </a:extLst>
+          </a:blip>
+          <a:srcRect/>
+          <a:stretch>
+            <a:fillRect/>
+          </a:stretch>
+        </p:blipFill>
+        <p:spPr bwMode="auto">
+          <a:xfrm>
+            <a:off x="17913302" y="2033588"/>
+            <a:ext cx="2925857" cy="2925857"/>
+          </a:xfrm>
+          <a:prstGeom prst="rect">
+            <a:avLst/>
+          </a:prstGeom>
+          <a:ln w="88900">
+            <a:solidFill>
+              <a:schemeClr val="bg1"/>
+            </a:solidFill>
+          </a:ln>
+          <a:effectLst>
+            <a:outerShdw blurRad="190500" algn="tl" rotWithShape="0">
+              <a:srgbClr val="000000">
+                <a:alpha val="70000"/>
+              </a:srgbClr>
+            </a:outerShdw>
+          </a:effectLst>
+          <a:extLst>
+            <a:ext uri="{909E8E84-426E-40DD-AFC4-6F175D3DCCD1}">
+              <a14:hiddenFill xmlns:a14="http://schemas.microsoft.com/office/drawing/2010/main">
+                <a:solidFill>
+                  <a:srgbClr val="FFFFFF"/>
+                </a:solidFill>
+              </a14:hiddenFill>
+            </a:ext>
+          </a:extLst>
+        </p:spPr>
+      </p:pic>
     </p:spTree>
   </p:cSld>
   <p:clrMapOvr>

--- a/_DOCUMENTATION/06_Poster/GFTPrototype-Poster.pptx
+++ b/_DOCUMENTATION/06_Poster/GFTPrototype-Poster.pptx
@@ -8664,14 +8664,14 @@
           <p:nvPr>
             <p:extLst>
               <p:ext uri="{D42A27DB-BD31-4B8C-83A1-F6EECF244321}">
-                <p14:modId xmlns:p14="http://schemas.microsoft.com/office/powerpoint/2010/main" val="546872555"/>
+                <p14:modId xmlns:p14="http://schemas.microsoft.com/office/powerpoint/2010/main" val="1069236601"/>
               </p:ext>
             </p:extLst>
           </p:nvPr>
         </p:nvGraphicFramePr>
         <p:xfrm>
           <a:off x="1385482" y="3238267"/>
-          <a:ext cx="13127669" cy="2396400"/>
+          <a:ext cx="13681900" cy="2396400"/>
         </p:xfrm>
         <a:graphic>
           <a:graphicData uri="http://schemas.openxmlformats.org/drawingml/2006/table">
@@ -8680,7 +8680,7 @@
                 <a:tableStyleId>{2D5ABB26-0587-4C30-8999-92F81FD0307C}</a:tableStyleId>
               </a:tblPr>
               <a:tblGrid>
-                <a:gridCol w="13127669"/>
+                <a:gridCol w="13681900"/>
               </a:tblGrid>
               <a:tr h="432191">
                 <a:tc>
@@ -8739,8 +8739,13 @@
                       </a:pPr>
                       <a:r>
                         <a:rPr lang="de-CH" sz="5500" dirty="0" smtClean="0"/>
-                        <a:t>[Themengebiet gem. Vorgabe]</a:t>
-                      </a:r>
+                        <a:t>Internet-Technologien-</a:t>
+                      </a:r>
+                      <a:r>
+                        <a:rPr lang="de-CH" sz="5500" baseline="0" dirty="0" smtClean="0"/>
+                        <a:t> und Anwendungen</a:t>
+                      </a:r>
+                      <a:endParaRPr lang="de-CH" sz="5500" dirty="0" smtClean="0"/>
                     </a:p>
                   </a:txBody>
                   <a:tcPr marL="0" marR="0" marT="180000" marB="180000"/>
@@ -8896,7 +8901,7 @@
             <a:pPr algn="ctr"/>
             <a:r>
               <a:rPr lang="de-CH" i="1" dirty="0" smtClean="0"/>
-              <a:t>Abb. 2: Liste mit gemeldeten Defekte</a:t>
+              <a:t>Abb. 2: Liste mit gemeldeten Defekten</a:t>
             </a:r>
             <a:endParaRPr lang="de-CH" i="1" dirty="0"/>
           </a:p>

--- a/_DOCUMENTATION/06_Poster/GFTPrototype-Poster.pptx
+++ b/_DOCUMENTATION/06_Poster/GFTPrototype-Poster.pptx
@@ -6676,7 +6676,7 @@
           <p:nvPr>
             <p:extLst>
               <p:ext uri="{D42A27DB-BD31-4B8C-83A1-F6EECF244321}">
-                <p14:modId xmlns:p14="http://schemas.microsoft.com/office/powerpoint/2010/main" val="3315547536"/>
+                <p14:modId xmlns:p14="http://schemas.microsoft.com/office/powerpoint/2010/main" val="2827287010"/>
               </p:ext>
             </p:extLst>
           </p:nvPr>
@@ -7011,7 +7011,19 @@
                           <a:ea typeface="+mn-ea"/>
                           <a:cs typeface="Calibri" pitchFamily="34" charset="0"/>
                         </a:rPr>
-                        <a:t>UseCases</a:t>
+                        <a:t>Use</a:t>
+                      </a:r>
+                      <a:r>
+                        <a:rPr lang="de-CH" sz="2800" kern="1200" smtClean="0">
+                          <a:solidFill>
+                            <a:schemeClr val="dk1"/>
+                          </a:solidFill>
+                          <a:effectLst/>
+                          <a:latin typeface="Calibri" pitchFamily="34" charset="0"/>
+                          <a:ea typeface="+mn-ea"/>
+                          <a:cs typeface="Calibri" pitchFamily="34" charset="0"/>
+                        </a:rPr>
+                        <a:t> Cases </a:t>
                       </a:r>
                       <a:r>
                         <a:rPr lang="de-CH" sz="2800" kern="1200" dirty="0" smtClean="0">
@@ -7023,7 +7035,7 @@
                           <a:ea typeface="+mn-ea"/>
                           <a:cs typeface="Calibri" pitchFamily="34" charset="0"/>
                         </a:rPr>
-                        <a:t> war die Erstellung einer </a:t>
+                        <a:t>war die Erstellung einer </a:t>
                       </a:r>
                       <a:r>
                         <a:rPr lang="de-CH" sz="2800" kern="1200" dirty="0" err="1" smtClean="0">

--- a/_DOCUMENTATION/06_Poster/GFTPrototype-Poster.pptx
+++ b/_DOCUMENTATION/06_Poster/GFTPrototype-Poster.pptx
@@ -7703,7 +7703,7 @@
           <p:nvPr>
             <p:extLst>
               <p:ext uri="{D42A27DB-BD31-4B8C-83A1-F6EECF244321}">
-                <p14:modId xmlns:p14="http://schemas.microsoft.com/office/powerpoint/2010/main" val="203990627"/>
+                <p14:modId xmlns:p14="http://schemas.microsoft.com/office/powerpoint/2010/main" val="3046250160"/>
               </p:ext>
             </p:extLst>
           </p:nvPr>
@@ -7792,7 +7792,79 @@
                           <a:ea typeface="+mn-ea"/>
                           <a:cs typeface="Calibri" pitchFamily="34" charset="0"/>
                         </a:rPr>
-                        <a:t>In unserer Arbeit untersuchen wir die Möglichkeiten welche die </a:t>
+                        <a:t>Ziel</a:t>
+                      </a:r>
+                      <a:r>
+                        <a:rPr lang="de-CH" sz="2800" kern="1200" baseline="0" dirty="0" smtClean="0">
+                          <a:solidFill>
+                            <a:schemeClr val="dk1"/>
+                          </a:solidFill>
+                          <a:effectLst/>
+                          <a:latin typeface="Calibri" pitchFamily="34" charset="0"/>
+                          <a:ea typeface="+mn-ea"/>
+                          <a:cs typeface="Calibri" pitchFamily="34" charset="0"/>
+                        </a:rPr>
+                        <a:t> dieser </a:t>
+                      </a:r>
+                      <a:r>
+                        <a:rPr lang="de-CH" sz="2800" kern="1200" dirty="0" smtClean="0">
+                          <a:solidFill>
+                            <a:schemeClr val="dk1"/>
+                          </a:solidFill>
+                          <a:effectLst/>
+                          <a:latin typeface="Calibri" pitchFamily="34" charset="0"/>
+                          <a:ea typeface="+mn-ea"/>
+                          <a:cs typeface="Calibri" pitchFamily="34" charset="0"/>
+                        </a:rPr>
+                        <a:t>Arbeit war das </a:t>
+                      </a:r>
+                      <a:r>
+                        <a:rPr lang="de-CH" sz="2800" kern="1200" smtClean="0">
+                          <a:solidFill>
+                            <a:schemeClr val="dk1"/>
+                          </a:solidFill>
+                          <a:effectLst/>
+                          <a:latin typeface="Calibri" pitchFamily="34" charset="0"/>
+                          <a:ea typeface="+mn-ea"/>
+                          <a:cs typeface="Calibri" pitchFamily="34" charset="0"/>
+                        </a:rPr>
+                        <a:t>Untersuchen</a:t>
+                      </a:r>
+                      <a:r>
+                        <a:rPr lang="de-CH" sz="2800" kern="1200" baseline="0" smtClean="0">
+                          <a:solidFill>
+                            <a:schemeClr val="dk1"/>
+                          </a:solidFill>
+                          <a:effectLst/>
+                          <a:latin typeface="Calibri" pitchFamily="34" charset="0"/>
+                          <a:ea typeface="+mn-ea"/>
+                          <a:cs typeface="Calibri" pitchFamily="34" charset="0"/>
+                        </a:rPr>
+                        <a:t> der </a:t>
+                      </a:r>
+                      <a:r>
+                        <a:rPr lang="de-CH" sz="2800" kern="1200" smtClean="0">
+                          <a:solidFill>
+                            <a:schemeClr val="dk1"/>
+                          </a:solidFill>
+                          <a:effectLst/>
+                          <a:latin typeface="Calibri" pitchFamily="34" charset="0"/>
+                          <a:ea typeface="+mn-ea"/>
+                          <a:cs typeface="Calibri" pitchFamily="34" charset="0"/>
+                        </a:rPr>
+                        <a:t>Möglichkeiten, </a:t>
+                      </a:r>
+                      <a:r>
+                        <a:rPr lang="de-CH" sz="2800" kern="1200" dirty="0" smtClean="0">
+                          <a:solidFill>
+                            <a:schemeClr val="dk1"/>
+                          </a:solidFill>
+                          <a:effectLst/>
+                          <a:latin typeface="Calibri" pitchFamily="34" charset="0"/>
+                          <a:ea typeface="+mn-ea"/>
+                          <a:cs typeface="Calibri" pitchFamily="34" charset="0"/>
+                        </a:rPr>
+                        <a:t>welche die </a:t>
                       </a:r>
                       <a:r>
                         <a:rPr lang="de-CH" sz="2800" kern="1200" dirty="0" err="1" smtClean="0">
@@ -8952,58 +9024,6 @@
       </p:sp>
       <p:pic>
         <p:nvPicPr>
-          <p:cNvPr id="9" name="Picture 2" descr="D:\FILES\Juerg\Desktop\juerg_sharm_quadrat.JPG"/>
-          <p:cNvPicPr>
-            <a:picLocks noChangeAspect="1" noChangeArrowheads="1"/>
-          </p:cNvPicPr>
-          <p:nvPr/>
-        </p:nvPicPr>
-        <p:blipFill>
-          <a:blip r:embed="rId26" cstate="print">
-            <a:extLst>
-              <a:ext uri="{28A0092B-C50C-407E-A947-70E740481C1C}">
-                <a14:useLocalDpi xmlns:a14="http://schemas.microsoft.com/office/drawing/2010/main" val="0"/>
-              </a:ext>
-            </a:extLst>
-          </a:blip>
-          <a:srcRect/>
-          <a:stretch>
-            <a:fillRect/>
-          </a:stretch>
-        </p:blipFill>
-        <p:spPr bwMode="auto">
-          <a:xfrm>
-            <a:off x="21995959" y="2078038"/>
-            <a:ext cx="2881407" cy="2881407"/>
-          </a:xfrm>
-          <a:prstGeom prst="rect">
-            <a:avLst/>
-          </a:prstGeom>
-          <a:ln w="88900">
-            <a:solidFill>
-              <a:schemeClr val="bg1"/>
-            </a:solidFill>
-          </a:ln>
-          <a:effectLst>
-            <a:outerShdw blurRad="190500" algn="tl" rotWithShape="0">
-              <a:srgbClr val="000000">
-                <a:alpha val="70000"/>
-              </a:srgbClr>
-            </a:outerShdw>
-          </a:effectLst>
-          <a:extLst>
-            <a:ext uri="{909E8E84-426E-40DD-AFC4-6F175D3DCCD1}">
-              <a14:hiddenFill xmlns:a14="http://schemas.microsoft.com/office/drawing/2010/main">
-                <a:solidFill>
-                  <a:srgbClr val="FFFFFF"/>
-                </a:solidFill>
-              </a14:hiddenFill>
-            </a:ext>
-          </a:extLst>
-        </p:spPr>
-      </p:pic>
-      <p:pic>
-        <p:nvPicPr>
           <p:cNvPr id="1027" name="Picture 3" descr="D:\FILES\Juerg\Desktop\283208_10150262618957668_535577667_7335132_7992693_n.jpg"/>
           <p:cNvPicPr>
             <a:picLocks noChangeAspect="1" noChangeArrowheads="1"/>
@@ -9011,7 +9031,7 @@
           <p:nvPr/>
         </p:nvPicPr>
         <p:blipFill>
-          <a:blip r:embed="rId27">
+          <a:blip r:embed="rId26">
             <a:extLst>
               <a:ext uri="{28A0092B-C50C-407E-A947-70E740481C1C}">
                 <a14:useLocalDpi xmlns:a14="http://schemas.microsoft.com/office/drawing/2010/main" val="0"/>
@@ -9050,6 +9070,77 @@
                   <a:srgbClr val="FFFFFF"/>
                 </a:solidFill>
               </a14:hiddenFill>
+            </a:ext>
+          </a:extLst>
+        </p:spPr>
+      </p:pic>
+      <p:pic>
+        <p:nvPicPr>
+          <p:cNvPr id="10" name="Picture 3"/>
+          <p:cNvPicPr>
+            <a:picLocks noChangeAspect="1" noChangeArrowheads="1"/>
+          </p:cNvPicPr>
+          <p:nvPr/>
+        </p:nvPicPr>
+        <p:blipFill rotWithShape="1">
+          <a:blip r:embed="rId27">
+            <a:extLst>
+              <a:ext uri="{BEBA8EAE-BF5A-486C-A8C5-ECC9F3942E4B}">
+                <a14:imgProps xmlns:a14="http://schemas.microsoft.com/office/drawing/2010/main">
+                  <a14:imgLayer r:embed="rId28">
+                    <a14:imgEffect>
+                      <a14:saturation sat="0"/>
+                    </a14:imgEffect>
+                  </a14:imgLayer>
+                </a14:imgProps>
+              </a:ext>
+              <a:ext uri="{28A0092B-C50C-407E-A947-70E740481C1C}">
+                <a14:useLocalDpi xmlns:a14="http://schemas.microsoft.com/office/drawing/2010/main" val="0"/>
+              </a:ext>
+            </a:extLst>
+          </a:blip>
+          <a:srcRect l="3438" t="-1" b="358"/>
+          <a:stretch/>
+        </p:blipFill>
+        <p:spPr bwMode="auto">
+          <a:xfrm>
+            <a:off x="21945025" y="2033586"/>
+            <a:ext cx="2983275" cy="2925858"/>
+          </a:xfrm>
+          <a:prstGeom prst="rect">
+            <a:avLst/>
+          </a:prstGeom>
+          <a:ln w="88900">
+            <a:solidFill>
+              <a:schemeClr val="bg1"/>
+            </a:solidFill>
+            <a:miter lim="800000"/>
+            <a:headEnd/>
+            <a:tailEnd/>
+          </a:ln>
+          <a:effectLst>
+            <a:outerShdw blurRad="190500" algn="tl" rotWithShape="0">
+              <a:srgbClr val="000000">
+                <a:alpha val="70000"/>
+              </a:srgbClr>
+            </a:outerShdw>
+          </a:effectLst>
+          <a:extLst>
+            <a:ext uri="{909E8E84-426E-40DD-AFC4-6F175D3DCCD1}">
+              <a14:hiddenFill xmlns:a14="http://schemas.microsoft.com/office/drawing/2010/main">
+                <a:solidFill>
+                  <a:schemeClr val="accent1"/>
+                </a:solidFill>
+              </a14:hiddenFill>
+            </a:ext>
+            <a:ext uri="{AF507438-7753-43E0-B8FC-AC1667EBCBE1}">
+              <a14:hiddenEffects xmlns:a14="http://schemas.microsoft.com/office/drawing/2010/main">
+                <a:effectLst>
+                  <a:outerShdw dist="35921" dir="2700000" algn="ctr" rotWithShape="0">
+                    <a:schemeClr val="bg2"/>
+                  </a:outerShdw>
+                </a:effectLst>
+              </a14:hiddenEffects>
             </a:ext>
           </a:extLst>
         </p:spPr>
